--- a/기업업무 교안/기업업무1_7강(2023).pptx
+++ b/기업업무 교안/기업업무1_7강(2023).pptx
@@ -272,6 +272,35 @@
 </p:presentation>
 </file>
 
+<file path=ppt/changesInfos/changesInfo1.xml><?xml version="1.0" encoding="utf-8"?>
+<pc:chgInfo xmlns:a="http://schemas.openxmlformats.org/drawingml/2006/main" xmlns:r="http://schemas.openxmlformats.org/officeDocument/2006/relationships" xmlns:ac="http://schemas.microsoft.com/office/drawing/2013/main/command" xmlns:pc="http://schemas.microsoft.com/office/powerpoint/2013/main/command">
+  <pc:docChgLst>
+    <pc:chgData name="남 정현" userId="42c87c46deb7f138" providerId="LiveId" clId="{2FA6575A-13BA-4645-BCA1-5E4FA77F011D}"/>
+    <pc:docChg chg="modSld">
+      <pc:chgData name="남 정현" userId="42c87c46deb7f138" providerId="LiveId" clId="{2FA6575A-13BA-4645-BCA1-5E4FA77F011D}" dt="2023-06-11T09:44:47.968" v="1" actId="1076"/>
+      <pc:docMkLst>
+        <pc:docMk/>
+      </pc:docMkLst>
+      <pc:sldChg chg="modSp mod">
+        <pc:chgData name="남 정현" userId="42c87c46deb7f138" providerId="LiveId" clId="{2FA6575A-13BA-4645-BCA1-5E4FA77F011D}" dt="2023-06-11T09:44:47.968" v="1" actId="1076"/>
+        <pc:sldMkLst>
+          <pc:docMk/>
+          <pc:sldMk cId="4215141299" sldId="1174"/>
+        </pc:sldMkLst>
+        <pc:picChg chg="mod">
+          <ac:chgData name="남 정현" userId="42c87c46deb7f138" providerId="LiveId" clId="{2FA6575A-13BA-4645-BCA1-5E4FA77F011D}" dt="2023-06-11T09:44:47.968" v="1" actId="1076"/>
+          <ac:picMkLst>
+            <pc:docMk/>
+            <pc:sldMk cId="4215141299" sldId="1174"/>
+            <ac:picMk id="2" creationId="{00000000-0000-0000-0000-000000000000}"/>
+          </ac:picMkLst>
+        </pc:picChg>
+      </pc:sldChg>
+    </pc:docChg>
+  </pc:docChgLst>
+</pc:chgInfo>
+</file>
+
 <file path=ppt/notesMasters/notesMaster1.xml><?xml version="1.0" encoding="utf-8"?>
 <p:notesMaster xmlns:a="http://schemas.openxmlformats.org/drawingml/2006/main" xmlns:r="http://schemas.openxmlformats.org/officeDocument/2006/relationships" xmlns:p="http://schemas.openxmlformats.org/presentationml/2006/main">
   <p:cSld>
@@ -465,35 +494,35 @@
           <a:p>
             <a:pPr lvl="0"/>
             <a:r>
-              <a:rPr lang="ko-KR" altLang="en-US" smtClean="0"/>
+              <a:rPr lang="ko-KR" altLang="en-US"/>
               <a:t>마스터 텍스트 스타일을 편집합니다</a:t>
             </a:r>
           </a:p>
           <a:p>
             <a:pPr lvl="1"/>
             <a:r>
-              <a:rPr lang="ko-KR" altLang="en-US" smtClean="0"/>
+              <a:rPr lang="ko-KR" altLang="en-US"/>
               <a:t>둘째 수준</a:t>
             </a:r>
           </a:p>
           <a:p>
             <a:pPr lvl="2"/>
             <a:r>
-              <a:rPr lang="ko-KR" altLang="en-US" smtClean="0"/>
+              <a:rPr lang="ko-KR" altLang="en-US"/>
               <a:t>셋째 수준</a:t>
             </a:r>
           </a:p>
           <a:p>
             <a:pPr lvl="3"/>
             <a:r>
-              <a:rPr lang="ko-KR" altLang="en-US" smtClean="0"/>
+              <a:rPr lang="ko-KR" altLang="en-US"/>
               <a:t>넷째 수준</a:t>
             </a:r>
           </a:p>
           <a:p>
             <a:pPr lvl="4"/>
             <a:r>
-              <a:rPr lang="ko-KR" altLang="en-US" smtClean="0"/>
+              <a:rPr lang="ko-KR" altLang="en-US"/>
               <a:t>다섯째 수준</a:t>
             </a:r>
           </a:p>
@@ -4380,10 +4409,9 @@
           <a:lstStyle/>
           <a:p>
             <a:r>
-              <a:rPr lang="ko-KR" altLang="en-US" smtClean="0"/>
+              <a:rPr lang="ko-KR" altLang="en-US"/>
               <a:t>마스터 제목 스타일 편집</a:t>
             </a:r>
-            <a:endParaRPr lang="ko-KR" altLang="en-US"/>
           </a:p>
         </p:txBody>
       </p:sp>
@@ -4404,38 +4432,37 @@
           <a:p>
             <a:pPr lvl="0"/>
             <a:r>
-              <a:rPr lang="ko-KR" altLang="en-US" dirty="0" smtClean="0"/>
+              <a:rPr lang="ko-KR" altLang="en-US" dirty="0"/>
               <a:t>마스터 텍스트 스타일을 편집합니다</a:t>
             </a:r>
           </a:p>
           <a:p>
             <a:pPr lvl="1"/>
             <a:r>
-              <a:rPr lang="ko-KR" altLang="en-US" dirty="0" smtClean="0"/>
+              <a:rPr lang="ko-KR" altLang="en-US" dirty="0"/>
               <a:t>둘째 수준</a:t>
             </a:r>
           </a:p>
           <a:p>
             <a:pPr lvl="2"/>
             <a:r>
-              <a:rPr lang="ko-KR" altLang="en-US" dirty="0" smtClean="0"/>
+              <a:rPr lang="ko-KR" altLang="en-US" dirty="0"/>
               <a:t>셋째 수준</a:t>
             </a:r>
           </a:p>
           <a:p>
             <a:pPr lvl="3"/>
             <a:r>
-              <a:rPr lang="ko-KR" altLang="en-US" dirty="0" smtClean="0"/>
+              <a:rPr lang="ko-KR" altLang="en-US" dirty="0"/>
               <a:t>넷째 수준</a:t>
             </a:r>
           </a:p>
           <a:p>
             <a:pPr lvl="4"/>
             <a:r>
-              <a:rPr lang="ko-KR" altLang="en-US" dirty="0" smtClean="0"/>
+              <a:rPr lang="ko-KR" altLang="en-US" dirty="0"/>
               <a:t>다섯째 수준</a:t>
             </a:r>
-            <a:endParaRPr lang="ko-KR" altLang="en-US" dirty="0"/>
           </a:p>
         </p:txBody>
       </p:sp>
@@ -4527,10 +4554,9 @@
           <a:lstStyle/>
           <a:p>
             <a:r>
-              <a:rPr lang="ko-KR" altLang="en-US" smtClean="0"/>
+              <a:rPr lang="ko-KR" altLang="en-US"/>
               <a:t>마스터 제목 스타일 편집</a:t>
             </a:r>
-            <a:endParaRPr lang="ko-KR" altLang="en-US"/>
           </a:p>
         </p:txBody>
       </p:sp>
@@ -4556,38 +4582,37 @@
           <a:p>
             <a:pPr lvl="0"/>
             <a:r>
-              <a:rPr lang="ko-KR" altLang="en-US" smtClean="0"/>
+              <a:rPr lang="ko-KR" altLang="en-US"/>
               <a:t>마스터 텍스트 스타일을 편집합니다</a:t>
             </a:r>
           </a:p>
           <a:p>
             <a:pPr lvl="1"/>
             <a:r>
-              <a:rPr lang="ko-KR" altLang="en-US" smtClean="0"/>
+              <a:rPr lang="ko-KR" altLang="en-US"/>
               <a:t>둘째 수준</a:t>
             </a:r>
           </a:p>
           <a:p>
             <a:pPr lvl="2"/>
             <a:r>
-              <a:rPr lang="ko-KR" altLang="en-US" smtClean="0"/>
+              <a:rPr lang="ko-KR" altLang="en-US"/>
               <a:t>셋째 수준</a:t>
             </a:r>
           </a:p>
           <a:p>
             <a:pPr lvl="3"/>
             <a:r>
-              <a:rPr lang="ko-KR" altLang="en-US" smtClean="0"/>
+              <a:rPr lang="ko-KR" altLang="en-US"/>
               <a:t>넷째 수준</a:t>
             </a:r>
           </a:p>
           <a:p>
             <a:pPr lvl="4"/>
             <a:r>
-              <a:rPr lang="ko-KR" altLang="en-US" smtClean="0"/>
+              <a:rPr lang="ko-KR" altLang="en-US"/>
               <a:t>다섯째 수준</a:t>
             </a:r>
-            <a:endParaRPr lang="ko-KR" altLang="en-US"/>
           </a:p>
         </p:txBody>
       </p:sp>
@@ -4674,10 +4699,9 @@
           <a:lstStyle/>
           <a:p>
             <a:r>
-              <a:rPr lang="ko-KR" altLang="en-US" smtClean="0"/>
+              <a:rPr lang="ko-KR" altLang="en-US"/>
               <a:t>마스터 제목 스타일 편집</a:t>
             </a:r>
-            <a:endParaRPr lang="ko-KR" altLang="en-US"/>
           </a:p>
         </p:txBody>
       </p:sp>
@@ -4773,10 +4797,9 @@
           </a:lstStyle>
           <a:p>
             <a:r>
-              <a:rPr lang="ko-KR" altLang="en-US" smtClean="0"/>
+              <a:rPr lang="ko-KR" altLang="en-US"/>
               <a:t>마스터 제목 스타일 편집</a:t>
             </a:r>
-            <a:endParaRPr lang="ko-KR" altLang="en-US"/>
           </a:p>
         </p:txBody>
       </p:sp>
@@ -4841,10 +4864,9 @@
           </a:lstStyle>
           <a:p>
             <a:r>
-              <a:rPr lang="ko-KR" altLang="en-US" smtClean="0"/>
+              <a:rPr lang="ko-KR" altLang="en-US"/>
               <a:t>마스터 부제목 스타일 편집</a:t>
             </a:r>
-            <a:endParaRPr lang="ko-KR" altLang="en-US"/>
           </a:p>
         </p:txBody>
       </p:sp>
@@ -5072,10 +5094,9 @@
           <a:lstStyle/>
           <a:p>
             <a:r>
-              <a:rPr lang="ko-KR" altLang="en-US" smtClean="0"/>
+              <a:rPr lang="ko-KR" altLang="en-US"/>
               <a:t>마스터 제목 스타일 편집</a:t>
             </a:r>
-            <a:endParaRPr lang="ko-KR" altLang="en-US"/>
           </a:p>
         </p:txBody>
       </p:sp>
@@ -5140,10 +5161,9 @@
           </a:lstStyle>
           <a:p>
             <a:r>
-              <a:rPr lang="ko-KR" altLang="en-US" smtClean="0"/>
+              <a:rPr lang="ko-KR" altLang="en-US"/>
               <a:t>마스터 부제목 스타일 편집</a:t>
             </a:r>
-            <a:endParaRPr lang="ko-KR" altLang="en-US"/>
           </a:p>
         </p:txBody>
       </p:sp>
@@ -5188,10 +5208,9 @@
           <a:lstStyle/>
           <a:p>
             <a:r>
-              <a:rPr lang="ko-KR" altLang="en-US" smtClean="0"/>
+              <a:rPr lang="ko-KR" altLang="en-US"/>
               <a:t>마스터 제목 스타일 편집</a:t>
             </a:r>
-            <a:endParaRPr lang="ko-KR" altLang="en-US"/>
           </a:p>
         </p:txBody>
       </p:sp>
@@ -5220,38 +5239,37 @@
           <a:p>
             <a:pPr lvl="0"/>
             <a:r>
-              <a:rPr lang="ko-KR" altLang="en-US" smtClean="0"/>
+              <a:rPr lang="ko-KR" altLang="en-US"/>
               <a:t>마스터 텍스트 스타일을 편집합니다</a:t>
             </a:r>
           </a:p>
           <a:p>
             <a:pPr lvl="1"/>
             <a:r>
-              <a:rPr lang="ko-KR" altLang="en-US" smtClean="0"/>
+              <a:rPr lang="ko-KR" altLang="en-US"/>
               <a:t>둘째 수준</a:t>
             </a:r>
           </a:p>
           <a:p>
             <a:pPr lvl="2"/>
             <a:r>
-              <a:rPr lang="ko-KR" altLang="en-US" smtClean="0"/>
+              <a:rPr lang="ko-KR" altLang="en-US"/>
               <a:t>셋째 수준</a:t>
             </a:r>
           </a:p>
           <a:p>
             <a:pPr lvl="3"/>
             <a:r>
-              <a:rPr lang="ko-KR" altLang="en-US" smtClean="0"/>
+              <a:rPr lang="ko-KR" altLang="en-US"/>
               <a:t>넷째 수준</a:t>
             </a:r>
           </a:p>
           <a:p>
             <a:pPr lvl="4"/>
             <a:r>
-              <a:rPr lang="ko-KR" altLang="en-US" smtClean="0"/>
+              <a:rPr lang="ko-KR" altLang="en-US"/>
               <a:t>다섯째 수준</a:t>
             </a:r>
-            <a:endParaRPr lang="ko-KR" altLang="en-US"/>
           </a:p>
         </p:txBody>
       </p:sp>
@@ -5305,10 +5323,9 @@
           </a:lstStyle>
           <a:p>
             <a:r>
-              <a:rPr lang="ko-KR" altLang="en-US" smtClean="0"/>
+              <a:rPr lang="ko-KR" altLang="en-US"/>
               <a:t>마스터 제목 스타일 편집</a:t>
             </a:r>
-            <a:endParaRPr lang="ko-KR" altLang="en-US"/>
           </a:p>
         </p:txBody>
       </p:sp>
@@ -5374,7 +5391,7 @@
           <a:p>
             <a:pPr lvl="0"/>
             <a:r>
-              <a:rPr lang="ko-KR" altLang="en-US" smtClean="0"/>
+              <a:rPr lang="ko-KR" altLang="en-US"/>
               <a:t>마스터 텍스트 스타일을 편집합니다</a:t>
             </a:r>
           </a:p>
@@ -5421,10 +5438,9 @@
           <a:lstStyle/>
           <a:p>
             <a:r>
-              <a:rPr lang="ko-KR" altLang="en-US" smtClean="0"/>
+              <a:rPr lang="ko-KR" altLang="en-US"/>
               <a:t>마스터 제목 스타일 편집</a:t>
             </a:r>
-            <a:endParaRPr lang="ko-KR" altLang="en-US"/>
           </a:p>
         </p:txBody>
       </p:sp>
@@ -5481,38 +5497,37 @@
           <a:p>
             <a:pPr lvl="0"/>
             <a:r>
-              <a:rPr lang="ko-KR" altLang="en-US" smtClean="0"/>
+              <a:rPr lang="ko-KR" altLang="en-US"/>
               <a:t>마스터 텍스트 스타일을 편집합니다</a:t>
             </a:r>
           </a:p>
           <a:p>
             <a:pPr lvl="1"/>
             <a:r>
-              <a:rPr lang="ko-KR" altLang="en-US" smtClean="0"/>
+              <a:rPr lang="ko-KR" altLang="en-US"/>
               <a:t>둘째 수준</a:t>
             </a:r>
           </a:p>
           <a:p>
             <a:pPr lvl="2"/>
             <a:r>
-              <a:rPr lang="ko-KR" altLang="en-US" smtClean="0"/>
+              <a:rPr lang="ko-KR" altLang="en-US"/>
               <a:t>셋째 수준</a:t>
             </a:r>
           </a:p>
           <a:p>
             <a:pPr lvl="3"/>
             <a:r>
-              <a:rPr lang="ko-KR" altLang="en-US" smtClean="0"/>
+              <a:rPr lang="ko-KR" altLang="en-US"/>
               <a:t>넷째 수준</a:t>
             </a:r>
           </a:p>
           <a:p>
             <a:pPr lvl="4"/>
             <a:r>
-              <a:rPr lang="ko-KR" altLang="en-US" smtClean="0"/>
+              <a:rPr lang="ko-KR" altLang="en-US"/>
               <a:t>다섯째 수준</a:t>
             </a:r>
-            <a:endParaRPr lang="ko-KR" altLang="en-US"/>
           </a:p>
         </p:txBody>
       </p:sp>
@@ -5569,38 +5584,37 @@
           <a:p>
             <a:pPr lvl="0"/>
             <a:r>
-              <a:rPr lang="ko-KR" altLang="en-US" smtClean="0"/>
+              <a:rPr lang="ko-KR" altLang="en-US"/>
               <a:t>마스터 텍스트 스타일을 편집합니다</a:t>
             </a:r>
           </a:p>
           <a:p>
             <a:pPr lvl="1"/>
             <a:r>
-              <a:rPr lang="ko-KR" altLang="en-US" smtClean="0"/>
+              <a:rPr lang="ko-KR" altLang="en-US"/>
               <a:t>둘째 수준</a:t>
             </a:r>
           </a:p>
           <a:p>
             <a:pPr lvl="2"/>
             <a:r>
-              <a:rPr lang="ko-KR" altLang="en-US" smtClean="0"/>
+              <a:rPr lang="ko-KR" altLang="en-US"/>
               <a:t>셋째 수준</a:t>
             </a:r>
           </a:p>
           <a:p>
             <a:pPr lvl="3"/>
             <a:r>
-              <a:rPr lang="ko-KR" altLang="en-US" smtClean="0"/>
+              <a:rPr lang="ko-KR" altLang="en-US"/>
               <a:t>넷째 수준</a:t>
             </a:r>
           </a:p>
           <a:p>
             <a:pPr lvl="4"/>
             <a:r>
-              <a:rPr lang="ko-KR" altLang="en-US" smtClean="0"/>
+              <a:rPr lang="ko-KR" altLang="en-US"/>
               <a:t>다섯째 수준</a:t>
             </a:r>
-            <a:endParaRPr lang="ko-KR" altLang="en-US"/>
           </a:p>
         </p:txBody>
       </p:sp>
@@ -5654,10 +5668,9 @@
           </a:lstStyle>
           <a:p>
             <a:r>
-              <a:rPr lang="ko-KR" altLang="en-US" smtClean="0"/>
+              <a:rPr lang="ko-KR" altLang="en-US"/>
               <a:t>마스터 제목 스타일 편집</a:t>
             </a:r>
-            <a:endParaRPr lang="ko-KR" altLang="en-US"/>
           </a:p>
         </p:txBody>
       </p:sp>
@@ -5723,7 +5736,7 @@
           <a:p>
             <a:pPr lvl="0"/>
             <a:r>
-              <a:rPr lang="ko-KR" altLang="en-US" smtClean="0"/>
+              <a:rPr lang="ko-KR" altLang="en-US"/>
               <a:t>마스터 텍스트 스타일을 편집합니다</a:t>
             </a:r>
           </a:p>
@@ -5782,38 +5795,37 @@
           <a:p>
             <a:pPr lvl="0"/>
             <a:r>
-              <a:rPr lang="ko-KR" altLang="en-US" smtClean="0"/>
+              <a:rPr lang="ko-KR" altLang="en-US"/>
               <a:t>마스터 텍스트 스타일을 편집합니다</a:t>
             </a:r>
           </a:p>
           <a:p>
             <a:pPr lvl="1"/>
             <a:r>
-              <a:rPr lang="ko-KR" altLang="en-US" smtClean="0"/>
+              <a:rPr lang="ko-KR" altLang="en-US"/>
               <a:t>둘째 수준</a:t>
             </a:r>
           </a:p>
           <a:p>
             <a:pPr lvl="2"/>
             <a:r>
-              <a:rPr lang="ko-KR" altLang="en-US" smtClean="0"/>
+              <a:rPr lang="ko-KR" altLang="en-US"/>
               <a:t>셋째 수준</a:t>
             </a:r>
           </a:p>
           <a:p>
             <a:pPr lvl="3"/>
             <a:r>
-              <a:rPr lang="ko-KR" altLang="en-US" smtClean="0"/>
+              <a:rPr lang="ko-KR" altLang="en-US"/>
               <a:t>넷째 수준</a:t>
             </a:r>
           </a:p>
           <a:p>
             <a:pPr lvl="4"/>
             <a:r>
-              <a:rPr lang="ko-KR" altLang="en-US" smtClean="0"/>
+              <a:rPr lang="ko-KR" altLang="en-US"/>
               <a:t>다섯째 수준</a:t>
             </a:r>
-            <a:endParaRPr lang="ko-KR" altLang="en-US"/>
           </a:p>
         </p:txBody>
       </p:sp>
@@ -5879,7 +5891,7 @@
           <a:p>
             <a:pPr lvl="0"/>
             <a:r>
-              <a:rPr lang="ko-KR" altLang="en-US" smtClean="0"/>
+              <a:rPr lang="ko-KR" altLang="en-US"/>
               <a:t>마스터 텍스트 스타일을 편집합니다</a:t>
             </a:r>
           </a:p>
@@ -5938,38 +5950,37 @@
           <a:p>
             <a:pPr lvl="0"/>
             <a:r>
-              <a:rPr lang="ko-KR" altLang="en-US" smtClean="0"/>
+              <a:rPr lang="ko-KR" altLang="en-US"/>
               <a:t>마스터 텍스트 스타일을 편집합니다</a:t>
             </a:r>
           </a:p>
           <a:p>
             <a:pPr lvl="1"/>
             <a:r>
-              <a:rPr lang="ko-KR" altLang="en-US" smtClean="0"/>
+              <a:rPr lang="ko-KR" altLang="en-US"/>
               <a:t>둘째 수준</a:t>
             </a:r>
           </a:p>
           <a:p>
             <a:pPr lvl="2"/>
             <a:r>
-              <a:rPr lang="ko-KR" altLang="en-US" smtClean="0"/>
+              <a:rPr lang="ko-KR" altLang="en-US"/>
               <a:t>셋째 수준</a:t>
             </a:r>
           </a:p>
           <a:p>
             <a:pPr lvl="3"/>
             <a:r>
-              <a:rPr lang="ko-KR" altLang="en-US" smtClean="0"/>
+              <a:rPr lang="ko-KR" altLang="en-US"/>
               <a:t>넷째 수준</a:t>
             </a:r>
           </a:p>
           <a:p>
             <a:pPr lvl="4"/>
             <a:r>
-              <a:rPr lang="ko-KR" altLang="en-US" smtClean="0"/>
+              <a:rPr lang="ko-KR" altLang="en-US"/>
               <a:t>다섯째 수준</a:t>
             </a:r>
-            <a:endParaRPr lang="ko-KR" altLang="en-US"/>
           </a:p>
         </p:txBody>
       </p:sp>
@@ -6014,10 +6025,9 @@
           <a:lstStyle/>
           <a:p>
             <a:r>
-              <a:rPr lang="ko-KR" altLang="en-US" smtClean="0"/>
+              <a:rPr lang="ko-KR" altLang="en-US"/>
               <a:t>마스터 제목 스타일 편집</a:t>
             </a:r>
-            <a:endParaRPr lang="ko-KR" altLang="en-US"/>
           </a:p>
         </p:txBody>
       </p:sp>
@@ -6071,10 +6081,9 @@
           </a:lstStyle>
           <a:p>
             <a:r>
-              <a:rPr lang="ko-KR" altLang="en-US" smtClean="0"/>
+              <a:rPr lang="ko-KR" altLang="en-US"/>
               <a:t>마스터 제목 스타일 편집</a:t>
             </a:r>
-            <a:endParaRPr lang="ko-KR" altLang="en-US"/>
           </a:p>
         </p:txBody>
       </p:sp>
@@ -6137,7 +6146,7 @@
           <a:p>
             <a:pPr lvl="0"/>
             <a:r>
-              <a:rPr lang="ko-KR" altLang="en-US" smtClean="0"/>
+              <a:rPr lang="ko-KR" altLang="en-US"/>
               <a:t>마스터 텍스트 스타일을 편집합니다</a:t>
             </a:r>
           </a:p>
@@ -6260,10 +6269,9 @@
           </a:lstStyle>
           <a:p>
             <a:r>
-              <a:rPr lang="ko-KR" altLang="en-US" smtClean="0"/>
+              <a:rPr lang="ko-KR" altLang="en-US"/>
               <a:t>마스터 제목 스타일 편집</a:t>
             </a:r>
-            <a:endParaRPr lang="ko-KR" altLang="en-US"/>
           </a:p>
         </p:txBody>
       </p:sp>
@@ -6320,38 +6328,37 @@
           <a:p>
             <a:pPr lvl="0"/>
             <a:r>
-              <a:rPr lang="ko-KR" altLang="en-US" smtClean="0"/>
+              <a:rPr lang="ko-KR" altLang="en-US"/>
               <a:t>마스터 텍스트 스타일을 편집합니다</a:t>
             </a:r>
           </a:p>
           <a:p>
             <a:pPr lvl="1"/>
             <a:r>
-              <a:rPr lang="ko-KR" altLang="en-US" smtClean="0"/>
+              <a:rPr lang="ko-KR" altLang="en-US"/>
               <a:t>둘째 수준</a:t>
             </a:r>
           </a:p>
           <a:p>
             <a:pPr lvl="2"/>
             <a:r>
-              <a:rPr lang="ko-KR" altLang="en-US" smtClean="0"/>
+              <a:rPr lang="ko-KR" altLang="en-US"/>
               <a:t>셋째 수준</a:t>
             </a:r>
           </a:p>
           <a:p>
             <a:pPr lvl="3"/>
             <a:r>
-              <a:rPr lang="ko-KR" altLang="en-US" smtClean="0"/>
+              <a:rPr lang="ko-KR" altLang="en-US"/>
               <a:t>넷째 수준</a:t>
             </a:r>
           </a:p>
           <a:p>
             <a:pPr lvl="4"/>
             <a:r>
-              <a:rPr lang="ko-KR" altLang="en-US" smtClean="0"/>
+              <a:rPr lang="ko-KR" altLang="en-US"/>
               <a:t>다섯째 수준</a:t>
             </a:r>
-            <a:endParaRPr lang="ko-KR" altLang="en-US"/>
           </a:p>
         </p:txBody>
       </p:sp>
@@ -6417,7 +6424,7 @@
           <a:p>
             <a:pPr lvl="0"/>
             <a:r>
-              <a:rPr lang="ko-KR" altLang="en-US" smtClean="0"/>
+              <a:rPr lang="ko-KR" altLang="en-US"/>
               <a:t>마스터 텍스트 스타일을 편집합니다</a:t>
             </a:r>
           </a:p>
@@ -6473,10 +6480,9 @@
           </a:lstStyle>
           <a:p>
             <a:r>
-              <a:rPr lang="ko-KR" altLang="en-US" smtClean="0"/>
+              <a:rPr lang="ko-KR" altLang="en-US"/>
               <a:t>마스터 제목 스타일 편집</a:t>
             </a:r>
-            <a:endParaRPr lang="ko-KR" altLang="en-US"/>
           </a:p>
         </p:txBody>
       </p:sp>
@@ -6541,7 +6547,7 @@
           </a:lstStyle>
           <a:p>
             <a:pPr lvl="0"/>
-            <a:endParaRPr lang="ko-KR" altLang="en-US" noProof="0" smtClean="0"/>
+            <a:endParaRPr lang="ko-KR" altLang="en-US" noProof="0"/>
           </a:p>
         </p:txBody>
       </p:sp>
@@ -6607,7 +6613,7 @@
           <a:p>
             <a:pPr lvl="0"/>
             <a:r>
-              <a:rPr lang="ko-KR" altLang="en-US" smtClean="0"/>
+              <a:rPr lang="ko-KR" altLang="en-US"/>
               <a:t>마스터 텍스트 스타일을 편집합니다</a:t>
             </a:r>
           </a:p>
@@ -6654,10 +6660,9 @@
           <a:lstStyle/>
           <a:p>
             <a:r>
-              <a:rPr lang="ko-KR" altLang="en-US" smtClean="0"/>
+              <a:rPr lang="ko-KR" altLang="en-US"/>
               <a:t>마스터 제목 스타일 편집</a:t>
             </a:r>
-            <a:endParaRPr lang="ko-KR" altLang="en-US"/>
           </a:p>
         </p:txBody>
       </p:sp>
@@ -6686,38 +6691,37 @@
           <a:p>
             <a:pPr lvl="0"/>
             <a:r>
-              <a:rPr lang="ko-KR" altLang="en-US" smtClean="0"/>
+              <a:rPr lang="ko-KR" altLang="en-US"/>
               <a:t>마스터 텍스트 스타일을 편집합니다</a:t>
             </a:r>
           </a:p>
           <a:p>
             <a:pPr lvl="1"/>
             <a:r>
-              <a:rPr lang="ko-KR" altLang="en-US" smtClean="0"/>
+              <a:rPr lang="ko-KR" altLang="en-US"/>
               <a:t>둘째 수준</a:t>
             </a:r>
           </a:p>
           <a:p>
             <a:pPr lvl="2"/>
             <a:r>
-              <a:rPr lang="ko-KR" altLang="en-US" smtClean="0"/>
+              <a:rPr lang="ko-KR" altLang="en-US"/>
               <a:t>셋째 수준</a:t>
             </a:r>
           </a:p>
           <a:p>
             <a:pPr lvl="3"/>
             <a:r>
-              <a:rPr lang="ko-KR" altLang="en-US" smtClean="0"/>
+              <a:rPr lang="ko-KR" altLang="en-US"/>
               <a:t>넷째 수준</a:t>
             </a:r>
           </a:p>
           <a:p>
             <a:pPr lvl="4"/>
             <a:r>
-              <a:rPr lang="ko-KR" altLang="en-US" smtClean="0"/>
+              <a:rPr lang="ko-KR" altLang="en-US"/>
               <a:t>다섯째 수준</a:t>
             </a:r>
-            <a:endParaRPr lang="ko-KR" altLang="en-US"/>
           </a:p>
         </p:txBody>
       </p:sp>
@@ -6767,10 +6771,9 @@
           <a:lstStyle/>
           <a:p>
             <a:r>
-              <a:rPr lang="ko-KR" altLang="en-US" smtClean="0"/>
+              <a:rPr lang="ko-KR" altLang="en-US"/>
               <a:t>마스터 제목 스타일 편집</a:t>
             </a:r>
-            <a:endParaRPr lang="ko-KR" altLang="en-US"/>
           </a:p>
         </p:txBody>
       </p:sp>
@@ -6799,38 +6802,37 @@
           <a:p>
             <a:pPr lvl="0"/>
             <a:r>
-              <a:rPr lang="ko-KR" altLang="en-US" smtClean="0"/>
+              <a:rPr lang="ko-KR" altLang="en-US"/>
               <a:t>마스터 텍스트 스타일을 편집합니다</a:t>
             </a:r>
           </a:p>
           <a:p>
             <a:pPr lvl="1"/>
             <a:r>
-              <a:rPr lang="ko-KR" altLang="en-US" smtClean="0"/>
+              <a:rPr lang="ko-KR" altLang="en-US"/>
               <a:t>둘째 수준</a:t>
             </a:r>
           </a:p>
           <a:p>
             <a:pPr lvl="2"/>
             <a:r>
-              <a:rPr lang="ko-KR" altLang="en-US" smtClean="0"/>
+              <a:rPr lang="ko-KR" altLang="en-US"/>
               <a:t>셋째 수준</a:t>
             </a:r>
           </a:p>
           <a:p>
             <a:pPr lvl="3"/>
             <a:r>
-              <a:rPr lang="ko-KR" altLang="en-US" smtClean="0"/>
+              <a:rPr lang="ko-KR" altLang="en-US"/>
               <a:t>넷째 수준</a:t>
             </a:r>
           </a:p>
           <a:p>
             <a:pPr lvl="4"/>
             <a:r>
-              <a:rPr lang="ko-KR" altLang="en-US" smtClean="0"/>
+              <a:rPr lang="ko-KR" altLang="en-US"/>
               <a:t>다섯째 수준</a:t>
             </a:r>
-            <a:endParaRPr lang="ko-KR" altLang="en-US"/>
           </a:p>
         </p:txBody>
       </p:sp>
@@ -6875,10 +6877,9 @@
           <a:lstStyle/>
           <a:p>
             <a:r>
-              <a:rPr lang="ko-KR" altLang="en-US" smtClean="0"/>
+              <a:rPr lang="ko-KR" altLang="en-US"/>
               <a:t>마스터 제목 스타일 편집</a:t>
             </a:r>
-            <a:endParaRPr lang="ko-KR" altLang="en-US"/>
           </a:p>
         </p:txBody>
       </p:sp>
@@ -6932,38 +6933,37 @@
           <a:p>
             <a:pPr lvl="0"/>
             <a:r>
-              <a:rPr lang="ko-KR" altLang="en-US" smtClean="0"/>
+              <a:rPr lang="ko-KR" altLang="en-US"/>
               <a:t>마스터 텍스트 스타일을 편집합니다</a:t>
             </a:r>
           </a:p>
           <a:p>
             <a:pPr lvl="1"/>
             <a:r>
-              <a:rPr lang="ko-KR" altLang="en-US" smtClean="0"/>
+              <a:rPr lang="ko-KR" altLang="en-US"/>
               <a:t>둘째 수준</a:t>
             </a:r>
           </a:p>
           <a:p>
             <a:pPr lvl="2"/>
             <a:r>
-              <a:rPr lang="ko-KR" altLang="en-US" smtClean="0"/>
+              <a:rPr lang="ko-KR" altLang="en-US"/>
               <a:t>셋째 수준</a:t>
             </a:r>
           </a:p>
           <a:p>
             <a:pPr lvl="3"/>
             <a:r>
-              <a:rPr lang="ko-KR" altLang="en-US" smtClean="0"/>
+              <a:rPr lang="ko-KR" altLang="en-US"/>
               <a:t>넷째 수준</a:t>
             </a:r>
           </a:p>
           <a:p>
             <a:pPr lvl="4"/>
             <a:r>
-              <a:rPr lang="ko-KR" altLang="en-US" smtClean="0"/>
+              <a:rPr lang="ko-KR" altLang="en-US"/>
               <a:t>다섯째 수준</a:t>
             </a:r>
-            <a:endParaRPr lang="ko-KR" altLang="en-US"/>
           </a:p>
         </p:txBody>
       </p:sp>
@@ -7017,38 +7017,37 @@
           <a:p>
             <a:pPr lvl="0"/>
             <a:r>
-              <a:rPr lang="ko-KR" altLang="en-US" smtClean="0"/>
+              <a:rPr lang="ko-KR" altLang="en-US"/>
               <a:t>마스터 텍스트 스타일을 편집합니다</a:t>
             </a:r>
           </a:p>
           <a:p>
             <a:pPr lvl="1"/>
             <a:r>
-              <a:rPr lang="ko-KR" altLang="en-US" smtClean="0"/>
+              <a:rPr lang="ko-KR" altLang="en-US"/>
               <a:t>둘째 수준</a:t>
             </a:r>
           </a:p>
           <a:p>
             <a:pPr lvl="2"/>
             <a:r>
-              <a:rPr lang="ko-KR" altLang="en-US" smtClean="0"/>
+              <a:rPr lang="ko-KR" altLang="en-US"/>
               <a:t>셋째 수준</a:t>
             </a:r>
           </a:p>
           <a:p>
             <a:pPr lvl="3"/>
             <a:r>
-              <a:rPr lang="ko-KR" altLang="en-US" smtClean="0"/>
+              <a:rPr lang="ko-KR" altLang="en-US"/>
               <a:t>넷째 수준</a:t>
             </a:r>
           </a:p>
           <a:p>
             <a:pPr lvl="4"/>
             <a:r>
-              <a:rPr lang="ko-KR" altLang="en-US" smtClean="0"/>
+              <a:rPr lang="ko-KR" altLang="en-US"/>
               <a:t>다섯째 수준</a:t>
             </a:r>
-            <a:endParaRPr lang="ko-KR" altLang="en-US"/>
           </a:p>
         </p:txBody>
       </p:sp>
@@ -7144,10 +7143,9 @@
           </a:lstStyle>
           <a:p>
             <a:r>
-              <a:rPr lang="ko-KR" altLang="en-US" smtClean="0"/>
+              <a:rPr lang="ko-KR" altLang="en-US"/>
               <a:t>마스터 제목 스타일 편집</a:t>
             </a:r>
-            <a:endParaRPr lang="ko-KR" altLang="en-US"/>
           </a:p>
         </p:txBody>
       </p:sp>
@@ -7210,7 +7208,7 @@
           <a:p>
             <a:pPr lvl="0"/>
             <a:r>
-              <a:rPr lang="ko-KR" altLang="en-US" smtClean="0"/>
+              <a:rPr lang="ko-KR" altLang="en-US"/>
               <a:t>마스터 텍스트 스타일을 편집합니다</a:t>
             </a:r>
           </a:p>
@@ -7266,38 +7264,37 @@
           <a:p>
             <a:pPr lvl="0"/>
             <a:r>
-              <a:rPr lang="ko-KR" altLang="en-US" smtClean="0"/>
+              <a:rPr lang="ko-KR" altLang="en-US"/>
               <a:t>마스터 텍스트 스타일을 편집합니다</a:t>
             </a:r>
           </a:p>
           <a:p>
             <a:pPr lvl="1"/>
             <a:r>
-              <a:rPr lang="ko-KR" altLang="en-US" smtClean="0"/>
+              <a:rPr lang="ko-KR" altLang="en-US"/>
               <a:t>둘째 수준</a:t>
             </a:r>
           </a:p>
           <a:p>
             <a:pPr lvl="2"/>
             <a:r>
-              <a:rPr lang="ko-KR" altLang="en-US" smtClean="0"/>
+              <a:rPr lang="ko-KR" altLang="en-US"/>
               <a:t>셋째 수준</a:t>
             </a:r>
           </a:p>
           <a:p>
             <a:pPr lvl="3"/>
             <a:r>
-              <a:rPr lang="ko-KR" altLang="en-US" smtClean="0"/>
+              <a:rPr lang="ko-KR" altLang="en-US"/>
               <a:t>넷째 수준</a:t>
             </a:r>
           </a:p>
           <a:p>
             <a:pPr lvl="4"/>
             <a:r>
-              <a:rPr lang="ko-KR" altLang="en-US" smtClean="0"/>
+              <a:rPr lang="ko-KR" altLang="en-US"/>
               <a:t>다섯째 수준</a:t>
             </a:r>
-            <a:endParaRPr lang="ko-KR" altLang="en-US"/>
           </a:p>
         </p:txBody>
       </p:sp>
@@ -7360,7 +7357,7 @@
           <a:p>
             <a:pPr lvl="0"/>
             <a:r>
-              <a:rPr lang="ko-KR" altLang="en-US" smtClean="0"/>
+              <a:rPr lang="ko-KR" altLang="en-US"/>
               <a:t>마스터 텍스트 스타일을 편집합니다</a:t>
             </a:r>
           </a:p>
@@ -7416,38 +7413,37 @@
           <a:p>
             <a:pPr lvl="0"/>
             <a:r>
-              <a:rPr lang="ko-KR" altLang="en-US" smtClean="0"/>
+              <a:rPr lang="ko-KR" altLang="en-US"/>
               <a:t>마스터 텍스트 스타일을 편집합니다</a:t>
             </a:r>
           </a:p>
           <a:p>
             <a:pPr lvl="1"/>
             <a:r>
-              <a:rPr lang="ko-KR" altLang="en-US" smtClean="0"/>
+              <a:rPr lang="ko-KR" altLang="en-US"/>
               <a:t>둘째 수준</a:t>
             </a:r>
           </a:p>
           <a:p>
             <a:pPr lvl="2"/>
             <a:r>
-              <a:rPr lang="ko-KR" altLang="en-US" smtClean="0"/>
+              <a:rPr lang="ko-KR" altLang="en-US"/>
               <a:t>셋째 수준</a:t>
             </a:r>
           </a:p>
           <a:p>
             <a:pPr lvl="3"/>
             <a:r>
-              <a:rPr lang="ko-KR" altLang="en-US" smtClean="0"/>
+              <a:rPr lang="ko-KR" altLang="en-US"/>
               <a:t>넷째 수준</a:t>
             </a:r>
           </a:p>
           <a:p>
             <a:pPr lvl="4"/>
             <a:r>
-              <a:rPr lang="ko-KR" altLang="en-US" smtClean="0"/>
+              <a:rPr lang="ko-KR" altLang="en-US"/>
               <a:t>다섯째 수준</a:t>
             </a:r>
-            <a:endParaRPr lang="ko-KR" altLang="en-US"/>
           </a:p>
         </p:txBody>
       </p:sp>
@@ -7534,10 +7530,9 @@
           <a:lstStyle/>
           <a:p>
             <a:r>
-              <a:rPr lang="ko-KR" altLang="en-US" smtClean="0"/>
+              <a:rPr lang="ko-KR" altLang="en-US"/>
               <a:t>마스터 제목 스타일 편집</a:t>
             </a:r>
-            <a:endParaRPr lang="ko-KR" altLang="en-US"/>
           </a:p>
         </p:txBody>
       </p:sp>
@@ -7700,10 +7695,9 @@
           </a:lstStyle>
           <a:p>
             <a:r>
-              <a:rPr lang="ko-KR" altLang="en-US" smtClean="0"/>
+              <a:rPr lang="ko-KR" altLang="en-US"/>
               <a:t>마스터 제목 스타일 편집</a:t>
             </a:r>
-            <a:endParaRPr lang="ko-KR" altLang="en-US"/>
           </a:p>
         </p:txBody>
       </p:sp>
@@ -7757,38 +7751,37 @@
           <a:p>
             <a:pPr lvl="0"/>
             <a:r>
-              <a:rPr lang="ko-KR" altLang="en-US" smtClean="0"/>
+              <a:rPr lang="ko-KR" altLang="en-US"/>
               <a:t>마스터 텍스트 스타일을 편집합니다</a:t>
             </a:r>
           </a:p>
           <a:p>
             <a:pPr lvl="1"/>
             <a:r>
-              <a:rPr lang="ko-KR" altLang="en-US" smtClean="0"/>
+              <a:rPr lang="ko-KR" altLang="en-US"/>
               <a:t>둘째 수준</a:t>
             </a:r>
           </a:p>
           <a:p>
             <a:pPr lvl="2"/>
             <a:r>
-              <a:rPr lang="ko-KR" altLang="en-US" smtClean="0"/>
+              <a:rPr lang="ko-KR" altLang="en-US"/>
               <a:t>셋째 수준</a:t>
             </a:r>
           </a:p>
           <a:p>
             <a:pPr lvl="3"/>
             <a:r>
-              <a:rPr lang="ko-KR" altLang="en-US" smtClean="0"/>
+              <a:rPr lang="ko-KR" altLang="en-US"/>
               <a:t>넷째 수준</a:t>
             </a:r>
           </a:p>
           <a:p>
             <a:pPr lvl="4"/>
             <a:r>
-              <a:rPr lang="ko-KR" altLang="en-US" smtClean="0"/>
+              <a:rPr lang="ko-KR" altLang="en-US"/>
               <a:t>다섯째 수준</a:t>
             </a:r>
-            <a:endParaRPr lang="ko-KR" altLang="en-US"/>
           </a:p>
         </p:txBody>
       </p:sp>
@@ -7851,7 +7844,7 @@
           <a:p>
             <a:pPr lvl="0"/>
             <a:r>
-              <a:rPr lang="ko-KR" altLang="en-US" smtClean="0"/>
+              <a:rPr lang="ko-KR" altLang="en-US"/>
               <a:t>마스터 텍스트 스타일을 편집합니다</a:t>
             </a:r>
           </a:p>
@@ -7949,10 +7942,9 @@
           </a:lstStyle>
           <a:p>
             <a:r>
-              <a:rPr lang="ko-KR" altLang="en-US" smtClean="0"/>
+              <a:rPr lang="ko-KR" altLang="en-US"/>
               <a:t>마스터 제목 스타일 편집</a:t>
             </a:r>
-            <a:endParaRPr lang="ko-KR" altLang="en-US"/>
           </a:p>
         </p:txBody>
       </p:sp>
@@ -8018,7 +8010,7 @@
           </a:lstStyle>
           <a:p>
             <a:pPr lvl="0"/>
-            <a:endParaRPr lang="ko-KR" altLang="en-US" noProof="0" smtClean="0"/>
+            <a:endParaRPr lang="ko-KR" altLang="en-US" noProof="0"/>
           </a:p>
         </p:txBody>
       </p:sp>
@@ -8081,7 +8073,7 @@
           <a:p>
             <a:pPr lvl="0"/>
             <a:r>
-              <a:rPr lang="ko-KR" altLang="en-US" smtClean="0"/>
+              <a:rPr lang="ko-KR" altLang="en-US"/>
               <a:t>마스터 텍스트 스타일을 편집합니다</a:t>
             </a:r>
           </a:p>
@@ -8170,10 +8162,9 @@
           <a:lstStyle/>
           <a:p>
             <a:r>
-              <a:rPr lang="ko-KR" altLang="en-US" smtClean="0"/>
+              <a:rPr lang="ko-KR" altLang="en-US"/>
               <a:t>마스터 제목 스타일 편집</a:t>
             </a:r>
-            <a:endParaRPr lang="ko-KR" altLang="en-US"/>
           </a:p>
         </p:txBody>
       </p:sp>
@@ -8194,38 +8185,37 @@
           <a:p>
             <a:pPr lvl="0"/>
             <a:r>
-              <a:rPr lang="ko-KR" altLang="en-US" smtClean="0"/>
+              <a:rPr lang="ko-KR" altLang="en-US"/>
               <a:t>마스터 텍스트 스타일을 편집합니다</a:t>
             </a:r>
           </a:p>
           <a:p>
             <a:pPr lvl="1"/>
             <a:r>
-              <a:rPr lang="ko-KR" altLang="en-US" smtClean="0"/>
+              <a:rPr lang="ko-KR" altLang="en-US"/>
               <a:t>둘째 수준</a:t>
             </a:r>
           </a:p>
           <a:p>
             <a:pPr lvl="2"/>
             <a:r>
-              <a:rPr lang="ko-KR" altLang="en-US" smtClean="0"/>
+              <a:rPr lang="ko-KR" altLang="en-US"/>
               <a:t>셋째 수준</a:t>
             </a:r>
           </a:p>
           <a:p>
             <a:pPr lvl="3"/>
             <a:r>
-              <a:rPr lang="ko-KR" altLang="en-US" smtClean="0"/>
+              <a:rPr lang="ko-KR" altLang="en-US"/>
               <a:t>넷째 수준</a:t>
             </a:r>
           </a:p>
           <a:p>
             <a:pPr lvl="4"/>
             <a:r>
-              <a:rPr lang="ko-KR" altLang="en-US" smtClean="0"/>
+              <a:rPr lang="ko-KR" altLang="en-US"/>
               <a:t>다섯째 수준</a:t>
             </a:r>
-            <a:endParaRPr lang="ko-KR" altLang="en-US"/>
           </a:p>
         </p:txBody>
       </p:sp>
@@ -8340,7 +8330,7 @@
           <a:p>
             <a:pPr lvl="0"/>
             <a:r>
-              <a:rPr lang="ko-KR" altLang="en-US" smtClean="0"/>
+              <a:rPr lang="ko-KR" altLang="en-US"/>
               <a:t>제목을 입력하세요</a:t>
             </a:r>
           </a:p>
@@ -9367,7 +9357,7 @@
             <a:pPr latinLnBrk="1">
               <a:defRPr/>
             </a:pPr>
-            <a:endParaRPr lang="ko-KR" altLang="en-US" sz="1953" dirty="0" smtClean="0">
+            <a:endParaRPr lang="ko-KR" altLang="en-US" sz="1953" dirty="0">
               <a:solidFill>
                 <a:srgbClr val="0D0D0D"/>
               </a:solidFill>
@@ -9528,7 +9518,7 @@
             <a:pPr latinLnBrk="1">
               <a:defRPr/>
             </a:pPr>
-            <a:endParaRPr lang="ko-KR" altLang="en-US" sz="1953" dirty="0" smtClean="0">
+            <a:endParaRPr lang="ko-KR" altLang="en-US" sz="1953" dirty="0">
               <a:solidFill>
                 <a:srgbClr val="0D0D0D"/>
               </a:solidFill>
@@ -10025,10 +10015,10 @@
           <a:p>
             <a:pPr lvl="0"/>
             <a:r>
-              <a:rPr lang="ko-KR" altLang="en-US" smtClean="0"/>
+              <a:rPr lang="ko-KR" altLang="en-US"/>
               <a:t>제목을 입력하세요</a:t>
             </a:r>
-            <a:endParaRPr lang="en-US" altLang="ko-KR" smtClean="0"/>
+            <a:endParaRPr lang="en-US" altLang="ko-KR"/>
           </a:p>
         </p:txBody>
       </p:sp>
@@ -10553,29 +10543,21 @@
             <a:pPr marL="0" indent="0" eaLnBrk="1" hangingPunct="1"/>
             <a:r>
               <a:rPr lang="en-US" altLang="ko-KR" sz="2400" dirty="0"/>
-              <a:t>7</a:t>
-            </a:r>
-            <a:r>
-              <a:rPr lang="en-US" altLang="ko-KR" sz="2400" dirty="0" smtClean="0"/>
-              <a:t>. </a:t>
-            </a:r>
-            <a:r>
-              <a:rPr lang="ko-KR" altLang="en-US" sz="2400" dirty="0" smtClean="0"/>
+              <a:t>7. </a:t>
+            </a:r>
+            <a:r>
+              <a:rPr lang="ko-KR" altLang="en-US" sz="2400" dirty="0"/>
               <a:t>기본</a:t>
             </a:r>
             <a:r>
-              <a:rPr lang="en-US" altLang="ko-KR" sz="2400" dirty="0" smtClean="0"/>
+              <a:rPr lang="en-US" altLang="ko-KR" sz="2400" dirty="0"/>
               <a:t> CRUD</a:t>
             </a:r>
             <a:r>
-              <a:rPr lang="ko-KR" altLang="en-US" sz="2400" smtClean="0"/>
-              <a:t>게시판 </a:t>
-            </a:r>
-            <a:r>
-              <a:rPr lang="ko-KR" altLang="en-US" sz="2400" smtClean="0"/>
-              <a:t>유형 </a:t>
-            </a:r>
-            <a:endParaRPr lang="ko-KR" altLang="en-US" sz="2400" dirty="0" smtClean="0"/>
+              <a:rPr lang="ko-KR" altLang="en-US" sz="2400"/>
+              <a:t>게시판 유형 </a:t>
+            </a:r>
+            <a:endParaRPr lang="ko-KR" altLang="en-US" sz="2400" dirty="0"/>
           </a:p>
         </p:txBody>
       </p:sp>
@@ -10670,7 +10652,7 @@
               <a:buClrTx/>
             </a:pPr>
             <a:r>
-              <a:rPr kumimoji="1" lang="ko-KR" altLang="en-US" dirty="0" smtClean="0">
+              <a:rPr kumimoji="1" lang="ko-KR" altLang="en-US" dirty="0">
                 <a:solidFill>
                   <a:schemeClr val="tx1"/>
                 </a:solidFill>
@@ -10686,7 +10668,7 @@
               <a:buClrTx/>
             </a:pPr>
             <a:r>
-              <a:rPr kumimoji="1" lang="en-US" altLang="ko-KR" dirty="0" smtClean="0">
+              <a:rPr kumimoji="1" lang="en-US" altLang="ko-KR" dirty="0">
                 <a:solidFill>
                   <a:schemeClr val="tx1"/>
                 </a:solidFill>
@@ -10694,7 +10676,7 @@
               <a:t>(</a:t>
             </a:r>
             <a:r>
-              <a:rPr kumimoji="1" lang="ko-KR" altLang="en-US" dirty="0" err="1" smtClean="0">
+              <a:rPr kumimoji="1" lang="ko-KR" altLang="en-US" dirty="0" err="1">
                 <a:solidFill>
                   <a:schemeClr val="tx1"/>
                 </a:solidFill>
@@ -10702,7 +10684,7 @@
               <a:t>기업업무</a:t>
             </a:r>
             <a:r>
-              <a:rPr kumimoji="1" lang="en-US" altLang="ko-KR" dirty="0" smtClean="0">
+              <a:rPr kumimoji="1" lang="en-US" altLang="ko-KR" dirty="0">
                 <a:solidFill>
                   <a:schemeClr val="tx1"/>
                 </a:solidFill>
@@ -10722,13 +10704,6 @@
   <p:clrMapOvr>
     <a:masterClrMapping/>
   </p:clrMapOvr>
-  <p:timing>
-    <p:tnLst>
-      <p:par>
-        <p:cTn id="1" dur="indefinite" restart="never" nodeType="tmRoot"/>
-      </p:par>
-    </p:tnLst>
-  </p:timing>
 </p:sld>
 </file>
 
@@ -10875,14 +10850,10 @@
             </a:pPr>
             <a:r>
               <a:rPr lang="en-US" altLang="ko-KR" sz="1800" dirty="0"/>
-              <a:t>3</a:t>
-            </a:r>
-            <a:r>
-              <a:rPr lang="en-US" altLang="ko-KR" sz="1800" dirty="0" smtClean="0"/>
-              <a:t>. </a:t>
-            </a:r>
-            <a:r>
-              <a:rPr lang="ko-KR" altLang="en-US" sz="1800" dirty="0" smtClean="0"/>
+              <a:t>3. </a:t>
+            </a:r>
+            <a:r>
+              <a:rPr lang="ko-KR" altLang="en-US" sz="1800" dirty="0"/>
               <a:t>이해하기</a:t>
             </a:r>
             <a:endParaRPr lang="en-US" altLang="ko-KR" dirty="0"/>
@@ -11164,12 +11135,6 @@
                   <a:latin typeface="+mn-ea"/>
                 </a:rPr>
                 <a:t>해당 게시물이 본인 게시물이라면 글 보기 화면에서 수정과 삭제를 </a:t>
-              </a:r>
-              <a:r>
-                <a:rPr lang="en-US" altLang="ko-KR" sz="1000" dirty="0">
-                  <a:latin typeface="+mn-ea"/>
-                </a:rPr>
-                <a:t/>
               </a:r>
               <a:br>
                 <a:rPr lang="en-US" altLang="ko-KR" sz="1000" dirty="0">
@@ -11632,13 +11597,6 @@
   <p:clrMapOvr>
     <a:masterClrMapping/>
   </p:clrMapOvr>
-  <p:timing>
-    <p:tnLst>
-      <p:par>
-        <p:cTn id="1" dur="indefinite" restart="never" nodeType="tmRoot"/>
-      </p:par>
-    </p:tnLst>
-  </p:timing>
 </p:sld>
 </file>
 
@@ -11785,14 +11743,10 @@
             </a:pPr>
             <a:r>
               <a:rPr lang="en-US" altLang="ko-KR" sz="1800" dirty="0"/>
-              <a:t>3</a:t>
-            </a:r>
-            <a:r>
-              <a:rPr lang="en-US" altLang="ko-KR" sz="1800" dirty="0" smtClean="0"/>
-              <a:t>. </a:t>
-            </a:r>
-            <a:r>
-              <a:rPr lang="ko-KR" altLang="en-US" sz="1800" dirty="0" smtClean="0"/>
+              <a:t>3. </a:t>
+            </a:r>
+            <a:r>
+              <a:rPr lang="ko-KR" altLang="en-US" sz="1800" dirty="0"/>
               <a:t>이해하기</a:t>
             </a:r>
             <a:endParaRPr lang="en-US" altLang="ko-KR" dirty="0"/>
@@ -12913,12 +12867,8 @@
               <a:defRPr/>
             </a:pPr>
             <a:r>
-              <a:rPr lang="ko-KR" altLang="en-US" sz="1200" b="1" dirty="0" smtClean="0"/>
-              <a:t>일반적 게시판의 </a:t>
-            </a:r>
-            <a:r>
               <a:rPr lang="ko-KR" altLang="en-US" sz="1200" b="1" dirty="0"/>
-              <a:t>주요 프로세스 흐름</a:t>
+              <a:t>일반적 게시판의 주요 프로세스 흐름</a:t>
             </a:r>
             <a:endParaRPr lang="en-US" altLang="ko-KR" sz="1200" b="1" dirty="0"/>
           </a:p>
@@ -12934,13 +12884,6 @@
   <p:clrMapOvr>
     <a:masterClrMapping/>
   </p:clrMapOvr>
-  <p:timing>
-    <p:tnLst>
-      <p:par>
-        <p:cTn id="1" dur="indefinite" restart="never" nodeType="tmRoot"/>
-      </p:par>
-    </p:tnLst>
-  </p:timing>
 </p:sld>
 </file>
 
@@ -13087,14 +13030,10 @@
             </a:pPr>
             <a:r>
               <a:rPr lang="en-US" altLang="ko-KR" sz="1800" dirty="0"/>
-              <a:t>3</a:t>
-            </a:r>
-            <a:r>
-              <a:rPr lang="en-US" altLang="ko-KR" sz="1800" dirty="0" smtClean="0"/>
-              <a:t>. </a:t>
-            </a:r>
-            <a:r>
-              <a:rPr lang="ko-KR" altLang="en-US" sz="1800" dirty="0" smtClean="0"/>
+              <a:t>3. </a:t>
+            </a:r>
+            <a:r>
+              <a:rPr lang="ko-KR" altLang="en-US" sz="1800" dirty="0"/>
               <a:t>이해하기</a:t>
             </a:r>
             <a:endParaRPr lang="en-US" altLang="ko-KR" dirty="0"/>
@@ -13799,13 +13738,6 @@
   <p:clrMapOvr>
     <a:masterClrMapping/>
   </p:clrMapOvr>
-  <p:timing>
-    <p:tnLst>
-      <p:par>
-        <p:cTn id="1" dur="indefinite" restart="never" nodeType="tmRoot"/>
-      </p:par>
-    </p:tnLst>
-  </p:timing>
 </p:sld>
 </file>
 
@@ -13952,14 +13884,10 @@
             </a:pPr>
             <a:r>
               <a:rPr lang="en-US" altLang="ko-KR" sz="1800" dirty="0"/>
-              <a:t>3</a:t>
-            </a:r>
-            <a:r>
-              <a:rPr lang="en-US" altLang="ko-KR" sz="1800" dirty="0" smtClean="0"/>
-              <a:t>. </a:t>
-            </a:r>
-            <a:r>
-              <a:rPr lang="ko-KR" altLang="en-US" sz="1800" dirty="0" smtClean="0"/>
+              <a:t>3. </a:t>
+            </a:r>
+            <a:r>
+              <a:rPr lang="ko-KR" altLang="en-US" sz="1800" dirty="0"/>
               <a:t>이해하기</a:t>
             </a:r>
             <a:endParaRPr lang="en-US" altLang="ko-KR" dirty="0"/>
@@ -18561,13 +18489,6 @@
   <p:clrMapOvr>
     <a:masterClrMapping/>
   </p:clrMapOvr>
-  <p:timing>
-    <p:tnLst>
-      <p:par>
-        <p:cTn id="1" dur="indefinite" restart="never" nodeType="tmRoot"/>
-      </p:par>
-    </p:tnLst>
-  </p:timing>
 </p:sld>
 </file>
 
@@ -18714,14 +18635,10 @@
             </a:pPr>
             <a:r>
               <a:rPr lang="en-US" altLang="ko-KR" sz="1800" dirty="0"/>
-              <a:t>3</a:t>
-            </a:r>
-            <a:r>
-              <a:rPr lang="en-US" altLang="ko-KR" sz="1800" dirty="0" smtClean="0"/>
-              <a:t>. </a:t>
-            </a:r>
-            <a:r>
-              <a:rPr lang="ko-KR" altLang="en-US" sz="1800" dirty="0" smtClean="0"/>
+              <a:t>3. </a:t>
+            </a:r>
+            <a:r>
+              <a:rPr lang="ko-KR" altLang="en-US" sz="1800" dirty="0"/>
               <a:t>이해하기</a:t>
             </a:r>
             <a:endParaRPr lang="en-US" altLang="ko-KR" dirty="0"/>
@@ -19282,7 +19199,6 @@
             <a:headEnd/>
             <a:tailEnd/>
           </a:ln>
-          <a:extLst/>
         </p:spPr>
         <p:style>
           <a:lnRef idx="2">
@@ -19357,7 +19273,7 @@
               <a:defRPr/>
             </a:pPr>
             <a:r>
-              <a:rPr lang="ko-KR" altLang="en-US" sz="1000" b="1" dirty="0" smtClean="0">
+              <a:rPr lang="ko-KR" altLang="en-US" sz="1000" b="1" dirty="0">
                 <a:solidFill>
                   <a:schemeClr val="bg1"/>
                 </a:solidFill>
@@ -19590,7 +19506,7 @@
                         </a:spcBef>
                       </a:pPr>
                       <a:r>
-                        <a:rPr lang="ko-KR" altLang="en-US" sz="1000" b="1" i="0" dirty="0" smtClean="0">
+                        <a:rPr lang="ko-KR" altLang="en-US" sz="1000" b="1" i="0" dirty="0">
                           <a:solidFill>
                             <a:schemeClr val="bg1"/>
                           </a:solidFill>
@@ -19599,13 +19515,6 @@
                         </a:rPr>
                         <a:t>구분</a:t>
                       </a:r>
-                      <a:endParaRPr lang="ko-KR" altLang="en-US" sz="1000" b="1" i="0" dirty="0">
-                        <a:solidFill>
-                          <a:schemeClr val="bg1"/>
-                        </a:solidFill>
-                        <a:latin typeface="+mn-ea"/>
-                        <a:ea typeface="+mn-ea"/>
-                      </a:endParaRPr>
                     </a:p>
                   </a:txBody>
                   <a:tcPr marL="91462" marR="91462" marT="45722" marB="45722" anchor="ctr">
@@ -19664,7 +19573,7 @@
                         </a:spcBef>
                       </a:pPr>
                       <a:r>
-                        <a:rPr lang="ko-KR" altLang="en-US" sz="1000" b="1" i="0" dirty="0" smtClean="0">
+                        <a:rPr lang="ko-KR" altLang="en-US" sz="1000" b="1" i="0" dirty="0">
                           <a:solidFill>
                             <a:schemeClr val="bg1"/>
                           </a:solidFill>
@@ -19673,13 +19582,6 @@
                         </a:rPr>
                         <a:t>설명</a:t>
                       </a:r>
-                      <a:endParaRPr lang="ko-KR" altLang="en-US" sz="1000" b="1" i="0" dirty="0">
-                        <a:solidFill>
-                          <a:schemeClr val="bg1"/>
-                        </a:solidFill>
-                        <a:latin typeface="+mn-ea"/>
-                        <a:ea typeface="+mn-ea"/>
-                      </a:endParaRPr>
                     </a:p>
                   </a:txBody>
                   <a:tcPr marL="91462" marR="91462" marT="45722" marB="45722" anchor="ctr">
@@ -19754,7 +19656,7 @@
                         <a:defRPr/>
                       </a:pPr>
                       <a:r>
-                        <a:rPr kumimoji="0" lang="en-US" altLang="ko-KR" sz="1000" b="0" i="0" kern="1200" dirty="0" err="1" smtClean="0">
+                        <a:rPr kumimoji="0" lang="en-US" altLang="ko-KR" sz="1000" b="0" i="0" kern="1200" dirty="0" err="1">
                           <a:solidFill>
                             <a:schemeClr val="tx1"/>
                           </a:solidFill>
@@ -19836,7 +19738,7 @@
                         <a:buNone/>
                       </a:pPr>
                       <a:r>
-                        <a:rPr kumimoji="0" lang="ko-KR" altLang="en-US" sz="1000" b="0" i="0" kern="1200" dirty="0" smtClean="0">
+                        <a:rPr kumimoji="0" lang="ko-KR" altLang="en-US" sz="1000" b="0" i="0" kern="1200" dirty="0">
                           <a:solidFill>
                             <a:schemeClr val="tx1"/>
                           </a:solidFill>
@@ -19921,7 +19823,7 @@
                         <a:defRPr/>
                       </a:pPr>
                       <a:r>
-                        <a:rPr lang="en-US" altLang="ko-KR" sz="1000" b="0" i="0" dirty="0" smtClean="0">
+                        <a:rPr lang="en-US" altLang="ko-KR" sz="1000" b="0" i="0" dirty="0">
                           <a:solidFill>
                             <a:schemeClr val="tx1"/>
                           </a:solidFill>
@@ -19932,7 +19834,7 @@
                         <a:t>id </a:t>
                       </a:r>
                       <a:r>
-                        <a:rPr lang="en-US" altLang="ko-KR" sz="1000" b="0" i="0" dirty="0" err="1" smtClean="0">
+                        <a:rPr lang="en-US" altLang="ko-KR" sz="1000" b="0" i="0" dirty="0" err="1">
                           <a:solidFill>
                             <a:schemeClr val="tx1"/>
                           </a:solidFill>
@@ -19943,7 +19845,7 @@
                         <a:t>int</a:t>
                       </a:r>
                       <a:r>
-                        <a:rPr lang="en-US" altLang="ko-KR" sz="1000" b="0" i="0" dirty="0" smtClean="0">
+                        <a:rPr lang="en-US" altLang="ko-KR" sz="1000" b="0" i="0" dirty="0">
                           <a:solidFill>
                             <a:schemeClr val="tx1"/>
                           </a:solidFill>
@@ -19954,7 +19856,7 @@
                         <a:t> not null primary key </a:t>
                       </a:r>
                       <a:r>
-                        <a:rPr lang="en-US" altLang="ko-KR" sz="1000" b="0" i="0" dirty="0" err="1" smtClean="0">
+                        <a:rPr lang="en-US" altLang="ko-KR" sz="1000" b="0" i="0" dirty="0" err="1">
                           <a:solidFill>
                             <a:schemeClr val="tx1"/>
                           </a:solidFill>
@@ -19964,7 +19866,7 @@
                         </a:rPr>
                         <a:t>auto_increment</a:t>
                       </a:r>
-                      <a:endParaRPr lang="en-US" altLang="ko-KR" sz="1000" b="0" i="0" dirty="0" smtClean="0">
+                      <a:endParaRPr lang="en-US" altLang="ko-KR" sz="1000" b="0" i="0" dirty="0">
                         <a:solidFill>
                           <a:schemeClr val="tx1"/>
                         </a:solidFill>
@@ -20026,55 +19928,55 @@
                     <a:p>
                       <a:pPr latinLnBrk="0"/>
                       <a:r>
-                        <a:rPr lang="en-US" altLang="ko-KR" sz="1000" dirty="0" smtClean="0">
+                        <a:rPr lang="en-US" altLang="ko-KR" sz="1000" dirty="0">
                           <a:latin typeface="+mn-ea"/>
                           <a:ea typeface="+mn-ea"/>
                         </a:rPr>
                         <a:t>Id</a:t>
                       </a:r>
                       <a:r>
-                        <a:rPr lang="ko-KR" altLang="en-US" sz="1000" dirty="0" smtClean="0">
+                        <a:rPr lang="ko-KR" altLang="en-US" sz="1000" dirty="0">
                           <a:latin typeface="+mn-ea"/>
                           <a:ea typeface="+mn-ea"/>
                         </a:rPr>
                         <a:t>는 게시판 레코드의 고유키 값으로 게시판 글 생성 때마다 자동 증가함</a:t>
                       </a:r>
                       <a:r>
-                        <a:rPr lang="en-US" altLang="ko-KR" sz="1000" dirty="0" smtClean="0">
+                        <a:rPr lang="en-US" altLang="ko-KR" sz="1000" dirty="0">
                           <a:latin typeface="+mn-ea"/>
                           <a:ea typeface="+mn-ea"/>
                         </a:rPr>
                         <a:t>(</a:t>
                       </a:r>
                       <a:r>
-                        <a:rPr lang="en-US" altLang="ko-KR" sz="1000" dirty="0" err="1" smtClean="0">
+                        <a:rPr lang="en-US" altLang="ko-KR" sz="1000" dirty="0" err="1">
                           <a:latin typeface="+mn-ea"/>
                           <a:ea typeface="+mn-ea"/>
                         </a:rPr>
                         <a:t>mysql</a:t>
                       </a:r>
                       <a:r>
-                        <a:rPr lang="en-US" altLang="ko-KR" sz="1000" baseline="0" dirty="0" smtClean="0">
+                        <a:rPr lang="en-US" altLang="ko-KR" sz="1000" baseline="0" dirty="0">
                           <a:latin typeface="+mn-ea"/>
                           <a:ea typeface="+mn-ea"/>
                         </a:rPr>
                         <a:t> </a:t>
                       </a:r>
                       <a:r>
-                        <a:rPr lang="ko-KR" altLang="en-US" sz="1000" baseline="0" dirty="0" smtClean="0">
+                        <a:rPr lang="ko-KR" altLang="en-US" sz="1000" baseline="0" dirty="0">
                           <a:latin typeface="+mn-ea"/>
                           <a:ea typeface="+mn-ea"/>
                         </a:rPr>
                         <a:t>기능 이용</a:t>
                       </a:r>
                       <a:r>
-                        <a:rPr lang="en-US" altLang="ko-KR" sz="1000" baseline="0" dirty="0" smtClean="0">
+                        <a:rPr lang="en-US" altLang="ko-KR" sz="1000" baseline="0" dirty="0">
                           <a:latin typeface="+mn-ea"/>
                           <a:ea typeface="+mn-ea"/>
                         </a:rPr>
                         <a:t>)</a:t>
                       </a:r>
-                      <a:endParaRPr lang="ko-KR" altLang="en-US" sz="1000" dirty="0" smtClean="0">
+                      <a:endParaRPr lang="ko-KR" altLang="en-US" sz="1000" dirty="0">
                         <a:latin typeface="+mn-ea"/>
                         <a:ea typeface="+mn-ea"/>
                       </a:endParaRPr>
@@ -20152,7 +20054,7 @@
                         <a:defRPr/>
                       </a:pPr>
                       <a:r>
-                        <a:rPr lang="en-US" altLang="ko-KR" sz="1000" b="0" i="0" dirty="0" smtClean="0">
+                        <a:rPr lang="en-US" altLang="ko-KR" sz="1000" b="0" i="0" dirty="0">
                           <a:solidFill>
                             <a:schemeClr val="tx1"/>
                           </a:solidFill>
@@ -20163,7 +20065,7 @@
                         <a:t>title </a:t>
                       </a:r>
                       <a:r>
-                        <a:rPr lang="en-US" altLang="ko-KR" sz="1000" b="0" i="0" dirty="0" err="1" smtClean="0">
+                        <a:rPr lang="en-US" altLang="ko-KR" sz="1000" b="0" i="0" dirty="0" err="1">
                           <a:solidFill>
                             <a:schemeClr val="tx1"/>
                           </a:solidFill>
@@ -20174,7 +20076,7 @@
                         <a:t>varchar</a:t>
                       </a:r>
                       <a:r>
-                        <a:rPr lang="en-US" altLang="ko-KR" sz="1000" b="0" i="0" dirty="0" smtClean="0">
+                        <a:rPr lang="en-US" altLang="ko-KR" sz="1000" b="0" i="0" dirty="0">
                           <a:solidFill>
                             <a:schemeClr val="tx1"/>
                           </a:solidFill>
@@ -20238,21 +20140,21 @@
                     <a:p>
                       <a:pPr latinLnBrk="0"/>
                       <a:r>
-                        <a:rPr lang="ko-KR" altLang="en-US" sz="1000" dirty="0" smtClean="0">
+                        <a:rPr lang="ko-KR" altLang="en-US" sz="1000" dirty="0">
                           <a:latin typeface="+mn-ea"/>
                           <a:ea typeface="+mn-ea"/>
                         </a:rPr>
                         <a:t>공지사항 제목은 </a:t>
                       </a:r>
                       <a:r>
-                        <a:rPr lang="en-US" altLang="ko-KR" sz="1000" dirty="0" smtClean="0">
+                        <a:rPr lang="en-US" altLang="ko-KR" sz="1000" dirty="0">
                           <a:latin typeface="+mn-ea"/>
                           <a:ea typeface="+mn-ea"/>
                         </a:rPr>
                         <a:t>70</a:t>
                       </a:r>
                       <a:r>
-                        <a:rPr lang="ko-KR" altLang="en-US" sz="1000" dirty="0" smtClean="0">
+                        <a:rPr lang="ko-KR" altLang="en-US" sz="1000" dirty="0">
                           <a:latin typeface="+mn-ea"/>
                           <a:ea typeface="+mn-ea"/>
                         </a:rPr>
@@ -20332,14 +20234,14 @@
                         <a:defRPr/>
                       </a:pPr>
                       <a:r>
-                        <a:rPr lang="en-US" altLang="ko-KR" sz="1000" dirty="0" smtClean="0"/>
+                        <a:rPr lang="en-US" altLang="ko-KR" sz="1000" dirty="0"/>
                         <a:t>date </a:t>
                       </a:r>
                       <a:r>
-                        <a:rPr lang="en-US" altLang="ko-KR" sz="1000" dirty="0" err="1" smtClean="0"/>
+                        <a:rPr lang="en-US" altLang="ko-KR" sz="1000" dirty="0" err="1"/>
                         <a:t>date</a:t>
                       </a:r>
-                      <a:endParaRPr lang="ko-KR" altLang="en-US" sz="1000" dirty="0" smtClean="0"/>
+                      <a:endParaRPr lang="ko-KR" altLang="en-US" sz="1000" dirty="0"/>
                     </a:p>
                   </a:txBody>
                   <a:tcPr marL="91462" marR="91462" marT="45722" marB="45722" anchor="ctr">
@@ -20394,7 +20296,7 @@
                     <a:p>
                       <a:pPr latinLnBrk="0"/>
                       <a:r>
-                        <a:rPr lang="ko-KR" altLang="en-US" sz="1000" dirty="0" smtClean="0">
+                        <a:rPr lang="ko-KR" altLang="en-US" sz="1000" dirty="0">
                           <a:latin typeface="+mn-ea"/>
                           <a:ea typeface="+mn-ea"/>
                         </a:rPr>
@@ -20474,10 +20376,10 @@
                         <a:defRPr/>
                       </a:pPr>
                       <a:r>
-                        <a:rPr lang="en-US" altLang="ko-KR" sz="1000" dirty="0" smtClean="0"/>
+                        <a:rPr lang="en-US" altLang="ko-KR" sz="1000" dirty="0"/>
                         <a:t>content text</a:t>
                       </a:r>
-                      <a:endParaRPr lang="ko-KR" altLang="en-US" sz="1000" dirty="0" smtClean="0"/>
+                      <a:endParaRPr lang="ko-KR" altLang="en-US" sz="1000" dirty="0"/>
                     </a:p>
                   </a:txBody>
                   <a:tcPr marL="91462" marR="91462" marT="45722" marB="45722" anchor="ctr">
@@ -20548,23 +20450,23 @@
                         <a:defRPr/>
                       </a:pPr>
                       <a:r>
-                        <a:rPr lang="ko-KR" altLang="en-US" sz="1000" dirty="0" smtClean="0"/>
+                        <a:rPr lang="ko-KR" altLang="en-US" sz="1000" dirty="0"/>
                         <a:t>내용은 </a:t>
                       </a:r>
                       <a:r>
-                        <a:rPr lang="en-US" altLang="ko-KR" sz="1000" dirty="0" smtClean="0"/>
+                        <a:rPr lang="en-US" altLang="ko-KR" sz="1000" dirty="0"/>
                         <a:t>text</a:t>
                       </a:r>
                       <a:r>
-                        <a:rPr lang="ko-KR" altLang="en-US" sz="1000" dirty="0" smtClean="0"/>
+                        <a:rPr lang="ko-KR" altLang="en-US" sz="1000" dirty="0"/>
                         <a:t>타입으로 글을 저장하는 </a:t>
                       </a:r>
                       <a:r>
-                        <a:rPr lang="en-US" altLang="ko-KR" sz="1000" dirty="0" smtClean="0"/>
+                        <a:rPr lang="en-US" altLang="ko-KR" sz="1000" dirty="0"/>
                         <a:t>DB</a:t>
                       </a:r>
                       <a:r>
-                        <a:rPr lang="ko-KR" altLang="en-US" sz="1000" dirty="0" smtClean="0"/>
+                        <a:rPr lang="ko-KR" altLang="en-US" sz="1000" dirty="0"/>
                         <a:t>필드 타입</a:t>
                       </a:r>
                     </a:p>
@@ -20631,13 +20533,6 @@
   <p:clrMapOvr>
     <a:masterClrMapping/>
   </p:clrMapOvr>
-  <p:timing>
-    <p:tnLst>
-      <p:par>
-        <p:cTn id="1" dur="indefinite" restart="never" nodeType="tmRoot"/>
-      </p:par>
-    </p:tnLst>
-  </p:timing>
 </p:sld>
 </file>
 
@@ -20784,14 +20679,10 @@
             </a:pPr>
             <a:r>
               <a:rPr lang="en-US" altLang="ko-KR" sz="1800" dirty="0"/>
-              <a:t>3</a:t>
-            </a:r>
-            <a:r>
-              <a:rPr lang="en-US" altLang="ko-KR" sz="1800" dirty="0" smtClean="0"/>
-              <a:t>. </a:t>
-            </a:r>
-            <a:r>
-              <a:rPr lang="ko-KR" altLang="en-US" sz="1800" dirty="0" smtClean="0"/>
+              <a:t>3. </a:t>
+            </a:r>
+            <a:r>
+              <a:rPr lang="ko-KR" altLang="en-US" sz="1800" dirty="0"/>
               <a:t>이해하기</a:t>
             </a:r>
             <a:endParaRPr lang="en-US" altLang="ko-KR" dirty="0"/>
@@ -21022,30 +20913,30 @@
               </a:spcAft>
             </a:pPr>
             <a:r>
-              <a:rPr lang="en-US" altLang="ko-KR" sz="1400" dirty="0" smtClean="0"/>
+              <a:rPr lang="en-US" altLang="ko-KR" sz="1400" dirty="0"/>
               <a:t>2) </a:t>
             </a:r>
             <a:r>
-              <a:rPr lang="ko-KR" altLang="en-US" sz="1400" dirty="0" smtClean="0"/>
+              <a:rPr lang="ko-KR" altLang="en-US" sz="1400" dirty="0"/>
               <a:t>화면</a:t>
             </a:r>
             <a:r>
-              <a:rPr lang="en-US" altLang="ko-KR" sz="1400" dirty="0" smtClean="0"/>
+              <a:rPr lang="en-US" altLang="ko-KR" sz="1400" dirty="0"/>
               <a:t>/</a:t>
             </a:r>
             <a:r>
-              <a:rPr lang="ko-KR" altLang="en-US" sz="1400" dirty="0" smtClean="0"/>
+              <a:rPr lang="ko-KR" altLang="en-US" sz="1400" dirty="0"/>
               <a:t>기능설계 </a:t>
             </a:r>
             <a:r>
-              <a:rPr lang="en-US" altLang="ko-KR" sz="1400" dirty="0" smtClean="0"/>
+              <a:rPr lang="en-US" altLang="ko-KR" sz="1400" dirty="0"/>
               <a:t>– </a:t>
             </a:r>
             <a:r>
-              <a:rPr lang="ko-KR" altLang="en-US" sz="1400" dirty="0" smtClean="0"/>
+              <a:rPr lang="ko-KR" altLang="en-US" sz="1400" dirty="0"/>
               <a:t>공지사항 리스트</a:t>
             </a:r>
-            <a:endParaRPr lang="en-US" altLang="ko-KR" sz="1400" dirty="0" smtClean="0"/>
+            <a:endParaRPr lang="en-US" altLang="ko-KR" sz="1400" dirty="0"/>
           </a:p>
         </p:txBody>
       </p:sp>
@@ -21219,7 +21110,7 @@
           <a:lstStyle/>
           <a:p>
             <a:r>
-              <a:rPr lang="ko-KR" altLang="en-US" dirty="0" smtClean="0">
+              <a:rPr lang="ko-KR" altLang="en-US" dirty="0">
                 <a:solidFill>
                   <a:srgbClr val="FF0000"/>
                 </a:solidFill>
@@ -21227,7 +21118,7 @@
               <a:t>날짜가 </a:t>
             </a:r>
             <a:r>
-              <a:rPr lang="en-US" altLang="ko-KR" dirty="0" smtClean="0">
+              <a:rPr lang="en-US" altLang="ko-KR" dirty="0">
                 <a:solidFill>
                   <a:srgbClr val="FF0000"/>
                 </a:solidFill>
@@ -21235,14 +21126,14 @@
               <a:t>2017</a:t>
             </a:r>
             <a:r>
-              <a:rPr lang="ko-KR" altLang="en-US" dirty="0" smtClean="0">
+              <a:rPr lang="ko-KR" altLang="en-US" dirty="0">
                 <a:solidFill>
                   <a:srgbClr val="FF0000"/>
                 </a:solidFill>
               </a:rPr>
               <a:t>인데 여러분이 열심히 해서</a:t>
             </a:r>
-            <a:endParaRPr lang="en-US" altLang="ko-KR" dirty="0" smtClean="0">
+            <a:endParaRPr lang="en-US" altLang="ko-KR" dirty="0">
               <a:solidFill>
                 <a:srgbClr val="FF0000"/>
               </a:solidFill>
@@ -21250,14 +21141,14 @@
           </a:p>
           <a:p>
             <a:r>
-              <a:rPr lang="ko-KR" altLang="en-US" dirty="0" smtClean="0">
+              <a:rPr lang="ko-KR" altLang="en-US" dirty="0">
                 <a:solidFill>
                   <a:srgbClr val="FF0000"/>
                 </a:solidFill>
               </a:rPr>
               <a:t>교수님이 요즘 날짜로 캡처를 따서 강의 교안 개정판 작성할 꺼야</a:t>
             </a:r>
-            <a:endParaRPr lang="en-US" altLang="ko-KR" dirty="0" smtClean="0">
+            <a:endParaRPr lang="en-US" altLang="ko-KR" dirty="0">
               <a:solidFill>
                 <a:srgbClr val="FF0000"/>
               </a:solidFill>
@@ -21265,7 +21156,7 @@
           </a:p>
           <a:p>
             <a:r>
-              <a:rPr lang="ko-KR" altLang="en-US" smtClean="0">
+              <a:rPr lang="ko-KR" altLang="en-US">
                 <a:solidFill>
                   <a:srgbClr val="FF0000"/>
                 </a:solidFill>
@@ -21290,13 +21181,6 @@
   <p:clrMapOvr>
     <a:masterClrMapping/>
   </p:clrMapOvr>
-  <p:timing>
-    <p:tnLst>
-      <p:par>
-        <p:cTn id="1" dur="indefinite" restart="never" nodeType="tmRoot"/>
-      </p:par>
-    </p:tnLst>
-  </p:timing>
 </p:sld>
 </file>
 
@@ -21443,14 +21327,10 @@
             </a:pPr>
             <a:r>
               <a:rPr lang="en-US" altLang="ko-KR" sz="1800" dirty="0"/>
-              <a:t>3</a:t>
-            </a:r>
-            <a:r>
-              <a:rPr lang="en-US" altLang="ko-KR" sz="1800" dirty="0" smtClean="0"/>
-              <a:t>. </a:t>
-            </a:r>
-            <a:r>
-              <a:rPr lang="ko-KR" altLang="en-US" sz="1800" dirty="0" smtClean="0"/>
+              <a:t>3. </a:t>
+            </a:r>
+            <a:r>
+              <a:rPr lang="ko-KR" altLang="en-US" sz="1800" dirty="0"/>
               <a:t>이해하기</a:t>
             </a:r>
             <a:endParaRPr lang="en-US" altLang="ko-KR" dirty="0"/>
@@ -21750,30 +21630,30 @@
               </a:spcAft>
             </a:pPr>
             <a:r>
-              <a:rPr lang="en-US" altLang="ko-KR" sz="1400" dirty="0" smtClean="0"/>
+              <a:rPr lang="en-US" altLang="ko-KR" sz="1400" dirty="0"/>
               <a:t>3) </a:t>
             </a:r>
             <a:r>
-              <a:rPr lang="ko-KR" altLang="en-US" sz="1400" dirty="0" smtClean="0"/>
+              <a:rPr lang="ko-KR" altLang="en-US" sz="1400" dirty="0"/>
               <a:t>화면</a:t>
             </a:r>
             <a:r>
-              <a:rPr lang="en-US" altLang="ko-KR" sz="1400" dirty="0" smtClean="0"/>
+              <a:rPr lang="en-US" altLang="ko-KR" sz="1400" dirty="0"/>
               <a:t>/</a:t>
             </a:r>
             <a:r>
-              <a:rPr lang="ko-KR" altLang="en-US" sz="1400" dirty="0" smtClean="0"/>
+              <a:rPr lang="ko-KR" altLang="en-US" sz="1400" dirty="0"/>
               <a:t>기능설계 </a:t>
             </a:r>
             <a:r>
-              <a:rPr lang="en-US" altLang="ko-KR" sz="1400" dirty="0" smtClean="0"/>
+              <a:rPr lang="en-US" altLang="ko-KR" sz="1400" dirty="0"/>
               <a:t>– </a:t>
             </a:r>
             <a:r>
-              <a:rPr lang="ko-KR" altLang="en-US" sz="1400" dirty="0" smtClean="0"/>
+              <a:rPr lang="ko-KR" altLang="en-US" sz="1400" dirty="0"/>
               <a:t>새 글 입력</a:t>
             </a:r>
-            <a:endParaRPr lang="en-US" altLang="ko-KR" sz="1400" dirty="0" smtClean="0"/>
+            <a:endParaRPr lang="en-US" altLang="ko-KR" sz="1400" dirty="0"/>
           </a:p>
         </p:txBody>
       </p:sp>
@@ -21865,13 +21745,6 @@
   <p:clrMapOvr>
     <a:masterClrMapping/>
   </p:clrMapOvr>
-  <p:timing>
-    <p:tnLst>
-      <p:par>
-        <p:cTn id="1" dur="indefinite" restart="never" nodeType="tmRoot"/>
-      </p:par>
-    </p:tnLst>
-  </p:timing>
 </p:sld>
 </file>
 
@@ -22018,14 +21891,10 @@
             </a:pPr>
             <a:r>
               <a:rPr lang="en-US" altLang="ko-KR" sz="1800" dirty="0"/>
-              <a:t>3</a:t>
-            </a:r>
-            <a:r>
-              <a:rPr lang="en-US" altLang="ko-KR" sz="1800" dirty="0" smtClean="0"/>
-              <a:t>. </a:t>
-            </a:r>
-            <a:r>
-              <a:rPr lang="ko-KR" altLang="en-US" sz="1800" dirty="0" smtClean="0"/>
+              <a:t>3. </a:t>
+            </a:r>
+            <a:r>
+              <a:rPr lang="ko-KR" altLang="en-US" sz="1800" dirty="0"/>
               <a:t>이해하기</a:t>
             </a:r>
             <a:endParaRPr lang="en-US" altLang="ko-KR" dirty="0"/>
@@ -22325,30 +22194,30 @@
               </a:spcAft>
             </a:pPr>
             <a:r>
-              <a:rPr lang="en-US" altLang="ko-KR" sz="1400" smtClean="0"/>
+              <a:rPr lang="en-US" altLang="ko-KR" sz="1400"/>
               <a:t>4) </a:t>
             </a:r>
             <a:r>
-              <a:rPr lang="ko-KR" altLang="en-US" sz="1400" smtClean="0"/>
+              <a:rPr lang="ko-KR" altLang="en-US" sz="1400"/>
               <a:t>화면</a:t>
             </a:r>
             <a:r>
-              <a:rPr lang="en-US" altLang="ko-KR" sz="1400" smtClean="0"/>
+              <a:rPr lang="en-US" altLang="ko-KR" sz="1400"/>
               <a:t>/</a:t>
             </a:r>
             <a:r>
-              <a:rPr lang="ko-KR" altLang="en-US" sz="1400" smtClean="0"/>
+              <a:rPr lang="ko-KR" altLang="en-US" sz="1400"/>
               <a:t>기능설계 </a:t>
             </a:r>
             <a:r>
-              <a:rPr lang="en-US" altLang="ko-KR" sz="1400" smtClean="0"/>
+              <a:rPr lang="en-US" altLang="ko-KR" sz="1400"/>
               <a:t>– </a:t>
             </a:r>
             <a:r>
-              <a:rPr lang="ko-KR" altLang="en-US" sz="1400" smtClean="0"/>
+              <a:rPr lang="ko-KR" altLang="en-US" sz="1400"/>
               <a:t>글 보기</a:t>
             </a:r>
-            <a:endParaRPr lang="en-US" altLang="ko-KR" sz="1400" smtClean="0"/>
+            <a:endParaRPr lang="en-US" altLang="ko-KR" sz="1400"/>
           </a:p>
         </p:txBody>
       </p:sp>
@@ -22440,13 +22309,6 @@
   <p:clrMapOvr>
     <a:masterClrMapping/>
   </p:clrMapOvr>
-  <p:timing>
-    <p:tnLst>
-      <p:par>
-        <p:cTn id="1" dur="indefinite" restart="never" nodeType="tmRoot"/>
-      </p:par>
-    </p:tnLst>
-  </p:timing>
 </p:sld>
 </file>
 
@@ -22593,14 +22455,10 @@
             </a:pPr>
             <a:r>
               <a:rPr lang="en-US" altLang="ko-KR" sz="1800" dirty="0"/>
-              <a:t>3</a:t>
-            </a:r>
-            <a:r>
-              <a:rPr lang="en-US" altLang="ko-KR" sz="1800" dirty="0" smtClean="0"/>
-              <a:t>. </a:t>
-            </a:r>
-            <a:r>
-              <a:rPr lang="ko-KR" altLang="en-US" sz="1800" dirty="0" smtClean="0"/>
+              <a:t>3. </a:t>
+            </a:r>
+            <a:r>
+              <a:rPr lang="ko-KR" altLang="en-US" sz="1800" dirty="0"/>
               <a:t>이해하기</a:t>
             </a:r>
             <a:endParaRPr lang="en-US" altLang="ko-KR" dirty="0"/>
@@ -22900,30 +22758,30 @@
               </a:spcAft>
             </a:pPr>
             <a:r>
-              <a:rPr lang="en-US" altLang="ko-KR" sz="1400" smtClean="0"/>
+              <a:rPr lang="en-US" altLang="ko-KR" sz="1400"/>
               <a:t>5) </a:t>
             </a:r>
             <a:r>
-              <a:rPr lang="ko-KR" altLang="en-US" sz="1400" smtClean="0"/>
+              <a:rPr lang="ko-KR" altLang="en-US" sz="1400"/>
               <a:t>화면</a:t>
             </a:r>
             <a:r>
-              <a:rPr lang="en-US" altLang="ko-KR" sz="1400" smtClean="0"/>
+              <a:rPr lang="en-US" altLang="ko-KR" sz="1400"/>
               <a:t>/</a:t>
             </a:r>
             <a:r>
-              <a:rPr lang="ko-KR" altLang="en-US" sz="1400" smtClean="0"/>
+              <a:rPr lang="ko-KR" altLang="en-US" sz="1400"/>
               <a:t>기능설계 </a:t>
             </a:r>
             <a:r>
-              <a:rPr lang="en-US" altLang="ko-KR" sz="1400" smtClean="0"/>
+              <a:rPr lang="en-US" altLang="ko-KR" sz="1400"/>
               <a:t>– </a:t>
             </a:r>
             <a:r>
-              <a:rPr lang="ko-KR" altLang="en-US" sz="1400" smtClean="0"/>
+              <a:rPr lang="ko-KR" altLang="en-US" sz="1400"/>
               <a:t>글 수정 삭제</a:t>
             </a:r>
-            <a:endParaRPr lang="en-US" altLang="ko-KR" sz="1400" smtClean="0"/>
+            <a:endParaRPr lang="en-US" altLang="ko-KR" sz="1400"/>
           </a:p>
         </p:txBody>
       </p:sp>
@@ -23015,13 +22873,6 @@
   <p:clrMapOvr>
     <a:masterClrMapping/>
   </p:clrMapOvr>
-  <p:timing>
-    <p:tnLst>
-      <p:par>
-        <p:cTn id="1" dur="indefinite" restart="never" nodeType="tmRoot"/>
-      </p:par>
-    </p:tnLst>
-  </p:timing>
 </p:sld>
 </file>
 
@@ -23168,14 +23019,10 @@
             </a:pPr>
             <a:r>
               <a:rPr lang="en-US" altLang="ko-KR" sz="1800" dirty="0"/>
-              <a:t>3</a:t>
-            </a:r>
-            <a:r>
-              <a:rPr lang="en-US" altLang="ko-KR" sz="1800" dirty="0" smtClean="0"/>
-              <a:t>. </a:t>
-            </a:r>
-            <a:r>
-              <a:rPr lang="ko-KR" altLang="en-US" sz="1800" dirty="0" smtClean="0"/>
+              <a:t>3. </a:t>
+            </a:r>
+            <a:r>
+              <a:rPr lang="ko-KR" altLang="en-US" sz="1800" dirty="0"/>
               <a:t>이해하기</a:t>
             </a:r>
             <a:endParaRPr lang="en-US" altLang="ko-KR" dirty="0"/>
@@ -23475,14 +23322,14 @@
               </a:spcAft>
             </a:pPr>
             <a:r>
-              <a:rPr lang="en-US" altLang="ko-KR" sz="1400" smtClean="0"/>
+              <a:rPr lang="en-US" altLang="ko-KR" sz="1400"/>
               <a:t>6) </a:t>
             </a:r>
             <a:r>
-              <a:rPr lang="ko-KR" altLang="en-US" sz="1400" smtClean="0"/>
+              <a:rPr lang="ko-KR" altLang="en-US" sz="1400"/>
               <a:t>프로그램 연관도</a:t>
             </a:r>
-            <a:endParaRPr lang="en-US" altLang="ko-KR" sz="1400" smtClean="0"/>
+            <a:endParaRPr lang="en-US" altLang="ko-KR" sz="1400"/>
           </a:p>
         </p:txBody>
       </p:sp>
@@ -26961,13 +26808,6 @@
   <p:clrMapOvr>
     <a:masterClrMapping/>
   </p:clrMapOvr>
-  <p:timing>
-    <p:tnLst>
-      <p:par>
-        <p:cTn id="1" dur="indefinite" restart="never" nodeType="tmRoot"/>
-      </p:par>
-    </p:tnLst>
-  </p:timing>
 </p:sld>
 </file>
 
@@ -27023,7 +26863,7 @@
               <a:buClrTx/>
             </a:pPr>
             <a:r>
-              <a:rPr lang="en-US" altLang="ko-KR" sz="1800" dirty="0" smtClean="0">
+              <a:rPr lang="en-US" altLang="ko-KR" sz="1800" dirty="0">
                 <a:solidFill>
                   <a:schemeClr val="bg1"/>
                 </a:solidFill>
@@ -27073,10 +26913,10 @@
               <a:buAutoNum type="arabicPeriod"/>
             </a:pPr>
             <a:r>
-              <a:rPr lang="ko-KR" altLang="en-US" sz="2000" dirty="0" smtClean="0"/>
+              <a:rPr lang="ko-KR" altLang="en-US" sz="2000" dirty="0"/>
               <a:t>간단한 게시판 구현</a:t>
             </a:r>
-            <a:endParaRPr lang="en-US" altLang="ko-KR" sz="2000" dirty="0" smtClean="0"/>
+            <a:endParaRPr lang="en-US" altLang="ko-KR" sz="2000" dirty="0"/>
           </a:p>
           <a:p>
             <a:pPr marL="285750" indent="-285750">
@@ -27087,10 +26927,10 @@
               <a:buChar char="ü"/>
             </a:pPr>
             <a:r>
-              <a:rPr lang="ko-KR" altLang="en-US" dirty="0" smtClean="0"/>
+              <a:rPr lang="ko-KR" altLang="en-US" dirty="0"/>
               <a:t>시스템 요건분석</a:t>
             </a:r>
-            <a:endParaRPr lang="en-US" altLang="ko-KR" dirty="0" smtClean="0"/>
+            <a:endParaRPr lang="en-US" altLang="ko-KR" dirty="0"/>
           </a:p>
           <a:p>
             <a:pPr marL="285750" indent="-285750">
@@ -27101,10 +26941,10 @@
               <a:buChar char="ü"/>
             </a:pPr>
             <a:r>
-              <a:rPr lang="ko-KR" altLang="en-US" dirty="0" smtClean="0"/>
+              <a:rPr lang="ko-KR" altLang="en-US" dirty="0"/>
               <a:t>분석 설계</a:t>
             </a:r>
-            <a:endParaRPr lang="en-US" altLang="ko-KR" dirty="0" smtClean="0"/>
+            <a:endParaRPr lang="en-US" altLang="ko-KR" dirty="0"/>
           </a:p>
           <a:p>
             <a:pPr marL="285750" indent="-285750">
@@ -27115,10 +26955,10 @@
               <a:buChar char="ü"/>
             </a:pPr>
             <a:r>
-              <a:rPr lang="ko-KR" altLang="en-US" dirty="0" smtClean="0"/>
+              <a:rPr lang="ko-KR" altLang="en-US" dirty="0"/>
               <a:t>게시판 정적 페이지 구성</a:t>
             </a:r>
-            <a:endParaRPr lang="en-US" altLang="ko-KR" dirty="0" smtClean="0"/>
+            <a:endParaRPr lang="en-US" altLang="ko-KR" dirty="0"/>
           </a:p>
           <a:p>
             <a:pPr marL="285750" indent="-285750">
@@ -27129,10 +26969,10 @@
               <a:buChar char="ü"/>
             </a:pPr>
             <a:r>
-              <a:rPr lang="ko-KR" altLang="en-US" dirty="0" smtClean="0"/>
+              <a:rPr lang="ko-KR" altLang="en-US" dirty="0"/>
               <a:t>게시판 구현</a:t>
             </a:r>
-            <a:endParaRPr lang="en-US" altLang="ko-KR" dirty="0" smtClean="0"/>
+            <a:endParaRPr lang="en-US" altLang="ko-KR" dirty="0"/>
           </a:p>
           <a:p>
             <a:pPr marL="285750" indent="-285750">
@@ -27143,10 +26983,9 @@
               <a:buChar char="ü"/>
             </a:pPr>
             <a:r>
-              <a:rPr lang="ko-KR" altLang="en-US" dirty="0" smtClean="0"/>
+              <a:rPr lang="ko-KR" altLang="en-US" dirty="0"/>
               <a:t>재고상황 시스템 구현</a:t>
             </a:r>
-            <a:endParaRPr lang="ko-KR" altLang="en-US" dirty="0"/>
           </a:p>
         </p:txBody>
       </p:sp>
@@ -27233,7 +27072,7 @@
               </a:spcBef>
             </a:pPr>
             <a:r>
-              <a:rPr lang="ko-KR" altLang="en-US" sz="1800" dirty="0" smtClean="0"/>
+              <a:rPr lang="ko-KR" altLang="en-US" sz="1800" dirty="0"/>
               <a:t>주요내용</a:t>
             </a:r>
             <a:endParaRPr lang="en-US" altLang="ko-KR" dirty="0"/>
@@ -27250,13 +27089,6 @@
   <p:clrMapOvr>
     <a:masterClrMapping/>
   </p:clrMapOvr>
-  <p:timing>
-    <p:tnLst>
-      <p:par>
-        <p:cTn id="1" dur="indefinite" restart="never" nodeType="tmRoot"/>
-      </p:par>
-    </p:tnLst>
-  </p:timing>
 </p:sld>
 </file>
 
@@ -27403,14 +27235,10 @@
             </a:pPr>
             <a:r>
               <a:rPr lang="en-US" altLang="ko-KR" sz="1800" dirty="0"/>
-              <a:t>3</a:t>
-            </a:r>
-            <a:r>
-              <a:rPr lang="en-US" altLang="ko-KR" sz="1800" dirty="0" smtClean="0"/>
-              <a:t>. </a:t>
-            </a:r>
-            <a:r>
-              <a:rPr lang="ko-KR" altLang="en-US" sz="1800" dirty="0" smtClean="0"/>
+              <a:t>3. </a:t>
+            </a:r>
+            <a:r>
+              <a:rPr lang="ko-KR" altLang="en-US" sz="1800" dirty="0"/>
               <a:t>이해하기</a:t>
             </a:r>
             <a:endParaRPr lang="en-US" altLang="ko-KR" dirty="0"/>
@@ -27475,7 +27303,7 @@
               <a:t>3</a:t>
             </a:r>
             <a:r>
-              <a:rPr kumimoji="0" lang="en-US" altLang="ko-KR" sz="1400" b="1" dirty="0" smtClean="0">
+              <a:rPr kumimoji="0" lang="en-US" altLang="ko-KR" sz="1400" b="1" dirty="0">
                 <a:solidFill>
                   <a:schemeClr val="tx1"/>
                 </a:solidFill>
@@ -27484,7 +27312,7 @@
               <a:t>. </a:t>
             </a:r>
             <a:r>
-              <a:rPr kumimoji="0" lang="ko-KR" altLang="en-US" sz="1400" b="1" dirty="0" smtClean="0">
+              <a:rPr kumimoji="0" lang="ko-KR" altLang="en-US" sz="1400" b="1" dirty="0">
                 <a:solidFill>
                   <a:schemeClr val="tx1"/>
                 </a:solidFill>
@@ -27492,12 +27320,6 @@
               </a:rPr>
               <a:t>구현</a:t>
             </a:r>
-            <a:endParaRPr kumimoji="0" lang="ko-KR" altLang="en-US" sz="1400" b="1" dirty="0">
-              <a:solidFill>
-                <a:schemeClr val="tx1"/>
-              </a:solidFill>
-              <a:latin typeface="+mn-ea"/>
-            </a:endParaRPr>
           </a:p>
         </p:txBody>
       </p:sp>
@@ -27725,14 +27547,14 @@
               </a:spcAft>
             </a:pPr>
             <a:r>
-              <a:rPr lang="en-US" altLang="ko-KR" sz="1400" smtClean="0"/>
+              <a:rPr lang="en-US" altLang="ko-KR" sz="1400"/>
               <a:t>1) </a:t>
             </a:r>
             <a:r>
-              <a:rPr lang="ko-KR" altLang="en-US" sz="1400" smtClean="0"/>
+              <a:rPr lang="ko-KR" altLang="en-US" sz="1400"/>
               <a:t>구현단계</a:t>
             </a:r>
-            <a:endParaRPr lang="en-US" altLang="ko-KR" sz="1400" smtClean="0"/>
+            <a:endParaRPr lang="en-US" altLang="ko-KR" sz="1400"/>
           </a:p>
         </p:txBody>
       </p:sp>
@@ -29669,13 +29491,6 @@
   <p:clrMapOvr>
     <a:masterClrMapping/>
   </p:clrMapOvr>
-  <p:timing>
-    <p:tnLst>
-      <p:par>
-        <p:cTn id="1" dur="indefinite" restart="never" nodeType="tmRoot"/>
-      </p:par>
-    </p:tnLst>
-  </p:timing>
 </p:sld>
 </file>
 
@@ -29822,14 +29637,10 @@
             </a:pPr>
             <a:r>
               <a:rPr lang="en-US" altLang="ko-KR" sz="1800" dirty="0"/>
-              <a:t>3</a:t>
-            </a:r>
-            <a:r>
-              <a:rPr lang="en-US" altLang="ko-KR" sz="1800" dirty="0" smtClean="0"/>
-              <a:t>. </a:t>
-            </a:r>
-            <a:r>
-              <a:rPr lang="ko-KR" altLang="en-US" sz="1800" dirty="0" smtClean="0"/>
+              <a:t>3. </a:t>
+            </a:r>
+            <a:r>
+              <a:rPr lang="ko-KR" altLang="en-US" sz="1800" dirty="0"/>
               <a:t>이해하기</a:t>
             </a:r>
             <a:endParaRPr lang="en-US" altLang="ko-KR" dirty="0"/>
@@ -29894,7 +29705,7 @@
               <a:t>3</a:t>
             </a:r>
             <a:r>
-              <a:rPr kumimoji="0" lang="en-US" altLang="ko-KR" sz="1400" b="1" dirty="0" smtClean="0">
+              <a:rPr kumimoji="0" lang="en-US" altLang="ko-KR" sz="1400" b="1" dirty="0">
                 <a:solidFill>
                   <a:schemeClr val="tx1"/>
                 </a:solidFill>
@@ -29903,7 +29714,7 @@
               <a:t>. </a:t>
             </a:r>
             <a:r>
-              <a:rPr kumimoji="0" lang="ko-KR" altLang="en-US" sz="1400" b="1" dirty="0" smtClean="0">
+              <a:rPr kumimoji="0" lang="ko-KR" altLang="en-US" sz="1400" b="1" dirty="0">
                 <a:solidFill>
                   <a:schemeClr val="tx1"/>
                 </a:solidFill>
@@ -29911,12 +29722,6 @@
               </a:rPr>
               <a:t>구현</a:t>
             </a:r>
-            <a:endParaRPr kumimoji="0" lang="ko-KR" altLang="en-US" sz="1400" b="1" dirty="0">
-              <a:solidFill>
-                <a:schemeClr val="tx1"/>
-              </a:solidFill>
-              <a:latin typeface="+mn-ea"/>
-            </a:endParaRPr>
           </a:p>
         </p:txBody>
       </p:sp>
@@ -30144,14 +29949,14 @@
               </a:spcAft>
             </a:pPr>
             <a:r>
-              <a:rPr lang="en-US" altLang="ko-KR" sz="1400" smtClean="0"/>
+              <a:rPr lang="en-US" altLang="ko-KR" sz="1400"/>
               <a:t>1) </a:t>
             </a:r>
             <a:r>
-              <a:rPr lang="ko-KR" altLang="en-US" sz="1400" smtClean="0"/>
+              <a:rPr lang="ko-KR" altLang="en-US" sz="1400"/>
               <a:t>구현단계</a:t>
             </a:r>
-            <a:endParaRPr lang="en-US" altLang="ko-KR" sz="1400" smtClean="0"/>
+            <a:endParaRPr lang="en-US" altLang="ko-KR" sz="1400"/>
           </a:p>
         </p:txBody>
       </p:sp>
@@ -30182,26 +29987,26 @@
               <a:buChar char="•"/>
             </a:pPr>
             <a:r>
-              <a:rPr lang="ko-KR" altLang="en-US" sz="1200" b="0" dirty="0" smtClean="0"/>
+              <a:rPr lang="ko-KR" altLang="en-US" sz="1200" b="0" dirty="0"/>
               <a:t>먼저 </a:t>
             </a:r>
             <a:r>
-              <a:rPr lang="en-US" altLang="ko-KR" sz="1200" b="0" dirty="0" smtClean="0"/>
+              <a:rPr lang="en-US" altLang="ko-KR" sz="1200" b="0" dirty="0"/>
               <a:t>DB</a:t>
             </a:r>
             <a:r>
-              <a:rPr lang="ko-KR" altLang="en-US" sz="1200" b="0" dirty="0" smtClean="0"/>
+              <a:rPr lang="ko-KR" altLang="en-US" sz="1200" b="0" dirty="0"/>
               <a:t>테이블을 만들고 테스트데이터를 넣는 </a:t>
             </a:r>
             <a:r>
-              <a:rPr lang="en-US" altLang="ko-KR" sz="1200" b="0" dirty="0" err="1" smtClean="0"/>
+              <a:rPr lang="en-US" altLang="ko-KR" sz="1200" b="0" dirty="0" err="1"/>
               <a:t>jsp</a:t>
             </a:r>
             <a:r>
-              <a:rPr lang="ko-KR" altLang="en-US" sz="1200" b="0" dirty="0" smtClean="0"/>
+              <a:rPr lang="ko-KR" altLang="en-US" sz="1200" b="0" dirty="0"/>
               <a:t>를 구현하셔요</a:t>
             </a:r>
-            <a:endParaRPr lang="en-US" altLang="ko-KR" sz="1200" b="0" dirty="0" smtClean="0"/>
+            <a:endParaRPr lang="en-US" altLang="ko-KR" sz="1200" b="0" dirty="0"/>
           </a:p>
           <a:p>
             <a:r>
@@ -30209,13 +30014,13 @@
               <a:t>	</a:t>
             </a:r>
             <a:r>
-              <a:rPr lang="en-US" altLang="ko-KR" sz="1200" b="0" dirty="0" err="1" smtClean="0"/>
+              <a:rPr lang="en-US" altLang="ko-KR" sz="1200" b="0" dirty="0" err="1"/>
               <a:t>makedata.jsp</a:t>
             </a:r>
-            <a:endParaRPr lang="en-US" altLang="ko-KR" sz="1200" b="0" dirty="0" smtClean="0"/>
-          </a:p>
-          <a:p>
-            <a:endParaRPr lang="en-US" altLang="ko-KR" sz="1200" b="0" dirty="0" smtClean="0"/>
+            <a:endParaRPr lang="en-US" altLang="ko-KR" sz="1200" b="0" dirty="0"/>
+          </a:p>
+          <a:p>
+            <a:endParaRPr lang="en-US" altLang="ko-KR" sz="1200" b="0" dirty="0"/>
           </a:p>
           <a:p>
             <a:pPr marL="285750" indent="-285750">
@@ -30223,26 +30028,26 @@
               <a:buChar char="•"/>
             </a:pPr>
             <a:r>
-              <a:rPr lang="ko-KR" altLang="en-US" sz="1200" b="0" dirty="0" smtClean="0"/>
+              <a:rPr lang="ko-KR" altLang="en-US" sz="1200" b="0" dirty="0"/>
               <a:t>두 번째 </a:t>
             </a:r>
             <a:r>
-              <a:rPr lang="en-US" altLang="ko-KR" sz="1200" b="0" dirty="0" err="1" smtClean="0"/>
+              <a:rPr lang="en-US" altLang="ko-KR" sz="1200" b="0" dirty="0" err="1"/>
               <a:t>jsp</a:t>
             </a:r>
             <a:r>
-              <a:rPr lang="ko-KR" altLang="en-US" sz="1200" b="0" dirty="0" smtClean="0"/>
+              <a:rPr lang="ko-KR" altLang="en-US" sz="1200" b="0" dirty="0"/>
               <a:t>코드가 없는 화면을 만들어 보셔요</a:t>
             </a:r>
-            <a:endParaRPr lang="en-US" altLang="ko-KR" sz="1200" b="0" dirty="0" smtClean="0"/>
-          </a:p>
-          <a:p>
-            <a:r>
-              <a:rPr lang="en-US" altLang="ko-KR" sz="1200" b="0" dirty="0" smtClean="0"/>
+            <a:endParaRPr lang="en-US" altLang="ko-KR" sz="1200" b="0" dirty="0"/>
+          </a:p>
+          <a:p>
+            <a:r>
+              <a:rPr lang="en-US" altLang="ko-KR" sz="1200" b="0" dirty="0"/>
               <a:t>	</a:t>
             </a:r>
             <a:r>
-              <a:rPr lang="en-US" altLang="ko-KR" sz="1200" b="0" dirty="0" err="1" smtClean="0"/>
+              <a:rPr lang="en-US" altLang="ko-KR" sz="1200" b="0" dirty="0" err="1"/>
               <a:t>gongji_list_H.jsp</a:t>
             </a:r>
             <a:r>
@@ -30280,7 +30085,7 @@
               <a:t>                 </a:t>
             </a:r>
             <a:r>
-              <a:rPr lang="en-US" altLang="ko-KR" sz="1200" b="0" dirty="0" err="1" smtClean="0"/>
+              <a:rPr lang="en-US" altLang="ko-KR" sz="1200" b="0" dirty="0" err="1"/>
               <a:t>gongji_insert_H.jsp</a:t>
             </a:r>
             <a:r>
@@ -30313,10 +30118,10 @@
             </a:r>
           </a:p>
           <a:p>
-            <a:endParaRPr lang="en-US" altLang="ko-KR" sz="1200" b="0" dirty="0" smtClean="0"/>
-          </a:p>
-          <a:p>
-            <a:endParaRPr lang="en-US" altLang="ko-KR" sz="1200" b="0" dirty="0" smtClean="0"/>
+            <a:endParaRPr lang="en-US" altLang="ko-KR" sz="1200" b="0" dirty="0"/>
+          </a:p>
+          <a:p>
+            <a:endParaRPr lang="en-US" altLang="ko-KR" sz="1200" b="0" dirty="0"/>
           </a:p>
           <a:p>
             <a:pPr marL="285750" indent="-285750">
@@ -30324,29 +30129,29 @@
               <a:buChar char="•"/>
             </a:pPr>
             <a:r>
-              <a:rPr lang="ko-KR" altLang="en-US" sz="1200" b="0" dirty="0" smtClean="0"/>
+              <a:rPr lang="ko-KR" altLang="en-US" sz="1200" b="0" dirty="0"/>
               <a:t>세 번째 본격적으로 전체 </a:t>
             </a:r>
             <a:r>
-              <a:rPr lang="ko-KR" altLang="en-US" sz="1200" b="0" dirty="0" err="1" smtClean="0"/>
+              <a:rPr lang="ko-KR" altLang="en-US" sz="1200" b="0" dirty="0" err="1"/>
               <a:t>로직을</a:t>
             </a:r>
             <a:r>
-              <a:rPr lang="ko-KR" altLang="en-US" sz="1200" b="0" dirty="0" smtClean="0"/>
+              <a:rPr lang="ko-KR" altLang="en-US" sz="1200" b="0" dirty="0"/>
               <a:t> 구현하는 것입니다</a:t>
             </a:r>
             <a:r>
-              <a:rPr lang="en-US" altLang="ko-KR" sz="1200" b="0" dirty="0" smtClean="0"/>
+              <a:rPr lang="en-US" altLang="ko-KR" sz="1200" b="0" dirty="0"/>
               <a:t>.</a:t>
             </a:r>
           </a:p>
           <a:p>
             <a:r>
-              <a:rPr lang="en-US" altLang="ko-KR" sz="1200" b="0" dirty="0" smtClean="0"/>
+              <a:rPr lang="en-US" altLang="ko-KR" sz="1200" b="0" dirty="0"/>
               <a:t>	</a:t>
             </a:r>
             <a:r>
-              <a:rPr lang="en-US" altLang="ko-KR" sz="1200" b="0" dirty="0" err="1" smtClean="0"/>
+              <a:rPr lang="en-US" altLang="ko-KR" sz="1200" b="0" dirty="0" err="1"/>
               <a:t>gongji_list.jsp</a:t>
             </a:r>
             <a:r>
@@ -30384,7 +30189,7 @@
               <a:t>                 </a:t>
             </a:r>
             <a:r>
-              <a:rPr lang="en-US" altLang="ko-KR" sz="1200" b="0" dirty="0" err="1" smtClean="0"/>
+              <a:rPr lang="en-US" altLang="ko-KR" sz="1200" b="0" dirty="0" err="1"/>
               <a:t>gongji_insert.jsp</a:t>
             </a:r>
             <a:r>
@@ -30422,7 +30227,7 @@
               <a:t>                 </a:t>
             </a:r>
             <a:r>
-              <a:rPr lang="en-US" altLang="ko-KR" sz="1200" b="0" dirty="0" err="1" smtClean="0"/>
+              <a:rPr lang="en-US" altLang="ko-KR" sz="1200" b="0" dirty="0" err="1"/>
               <a:t>gongji_write.jsp</a:t>
             </a:r>
             <a:r>
@@ -30474,13 +30279,6 @@
   <p:clrMapOvr>
     <a:masterClrMapping/>
   </p:clrMapOvr>
-  <p:timing>
-    <p:tnLst>
-      <p:par>
-        <p:cTn id="1" dur="indefinite" restart="never" nodeType="tmRoot"/>
-      </p:par>
-    </p:tnLst>
-  </p:timing>
 </p:sld>
 </file>
 
@@ -30656,10 +30454,10 @@
               <a:buChar char="ü"/>
             </a:pPr>
             <a:r>
-              <a:rPr lang="ko-KR" altLang="en-US" sz="1600" dirty="0" smtClean="0"/>
+              <a:rPr lang="ko-KR" altLang="en-US" sz="1600" dirty="0"/>
               <a:t>데이터베이스 구현</a:t>
             </a:r>
-            <a:endParaRPr lang="en-US" altLang="ko-KR" sz="1600" dirty="0" smtClean="0"/>
+            <a:endParaRPr lang="en-US" altLang="ko-KR" sz="1600" dirty="0"/>
           </a:p>
           <a:p>
             <a:pPr marL="0" indent="0">
@@ -30678,27 +30476,27 @@
               <a:buChar char="§"/>
             </a:pPr>
             <a:r>
-              <a:rPr lang="ko-KR" altLang="en-US" sz="1050" dirty="0" smtClean="0"/>
+              <a:rPr lang="ko-KR" altLang="en-US" sz="1050" dirty="0"/>
               <a:t>먼저 데이터베이스를 생성 및 기타 </a:t>
             </a:r>
             <a:r>
-              <a:rPr lang="ko-KR" altLang="en-US" sz="1050" dirty="0" err="1" smtClean="0"/>
+              <a:rPr lang="ko-KR" altLang="en-US" sz="1050" dirty="0" err="1"/>
               <a:t>연습용프로그램</a:t>
             </a:r>
             <a:r>
-              <a:rPr lang="ko-KR" altLang="en-US" sz="1050" dirty="0" smtClean="0"/>
+              <a:rPr lang="ko-KR" altLang="en-US" sz="1050" dirty="0"/>
               <a:t> 작성</a:t>
             </a:r>
             <a:r>
-              <a:rPr lang="en-US" altLang="ko-KR" sz="1050" dirty="0" smtClean="0"/>
+              <a:rPr lang="en-US" altLang="ko-KR" sz="1050" dirty="0"/>
               <a:t>(</a:t>
             </a:r>
             <a:r>
-              <a:rPr lang="ko-KR" altLang="en-US" sz="1050" dirty="0" smtClean="0"/>
+              <a:rPr lang="ko-KR" altLang="en-US" sz="1050" dirty="0"/>
               <a:t>★ ★ </a:t>
             </a:r>
             <a:r>
-              <a:rPr lang="en-US" altLang="ko-KR" sz="1050" dirty="0" smtClean="0"/>
+              <a:rPr lang="en-US" altLang="ko-KR" sz="1050" dirty="0"/>
               <a:t>)</a:t>
             </a:r>
           </a:p>
@@ -30721,10 +30519,10 @@
               <a:buChar char="§"/>
             </a:pPr>
             <a:r>
-              <a:rPr lang="en-US" altLang="ko-KR" sz="1050" dirty="0" err="1" smtClean="0"/>
+              <a:rPr lang="en-US" altLang="ko-KR" sz="1050" dirty="0" err="1"/>
               <a:t>makedata.jsp</a:t>
             </a:r>
-            <a:endParaRPr lang="en-US" altLang="ko-KR" sz="1050" dirty="0" smtClean="0"/>
+            <a:endParaRPr lang="en-US" altLang="ko-KR" sz="1050" dirty="0"/>
           </a:p>
         </p:txBody>
       </p:sp>
@@ -30762,19 +30560,19 @@
               </a:spcBef>
             </a:pPr>
             <a:r>
-              <a:rPr lang="en-US" altLang="ko-KR" sz="1800" dirty="0" smtClean="0"/>
+              <a:rPr lang="en-US" altLang="ko-KR" sz="1800" dirty="0"/>
               <a:t>3.</a:t>
             </a:r>
             <a:r>
-              <a:rPr lang="ko-KR" altLang="en-US" sz="1800" dirty="0" smtClean="0"/>
+              <a:rPr lang="ko-KR" altLang="en-US" sz="1800" dirty="0"/>
               <a:t>이해하기 </a:t>
             </a:r>
             <a:r>
-              <a:rPr lang="en-US" altLang="ko-KR" sz="1800" dirty="0" smtClean="0"/>
+              <a:rPr lang="en-US" altLang="ko-KR" sz="1800" dirty="0"/>
               <a:t>/ 4. </a:t>
             </a:r>
             <a:r>
-              <a:rPr lang="ko-KR" altLang="en-US" sz="1800" dirty="0" smtClean="0"/>
+              <a:rPr lang="ko-KR" altLang="en-US" sz="1800" dirty="0"/>
               <a:t>실습하기 </a:t>
             </a:r>
             <a:endParaRPr lang="en-US" altLang="ko-KR" dirty="0"/>
@@ -30797,8 +30595,8 @@
         </p:blipFill>
         <p:spPr>
           <a:xfrm>
-            <a:off x="2653918" y="956212"/>
-            <a:ext cx="1894228" cy="1037514"/>
+            <a:off x="1114185" y="826812"/>
+            <a:ext cx="8884377" cy="4866186"/>
           </a:xfrm>
           <a:prstGeom prst="rect">
             <a:avLst/>
@@ -30815,13 +30613,6 @@
   <p:clrMapOvr>
     <a:masterClrMapping/>
   </p:clrMapOvr>
-  <p:timing>
-    <p:tnLst>
-      <p:par>
-        <p:cTn id="1" dur="indefinite" restart="never" nodeType="tmRoot"/>
-      </p:par>
-    </p:tnLst>
-  </p:timing>
 </p:sld>
 </file>
 
@@ -30997,10 +30788,10 @@
               <a:buChar char="ü"/>
             </a:pPr>
             <a:r>
-              <a:rPr lang="ko-KR" altLang="en-US" sz="1600" dirty="0" smtClean="0"/>
+              <a:rPr lang="ko-KR" altLang="en-US" sz="1600" dirty="0"/>
               <a:t>정적 페이지 구현</a:t>
             </a:r>
-            <a:endParaRPr lang="en-US" altLang="ko-KR" sz="1600" dirty="0" smtClean="0"/>
+            <a:endParaRPr lang="en-US" altLang="ko-KR" sz="1600" dirty="0"/>
           </a:p>
           <a:p>
             <a:pPr marL="285750" indent="-285750">
@@ -31021,12 +30812,8 @@
               <a:buChar char="§"/>
             </a:pPr>
             <a:r>
-              <a:rPr lang="ko-KR" altLang="en-US" sz="1050" dirty="0" smtClean="0"/>
-              <a:t>두 </a:t>
-            </a:r>
-            <a:r>
               <a:rPr lang="ko-KR" altLang="en-US" sz="1050" dirty="0"/>
-              <a:t>번째 </a:t>
+              <a:t>두 번째 </a:t>
             </a:r>
             <a:r>
               <a:rPr lang="en-US" altLang="ko-KR" sz="1050" dirty="0" err="1"/>
@@ -31034,19 +30821,11 @@
             </a:r>
             <a:r>
               <a:rPr lang="ko-KR" altLang="en-US" sz="1050" dirty="0"/>
-              <a:t>코드가 없는 화면을 </a:t>
-            </a:r>
-            <a:r>
-              <a:rPr lang="ko-KR" altLang="en-US" sz="1050" dirty="0" smtClean="0"/>
-              <a:t>만들기</a:t>
-            </a:r>
-            <a:r>
-              <a:rPr lang="en-US" altLang="ko-KR" sz="1050" dirty="0" smtClean="0"/>
-              <a:t> </a:t>
+              <a:t>코드가 없는 화면을 만들기</a:t>
             </a:r>
             <a:r>
               <a:rPr lang="en-US" altLang="ko-KR" sz="1050" dirty="0"/>
-              <a:t>(</a:t>
+              <a:t> (</a:t>
             </a:r>
             <a:r>
               <a:rPr lang="ko-KR" altLang="en-US" sz="1050" dirty="0"/>
@@ -31067,7 +30846,7 @@
               <a:buChar char="§"/>
             </a:pPr>
             <a:r>
-              <a:rPr lang="en-US" altLang="ko-KR" sz="1050" dirty="0" err="1" smtClean="0"/>
+              <a:rPr lang="en-US" altLang="ko-KR" sz="1050" dirty="0" err="1"/>
               <a:t>gongji_list_H.jsp</a:t>
             </a:r>
             <a:r>
@@ -31079,7 +30858,7 @@
               <a:t>리스트</a:t>
             </a:r>
             <a:r>
-              <a:rPr lang="en-US" altLang="ko-KR" sz="1050" dirty="0" smtClean="0"/>
+              <a:rPr lang="en-US" altLang="ko-KR" sz="1050" dirty="0"/>
               <a:t>)</a:t>
             </a:r>
           </a:p>
@@ -31092,7 +30871,7 @@
               <a:buChar char="§"/>
             </a:pPr>
             <a:r>
-              <a:rPr lang="en-US" altLang="ko-KR" sz="1050" dirty="0" err="1" smtClean="0"/>
+              <a:rPr lang="en-US" altLang="ko-KR" sz="1050" dirty="0" err="1"/>
               <a:t>gongji_view_H.jsp</a:t>
             </a:r>
             <a:r>
@@ -31104,7 +30883,7 @@
               <a:t>글 하나 보기</a:t>
             </a:r>
             <a:r>
-              <a:rPr lang="en-US" altLang="ko-KR" sz="1050" dirty="0" smtClean="0"/>
+              <a:rPr lang="en-US" altLang="ko-KR" sz="1050" dirty="0"/>
               <a:t>)           </a:t>
             </a:r>
           </a:p>
@@ -31117,11 +30896,11 @@
               <a:buChar char="§"/>
             </a:pPr>
             <a:r>
-              <a:rPr lang="en-US" altLang="ko-KR" sz="1050" dirty="0" err="1" smtClean="0"/>
+              <a:rPr lang="en-US" altLang="ko-KR" sz="1050" dirty="0" err="1"/>
               <a:t>gongji_insert_H.jsp</a:t>
             </a:r>
             <a:r>
-              <a:rPr lang="en-US" altLang="ko-KR" sz="1050" dirty="0" smtClean="0"/>
+              <a:rPr lang="en-US" altLang="ko-KR" sz="1050" dirty="0"/>
               <a:t> (</a:t>
             </a:r>
             <a:r>
@@ -31129,7 +30908,7 @@
               <a:t>새 글 추가</a:t>
             </a:r>
             <a:r>
-              <a:rPr lang="en-US" altLang="ko-KR" sz="1050" dirty="0" smtClean="0"/>
+              <a:rPr lang="en-US" altLang="ko-KR" sz="1050" dirty="0"/>
               <a:t>)</a:t>
             </a:r>
           </a:p>
@@ -31142,23 +30921,19 @@
               <a:buChar char="§"/>
             </a:pPr>
             <a:r>
-              <a:rPr lang="en-US" altLang="ko-KR" sz="1050" dirty="0" err="1" smtClean="0"/>
+              <a:rPr lang="en-US" altLang="ko-KR" sz="1050" dirty="0" err="1"/>
               <a:t>gongji_update_H.jsp</a:t>
             </a:r>
             <a:r>
-              <a:rPr lang="en-US" altLang="ko-KR" sz="1050" dirty="0" smtClean="0"/>
-              <a:t> </a:t>
-            </a:r>
-            <a:r>
               <a:rPr lang="en-US" altLang="ko-KR" sz="1050" dirty="0"/>
-              <a:t>(</a:t>
+              <a:t> (</a:t>
             </a:r>
             <a:r>
               <a:rPr lang="ko-KR" altLang="en-US" sz="1050" dirty="0"/>
               <a:t>글 수정</a:t>
             </a:r>
             <a:r>
-              <a:rPr lang="en-US" altLang="ko-KR" sz="1050" dirty="0" smtClean="0"/>
+              <a:rPr lang="en-US" altLang="ko-KR" sz="1050" dirty="0"/>
               <a:t>)</a:t>
             </a:r>
           </a:p>
@@ -31181,19 +30956,19 @@
               <a:buChar char="§"/>
             </a:pPr>
             <a:r>
-              <a:rPr lang="ko-KR" altLang="en-US" sz="1050" dirty="0" smtClean="0"/>
+              <a:rPr lang="ko-KR" altLang="en-US" sz="1050" dirty="0"/>
               <a:t>교수님은</a:t>
             </a:r>
             <a:r>
-              <a:rPr lang="en-US" altLang="ko-KR" sz="1050" dirty="0" smtClean="0"/>
+              <a:rPr lang="en-US" altLang="ko-KR" sz="1050" dirty="0"/>
               <a:t> </a:t>
             </a:r>
             <a:r>
-              <a:rPr lang="ko-KR" altLang="en-US" sz="1050" dirty="0" smtClean="0"/>
+              <a:rPr lang="ko-KR" altLang="en-US" sz="1050" dirty="0"/>
               <a:t>소스를 설명할 것</a:t>
             </a:r>
             <a:r>
-              <a:rPr lang="en-US" altLang="ko-KR" sz="1050" dirty="0" smtClean="0"/>
+              <a:rPr lang="en-US" altLang="ko-KR" sz="1050" dirty="0"/>
               <a:t>..</a:t>
             </a:r>
           </a:p>
@@ -31216,10 +30991,10 @@
               <a:buChar char="§"/>
             </a:pPr>
             <a:r>
-              <a:rPr lang="ko-KR" altLang="en-US" sz="1050" dirty="0" smtClean="0"/>
+              <a:rPr lang="ko-KR" altLang="en-US" sz="1050" dirty="0"/>
               <a:t>설명을 듣고 작성하시오</a:t>
             </a:r>
-            <a:endParaRPr lang="en-US" altLang="ko-KR" sz="1050" dirty="0" smtClean="0"/>
+            <a:endParaRPr lang="en-US" altLang="ko-KR" sz="1050" dirty="0"/>
           </a:p>
           <a:p>
             <a:pPr marL="171450" indent="-171450">
@@ -31240,14 +31015,13 @@
               <a:buChar char="§"/>
             </a:pPr>
             <a:r>
-              <a:rPr lang="ko-KR" altLang="en-US" sz="1050" dirty="0" smtClean="0"/>
+              <a:rPr lang="ko-KR" altLang="en-US" sz="1050" dirty="0"/>
               <a:t>단 그림을 키워서 본다면 당신은 개발자가 아니라 타자수</a:t>
             </a:r>
             <a:r>
-              <a:rPr lang="en-US" altLang="ko-KR" sz="1050" dirty="0" smtClean="0"/>
+              <a:rPr lang="en-US" altLang="ko-KR" sz="1050" dirty="0"/>
               <a:t>.</a:t>
             </a:r>
-            <a:endParaRPr lang="en-US" altLang="ko-KR" sz="1050" dirty="0"/>
           </a:p>
         </p:txBody>
       </p:sp>
@@ -31285,19 +31059,19 @@
               </a:spcBef>
             </a:pPr>
             <a:r>
-              <a:rPr lang="en-US" altLang="ko-KR" sz="1800" dirty="0" smtClean="0"/>
+              <a:rPr lang="en-US" altLang="ko-KR" sz="1800" dirty="0"/>
               <a:t>3.</a:t>
             </a:r>
             <a:r>
-              <a:rPr lang="ko-KR" altLang="en-US" sz="1800" dirty="0" smtClean="0"/>
+              <a:rPr lang="ko-KR" altLang="en-US" sz="1800" dirty="0"/>
               <a:t>이해하기 </a:t>
             </a:r>
             <a:r>
-              <a:rPr lang="en-US" altLang="ko-KR" sz="1800" dirty="0" smtClean="0"/>
+              <a:rPr lang="en-US" altLang="ko-KR" sz="1800" dirty="0"/>
               <a:t>/ 4. </a:t>
             </a:r>
             <a:r>
-              <a:rPr lang="ko-KR" altLang="en-US" sz="1800" dirty="0" smtClean="0"/>
+              <a:rPr lang="ko-KR" altLang="en-US" sz="1800" dirty="0"/>
               <a:t>실습하기 </a:t>
             </a:r>
             <a:endParaRPr lang="en-US" altLang="ko-KR" dirty="0"/>
@@ -31410,13 +31184,6 @@
   <p:clrMapOvr>
     <a:masterClrMapping/>
   </p:clrMapOvr>
-  <p:timing>
-    <p:tnLst>
-      <p:par>
-        <p:cTn id="1" dur="indefinite" restart="never" nodeType="tmRoot"/>
-      </p:par>
-    </p:tnLst>
-  </p:timing>
 </p:sld>
 </file>
 
@@ -31592,19 +31359,19 @@
               <a:buChar char="ü"/>
             </a:pPr>
             <a:r>
-              <a:rPr lang="ko-KR" altLang="en-US" sz="1600" dirty="0" smtClean="0"/>
+              <a:rPr lang="ko-KR" altLang="en-US" sz="1600" dirty="0"/>
               <a:t>동적 페이지 구현</a:t>
             </a:r>
             <a:r>
-              <a:rPr lang="en-US" altLang="ko-KR" sz="1600" dirty="0" smtClean="0"/>
+              <a:rPr lang="en-US" altLang="ko-KR" sz="1600" dirty="0"/>
               <a:t>(</a:t>
             </a:r>
             <a:r>
-              <a:rPr lang="ko-KR" altLang="en-US" sz="1600" dirty="0" smtClean="0"/>
+              <a:rPr lang="ko-KR" altLang="en-US" sz="1600" dirty="0"/>
               <a:t>마무리</a:t>
             </a:r>
             <a:r>
-              <a:rPr lang="en-US" altLang="ko-KR" sz="1600" dirty="0" smtClean="0"/>
+              <a:rPr lang="en-US" altLang="ko-KR" sz="1600" dirty="0"/>
               <a:t>)</a:t>
             </a:r>
           </a:p>
@@ -31627,12 +31394,8 @@
               <a:buChar char="§"/>
             </a:pPr>
             <a:r>
-              <a:rPr lang="ko-KR" altLang="en-US" sz="1050" dirty="0" smtClean="0"/>
-              <a:t>세 </a:t>
-            </a:r>
-            <a:r>
               <a:rPr lang="ko-KR" altLang="en-US" sz="1050" dirty="0"/>
-              <a:t>번째 본격적으로 전체 </a:t>
+              <a:t>세 번째 본격적으로 전체 </a:t>
             </a:r>
             <a:r>
               <a:rPr lang="ko-KR" altLang="en-US" sz="1050" dirty="0" err="1"/>
@@ -31640,11 +31403,7 @@
             </a:r>
             <a:r>
               <a:rPr lang="ko-KR" altLang="en-US" sz="1050" dirty="0"/>
-              <a:t> </a:t>
-            </a:r>
-            <a:r>
-              <a:rPr lang="ko-KR" altLang="en-US" sz="1050" dirty="0" smtClean="0"/>
-              <a:t>구현</a:t>
+              <a:t> 구현</a:t>
             </a:r>
             <a:r>
               <a:rPr lang="en-US" altLang="ko-KR" sz="1050" dirty="0"/>
@@ -31655,7 +31414,7 @@
               <a:t>★ ★ </a:t>
             </a:r>
             <a:r>
-              <a:rPr lang="en-US" altLang="ko-KR" sz="1050" dirty="0" smtClean="0"/>
+              <a:rPr lang="en-US" altLang="ko-KR" sz="1050" dirty="0"/>
               <a:t>)</a:t>
             </a:r>
           </a:p>
@@ -31678,7 +31437,7 @@
               <a:buChar char="§"/>
             </a:pPr>
             <a:r>
-              <a:rPr lang="en-US" altLang="ko-KR" sz="1050" dirty="0" err="1" smtClean="0"/>
+              <a:rPr lang="en-US" altLang="ko-KR" sz="1050" dirty="0" err="1"/>
               <a:t>gongji_list.jsp</a:t>
             </a:r>
             <a:r>
@@ -31690,7 +31449,7 @@
               <a:t>리스트</a:t>
             </a:r>
             <a:r>
-              <a:rPr lang="en-US" altLang="ko-KR" sz="1050" dirty="0" smtClean="0"/>
+              <a:rPr lang="en-US" altLang="ko-KR" sz="1050" dirty="0"/>
               <a:t>)</a:t>
             </a:r>
           </a:p>
@@ -31703,7 +31462,7 @@
               <a:buChar char="§"/>
             </a:pPr>
             <a:r>
-              <a:rPr lang="en-US" altLang="ko-KR" sz="1050" dirty="0" err="1" smtClean="0"/>
+              <a:rPr lang="en-US" altLang="ko-KR" sz="1050" dirty="0" err="1"/>
               <a:t>gongji_view.jsp</a:t>
             </a:r>
             <a:r>
@@ -31715,7 +31474,7 @@
               <a:t>글 하나 보기</a:t>
             </a:r>
             <a:r>
-              <a:rPr lang="en-US" altLang="ko-KR" sz="1050" dirty="0" smtClean="0"/>
+              <a:rPr lang="en-US" altLang="ko-KR" sz="1050" dirty="0"/>
               <a:t>)                 </a:t>
             </a:r>
           </a:p>
@@ -31728,7 +31487,7 @@
               <a:buChar char="§"/>
             </a:pPr>
             <a:r>
-              <a:rPr lang="en-US" altLang="ko-KR" sz="1050" dirty="0" err="1" smtClean="0"/>
+              <a:rPr lang="en-US" altLang="ko-KR" sz="1050" dirty="0" err="1"/>
               <a:t>gongji_insert.jsp</a:t>
             </a:r>
             <a:r>
@@ -31740,7 +31499,7 @@
               <a:t>새 글 추가</a:t>
             </a:r>
             <a:r>
-              <a:rPr lang="en-US" altLang="ko-KR" sz="1050" dirty="0" smtClean="0"/>
+              <a:rPr lang="en-US" altLang="ko-KR" sz="1050" dirty="0"/>
               <a:t>)</a:t>
             </a:r>
           </a:p>
@@ -31753,7 +31512,7 @@
               <a:buChar char="§"/>
             </a:pPr>
             <a:r>
-              <a:rPr lang="en-US" altLang="ko-KR" sz="1050" dirty="0" smtClean="0"/>
+              <a:rPr lang="en-US" altLang="ko-KR" sz="1050" dirty="0"/>
               <a:t> </a:t>
             </a:r>
             <a:r>
@@ -31769,7 +31528,7 @@
               <a:t>글 수정</a:t>
             </a:r>
             <a:r>
-              <a:rPr lang="en-US" altLang="ko-KR" sz="1050" dirty="0" smtClean="0"/>
+              <a:rPr lang="en-US" altLang="ko-KR" sz="1050" dirty="0"/>
               <a:t>)            </a:t>
             </a:r>
           </a:p>
@@ -31782,7 +31541,7 @@
               <a:buChar char="§"/>
             </a:pPr>
             <a:r>
-              <a:rPr lang="en-US" altLang="ko-KR" sz="1050" dirty="0" err="1" smtClean="0"/>
+              <a:rPr lang="en-US" altLang="ko-KR" sz="1050" dirty="0" err="1"/>
               <a:t>gongji_write.jsp</a:t>
             </a:r>
             <a:r>
@@ -31791,11 +31550,7 @@
             </a:r>
             <a:r>
               <a:rPr lang="ko-KR" altLang="en-US" sz="1050" dirty="0"/>
-              <a:t>실제 글 </a:t>
-            </a:r>
-            <a:r>
-              <a:rPr lang="ko-KR" altLang="en-US" sz="1050" dirty="0" smtClean="0"/>
-              <a:t>    추가</a:t>
+              <a:t>실제 글     추가</a:t>
             </a:r>
             <a:r>
               <a:rPr lang="en-US" altLang="ko-KR" sz="1050" dirty="0"/>
@@ -31806,7 +31561,7 @@
               <a:t>수정</a:t>
             </a:r>
             <a:r>
-              <a:rPr lang="en-US" altLang="ko-KR" sz="1050" dirty="0" smtClean="0"/>
+              <a:rPr lang="en-US" altLang="ko-KR" sz="1050" dirty="0"/>
               <a:t>)</a:t>
             </a:r>
           </a:p>
@@ -31819,7 +31574,7 @@
               <a:buChar char="§"/>
             </a:pPr>
             <a:r>
-              <a:rPr lang="en-US" altLang="ko-KR" sz="1050" dirty="0" err="1" smtClean="0"/>
+              <a:rPr lang="en-US" altLang="ko-KR" sz="1050" dirty="0" err="1"/>
               <a:t>gongji_delete.jsp</a:t>
             </a:r>
             <a:r>
@@ -31871,19 +31626,19 @@
               </a:spcBef>
             </a:pPr>
             <a:r>
-              <a:rPr lang="en-US" altLang="ko-KR" sz="1800" dirty="0" smtClean="0"/>
+              <a:rPr lang="en-US" altLang="ko-KR" sz="1800" dirty="0"/>
               <a:t>3.</a:t>
             </a:r>
             <a:r>
-              <a:rPr lang="ko-KR" altLang="en-US" sz="1800" dirty="0" smtClean="0"/>
+              <a:rPr lang="ko-KR" altLang="en-US" sz="1800" dirty="0"/>
               <a:t>이해하기 </a:t>
             </a:r>
             <a:r>
-              <a:rPr lang="en-US" altLang="ko-KR" sz="1800" dirty="0" smtClean="0"/>
+              <a:rPr lang="en-US" altLang="ko-KR" sz="1800" dirty="0"/>
               <a:t>/ 4. </a:t>
             </a:r>
             <a:r>
-              <a:rPr lang="ko-KR" altLang="en-US" sz="1800" dirty="0" smtClean="0"/>
+              <a:rPr lang="ko-KR" altLang="en-US" sz="1800" dirty="0"/>
               <a:t>실습하기 </a:t>
             </a:r>
             <a:endParaRPr lang="en-US" altLang="ko-KR" dirty="0"/>
@@ -31913,17 +31668,16 @@
           <a:lstStyle/>
           <a:p>
             <a:r>
-              <a:rPr lang="ko-KR" altLang="en-US" dirty="0" smtClean="0"/>
+              <a:rPr lang="ko-KR" altLang="en-US" dirty="0"/>
               <a:t>화면 설계서를 보면 처리해야</a:t>
             </a:r>
-            <a:endParaRPr lang="en-US" altLang="ko-KR" dirty="0" smtClean="0"/>
-          </a:p>
-          <a:p>
-            <a:r>
-              <a:rPr lang="ko-KR" altLang="en-US" dirty="0" smtClean="0"/>
+            <a:endParaRPr lang="en-US" altLang="ko-KR" dirty="0"/>
+          </a:p>
+          <a:p>
+            <a:r>
+              <a:rPr lang="ko-KR" altLang="en-US" dirty="0"/>
               <a:t>할 부분 힌트를 알 수 있다</a:t>
             </a:r>
-            <a:endParaRPr lang="ko-KR" altLang="en-US" dirty="0"/>
           </a:p>
         </p:txBody>
       </p:sp>
@@ -31937,13 +31691,6 @@
   <p:clrMapOvr>
     <a:masterClrMapping/>
   </p:clrMapOvr>
-  <p:timing>
-    <p:tnLst>
-      <p:par>
-        <p:cTn id="1" dur="indefinite" restart="never" nodeType="tmRoot"/>
-      </p:par>
-    </p:tnLst>
-  </p:timing>
 </p:sld>
 </file>
 
@@ -32119,7 +31866,7 @@
               <a:buChar char="ü"/>
             </a:pPr>
             <a:r>
-              <a:rPr lang="en-US" altLang="ko-KR" sz="1600" dirty="0" smtClean="0"/>
+              <a:rPr lang="en-US" altLang="ko-KR" sz="1600" dirty="0"/>
               <a:t>(</a:t>
             </a:r>
             <a:r>
@@ -32127,14 +31874,14 @@
               <a:t>유통판매</a:t>
             </a:r>
             <a:r>
-              <a:rPr lang="en-US" altLang="ko-KR" sz="1600" dirty="0" smtClean="0"/>
+              <a:rPr lang="en-US" altLang="ko-KR" sz="1600" dirty="0"/>
               <a:t>)</a:t>
             </a:r>
             <a:r>
-              <a:rPr lang="ko-KR" altLang="en-US" sz="1600" dirty="0" smtClean="0"/>
+              <a:rPr lang="ko-KR" altLang="en-US" sz="1600" dirty="0"/>
               <a:t>재고현황구현</a:t>
             </a:r>
-            <a:endParaRPr lang="en-US" altLang="ko-KR" sz="1600" dirty="0" smtClean="0"/>
+            <a:endParaRPr lang="en-US" altLang="ko-KR" sz="1600" dirty="0"/>
           </a:p>
           <a:p>
             <a:pPr marL="285750" indent="-285750">
@@ -32155,11 +31902,11 @@
               <a:buChar char="§"/>
             </a:pPr>
             <a:r>
-              <a:rPr lang="ko-KR" altLang="en-US" sz="1050" dirty="0" smtClean="0"/>
+              <a:rPr lang="ko-KR" altLang="en-US" sz="1050" dirty="0"/>
               <a:t>재고현황시스템구현</a:t>
             </a:r>
             <a:r>
-              <a:rPr lang="en-US" altLang="ko-KR" sz="1050" dirty="0" smtClean="0"/>
+              <a:rPr lang="en-US" altLang="ko-KR" sz="1050" dirty="0"/>
               <a:t>(</a:t>
             </a:r>
             <a:r>
@@ -32167,7 +31914,7 @@
               <a:t>★ ★ </a:t>
             </a:r>
             <a:r>
-              <a:rPr lang="en-US" altLang="ko-KR" sz="1050" dirty="0" smtClean="0"/>
+              <a:rPr lang="en-US" altLang="ko-KR" sz="1050" dirty="0"/>
               <a:t>)</a:t>
             </a:r>
           </a:p>
@@ -32190,10 +31937,10 @@
               <a:buChar char="§"/>
             </a:pPr>
             <a:r>
-              <a:rPr lang="ko-KR" altLang="en-US" sz="1050" dirty="0" smtClean="0"/>
+              <a:rPr lang="ko-KR" altLang="en-US" sz="1050" dirty="0"/>
               <a:t>재고현황총괄</a:t>
             </a:r>
-            <a:endParaRPr lang="en-US" altLang="ko-KR" sz="1050" dirty="0" smtClean="0"/>
+            <a:endParaRPr lang="en-US" altLang="ko-KR" sz="1050" dirty="0"/>
           </a:p>
           <a:p>
             <a:pPr marL="171450" indent="-171450">
@@ -32204,10 +31951,10 @@
               <a:buChar char="§"/>
             </a:pPr>
             <a:r>
-              <a:rPr lang="ko-KR" altLang="en-US" sz="1050" dirty="0" smtClean="0"/>
+              <a:rPr lang="ko-KR" altLang="en-US" sz="1050" dirty="0"/>
               <a:t>신규상품등록</a:t>
             </a:r>
-            <a:endParaRPr lang="en-US" altLang="ko-KR" sz="1050" dirty="0" smtClean="0"/>
+            <a:endParaRPr lang="en-US" altLang="ko-KR" sz="1050" dirty="0"/>
           </a:p>
           <a:p>
             <a:pPr marL="171450" indent="-171450">
@@ -32218,10 +31965,10 @@
               <a:buChar char="§"/>
             </a:pPr>
             <a:r>
-              <a:rPr lang="ko-KR" altLang="en-US" sz="1050" dirty="0" smtClean="0"/>
+              <a:rPr lang="ko-KR" altLang="en-US" sz="1050" dirty="0"/>
               <a:t>상품삭제</a:t>
             </a:r>
-            <a:endParaRPr lang="en-US" altLang="ko-KR" sz="1050" dirty="0" smtClean="0"/>
+            <a:endParaRPr lang="en-US" altLang="ko-KR" sz="1050" dirty="0"/>
           </a:p>
           <a:p>
             <a:pPr marL="171450" indent="-171450">
@@ -32232,7 +31979,7 @@
               <a:buChar char="§"/>
             </a:pPr>
             <a:r>
-              <a:rPr lang="ko-KR" altLang="en-US" sz="1050" dirty="0" smtClean="0"/>
+              <a:rPr lang="ko-KR" altLang="en-US" sz="1050" dirty="0"/>
               <a:t>재고수정</a:t>
             </a:r>
             <a:endParaRPr lang="en-US" altLang="ko-KR" sz="1050" dirty="0"/>
@@ -32273,19 +32020,19 @@
               </a:spcBef>
             </a:pPr>
             <a:r>
-              <a:rPr lang="en-US" altLang="ko-KR" sz="1800" dirty="0" smtClean="0"/>
+              <a:rPr lang="en-US" altLang="ko-KR" sz="1800" dirty="0"/>
               <a:t>3.</a:t>
             </a:r>
             <a:r>
-              <a:rPr lang="ko-KR" altLang="en-US" sz="1800" dirty="0" smtClean="0"/>
+              <a:rPr lang="ko-KR" altLang="en-US" sz="1800" dirty="0"/>
               <a:t>이해하기 </a:t>
             </a:r>
             <a:r>
-              <a:rPr lang="en-US" altLang="ko-KR" sz="1800" dirty="0" smtClean="0"/>
+              <a:rPr lang="en-US" altLang="ko-KR" sz="1800" dirty="0"/>
               <a:t>/ 4. </a:t>
             </a:r>
             <a:r>
-              <a:rPr lang="ko-KR" altLang="en-US" sz="1800" dirty="0" smtClean="0"/>
+              <a:rPr lang="ko-KR" altLang="en-US" sz="1800" dirty="0"/>
               <a:t>실습하기 </a:t>
             </a:r>
             <a:endParaRPr lang="en-US" altLang="ko-KR" dirty="0"/>
@@ -32392,23 +32139,23 @@
               </a:spcBef>
             </a:pPr>
             <a:r>
-              <a:rPr lang="ko-KR" altLang="en-US" dirty="0" smtClean="0"/>
+              <a:rPr lang="ko-KR" altLang="en-US" dirty="0"/>
               <a:t>㈜</a:t>
             </a:r>
             <a:r>
-              <a:rPr lang="ko-KR" altLang="en-US" dirty="0" err="1" smtClean="0"/>
+              <a:rPr lang="ko-KR" altLang="en-US" dirty="0" err="1"/>
               <a:t>트와이스</a:t>
             </a:r>
             <a:r>
-              <a:rPr lang="ko-KR" altLang="en-US" dirty="0" smtClean="0"/>
+              <a:rPr lang="ko-KR" altLang="en-US" dirty="0"/>
               <a:t> 재고 현황</a:t>
             </a:r>
             <a:r>
-              <a:rPr lang="en-US" altLang="ko-KR" dirty="0" smtClean="0"/>
+              <a:rPr lang="en-US" altLang="ko-KR" dirty="0"/>
               <a:t>-</a:t>
             </a:r>
             <a:r>
-              <a:rPr lang="ko-KR" altLang="en-US" dirty="0" smtClean="0"/>
+              <a:rPr lang="ko-KR" altLang="en-US" dirty="0"/>
               <a:t>전체현황</a:t>
             </a:r>
             <a:endParaRPr lang="en-US" altLang="ko-KR" dirty="0"/>
@@ -32484,10 +32231,9 @@
                     <a:p>
                       <a:pPr latinLnBrk="1"/>
                       <a:r>
-                        <a:rPr lang="ko-KR" altLang="en-US" sz="1000" dirty="0" smtClean="0"/>
+                        <a:rPr lang="ko-KR" altLang="en-US" sz="1000" dirty="0"/>
                         <a:t>상품번호</a:t>
                       </a:r>
-                      <a:endParaRPr lang="ko-KR" altLang="en-US" sz="1000" dirty="0"/>
                     </a:p>
                   </a:txBody>
                   <a:tcPr/>
@@ -32499,10 +32245,9 @@
                     <a:p>
                       <a:pPr latinLnBrk="1"/>
                       <a:r>
-                        <a:rPr lang="ko-KR" altLang="en-US" sz="1000" dirty="0" smtClean="0"/>
+                        <a:rPr lang="ko-KR" altLang="en-US" sz="1000" dirty="0"/>
                         <a:t>상품명</a:t>
                       </a:r>
-                      <a:endParaRPr lang="ko-KR" altLang="en-US" sz="1000" dirty="0"/>
                     </a:p>
                   </a:txBody>
                   <a:tcPr/>
@@ -32514,11 +32259,11 @@
                     <a:p>
                       <a:pPr latinLnBrk="1"/>
                       <a:r>
-                        <a:rPr lang="ko-KR" altLang="en-US" sz="1000" dirty="0" smtClean="0"/>
+                        <a:rPr lang="ko-KR" altLang="en-US" sz="1000" dirty="0"/>
                         <a:t>현재 </a:t>
                       </a:r>
                       <a:r>
-                        <a:rPr lang="ko-KR" altLang="en-US" sz="1000" dirty="0" err="1" smtClean="0"/>
+                        <a:rPr lang="ko-KR" altLang="en-US" sz="1000" dirty="0" err="1"/>
                         <a:t>재고수</a:t>
                       </a:r>
                       <a:endParaRPr lang="ko-KR" altLang="en-US" sz="1000" dirty="0"/>
@@ -32533,10 +32278,9 @@
                     <a:p>
                       <a:pPr latinLnBrk="1"/>
                       <a:r>
-                        <a:rPr lang="ko-KR" altLang="en-US" sz="1000" dirty="0" smtClean="0"/>
+                        <a:rPr lang="ko-KR" altLang="en-US" sz="1000" dirty="0"/>
                         <a:t>재고파악일</a:t>
                       </a:r>
-                      <a:endParaRPr lang="ko-KR" altLang="en-US" sz="1000" dirty="0"/>
                     </a:p>
                   </a:txBody>
                   <a:tcPr/>
@@ -32548,10 +32292,9 @@
                     <a:p>
                       <a:pPr latinLnBrk="1"/>
                       <a:r>
-                        <a:rPr lang="ko-KR" altLang="en-US" sz="1000" dirty="0" smtClean="0"/>
+                        <a:rPr lang="ko-KR" altLang="en-US" sz="1000" dirty="0"/>
                         <a:t>상품등록일</a:t>
                       </a:r>
-                      <a:endParaRPr lang="ko-KR" altLang="en-US" sz="1000" dirty="0"/>
                     </a:p>
                   </a:txBody>
                   <a:tcPr/>
@@ -32570,7 +32313,7 @@
                     <a:p>
                       <a:pPr latinLnBrk="1"/>
                       <a:r>
-                        <a:rPr lang="en-US" altLang="ko-KR" sz="1000" dirty="0" smtClean="0"/>
+                        <a:rPr lang="en-US" altLang="ko-KR" sz="1000" dirty="0"/>
                         <a:t>122122</a:t>
                       </a:r>
                       <a:endParaRPr lang="ko-KR" altLang="en-US" sz="1000" dirty="0"/>
@@ -32585,10 +32328,9 @@
                     <a:p>
                       <a:pPr latinLnBrk="1"/>
                       <a:r>
-                        <a:rPr lang="ko-KR" altLang="en-US" sz="1000" dirty="0" smtClean="0"/>
+                        <a:rPr lang="ko-KR" altLang="en-US" sz="1000" dirty="0"/>
                         <a:t>바나나</a:t>
                       </a:r>
-                      <a:endParaRPr lang="ko-KR" altLang="en-US" sz="1000" dirty="0"/>
                     </a:p>
                   </a:txBody>
                   <a:tcPr/>
@@ -32600,7 +32342,7 @@
                     <a:p>
                       <a:pPr latinLnBrk="1"/>
                       <a:r>
-                        <a:rPr lang="en-US" altLang="ko-KR" sz="1000" dirty="0" smtClean="0"/>
+                        <a:rPr lang="en-US" altLang="ko-KR" sz="1000" dirty="0"/>
                         <a:t>10</a:t>
                       </a:r>
                       <a:endParaRPr lang="ko-KR" altLang="en-US" sz="1000" dirty="0"/>
@@ -32615,7 +32357,7 @@
                     <a:p>
                       <a:pPr latinLnBrk="1"/>
                       <a:r>
-                        <a:rPr lang="en-US" altLang="ko-KR" sz="1000" dirty="0" smtClean="0"/>
+                        <a:rPr lang="en-US" altLang="ko-KR" sz="1000" dirty="0"/>
                         <a:t>2017-06-10</a:t>
                       </a:r>
                       <a:endParaRPr lang="ko-KR" altLang="en-US" sz="1000" dirty="0"/>
@@ -32630,7 +32372,7 @@
                     <a:p>
                       <a:pPr latinLnBrk="1"/>
                       <a:r>
-                        <a:rPr lang="en-US" altLang="ko-KR" sz="1000" dirty="0" smtClean="0"/>
+                        <a:rPr lang="en-US" altLang="ko-KR" sz="1000" dirty="0"/>
                         <a:t>2017-01-01</a:t>
                       </a:r>
                       <a:endParaRPr lang="ko-KR" altLang="en-US" sz="1000" dirty="0"/>
@@ -32652,7 +32394,7 @@
                     <a:p>
                       <a:pPr latinLnBrk="1"/>
                       <a:r>
-                        <a:rPr lang="en-US" altLang="ko-KR" sz="1000" dirty="0" smtClean="0"/>
+                        <a:rPr lang="en-US" altLang="ko-KR" sz="1000" dirty="0"/>
                         <a:t>122123</a:t>
                       </a:r>
                       <a:endParaRPr lang="ko-KR" altLang="en-US" sz="1000" dirty="0"/>
@@ -32667,7 +32409,7 @@
                     <a:p>
                       <a:pPr latinLnBrk="1"/>
                       <a:r>
-                        <a:rPr lang="ko-KR" altLang="en-US" sz="1000" dirty="0" err="1" smtClean="0"/>
+                        <a:rPr lang="ko-KR" altLang="en-US" sz="1000" dirty="0" err="1"/>
                         <a:t>따알기</a:t>
                       </a:r>
                       <a:endParaRPr lang="ko-KR" altLang="en-US" sz="1000" dirty="0"/>
@@ -32682,7 +32424,7 @@
                     <a:p>
                       <a:pPr latinLnBrk="1"/>
                       <a:r>
-                        <a:rPr lang="en-US" altLang="ko-KR" sz="1000" dirty="0" smtClean="0"/>
+                        <a:rPr lang="en-US" altLang="ko-KR" sz="1000" dirty="0"/>
                         <a:t>10</a:t>
                       </a:r>
                       <a:endParaRPr lang="ko-KR" altLang="en-US" sz="1000" dirty="0"/>
@@ -32697,7 +32439,7 @@
                     <a:p>
                       <a:pPr latinLnBrk="1"/>
                       <a:r>
-                        <a:rPr lang="en-US" altLang="ko-KR" sz="1000" dirty="0" smtClean="0"/>
+                        <a:rPr lang="en-US" altLang="ko-KR" sz="1000" dirty="0"/>
                         <a:t>2017-06-10</a:t>
                       </a:r>
                       <a:endParaRPr lang="ko-KR" altLang="en-US" sz="1000" dirty="0"/>
@@ -32712,7 +32454,7 @@
                     <a:p>
                       <a:pPr latinLnBrk="1"/>
                       <a:r>
-                        <a:rPr lang="en-US" altLang="ko-KR" sz="1000" dirty="0" smtClean="0"/>
+                        <a:rPr lang="en-US" altLang="ko-KR" sz="1000" dirty="0"/>
                         <a:t>2017-01-01</a:t>
                       </a:r>
                       <a:endParaRPr lang="ko-KR" altLang="en-US" sz="1000" dirty="0"/>
@@ -32734,7 +32476,7 @@
                     <a:p>
                       <a:pPr latinLnBrk="1"/>
                       <a:r>
-                        <a:rPr lang="en-US" altLang="ko-KR" sz="1000" dirty="0" smtClean="0"/>
+                        <a:rPr lang="en-US" altLang="ko-KR" sz="1000" dirty="0"/>
                         <a:t>122124</a:t>
                       </a:r>
                       <a:endParaRPr lang="ko-KR" altLang="en-US" sz="1000" dirty="0"/>
@@ -32749,7 +32491,7 @@
                     <a:p>
                       <a:pPr latinLnBrk="1"/>
                       <a:r>
-                        <a:rPr lang="ko-KR" altLang="en-US" sz="1000" dirty="0" err="1" smtClean="0"/>
+                        <a:rPr lang="ko-KR" altLang="en-US" sz="1000" dirty="0" err="1"/>
                         <a:t>사아과</a:t>
                       </a:r>
                       <a:endParaRPr lang="ko-KR" altLang="en-US" sz="1000" dirty="0"/>
@@ -32764,7 +32506,7 @@
                     <a:p>
                       <a:pPr latinLnBrk="1"/>
                       <a:r>
-                        <a:rPr lang="en-US" altLang="ko-KR" sz="1000" dirty="0" smtClean="0"/>
+                        <a:rPr lang="en-US" altLang="ko-KR" sz="1000" dirty="0"/>
                         <a:t>12</a:t>
                       </a:r>
                       <a:endParaRPr lang="ko-KR" altLang="en-US" sz="1000" dirty="0"/>
@@ -32779,7 +32521,7 @@
                     <a:p>
                       <a:pPr latinLnBrk="1"/>
                       <a:r>
-                        <a:rPr lang="en-US" altLang="ko-KR" sz="1000" dirty="0" smtClean="0"/>
+                        <a:rPr lang="en-US" altLang="ko-KR" sz="1000" dirty="0"/>
                         <a:t>2017-06-10</a:t>
                       </a:r>
                       <a:endParaRPr lang="ko-KR" altLang="en-US" sz="1000" dirty="0"/>
@@ -32794,7 +32536,7 @@
                     <a:p>
                       <a:pPr latinLnBrk="1"/>
                       <a:r>
-                        <a:rPr lang="en-US" altLang="ko-KR" sz="1000" dirty="0" smtClean="0"/>
+                        <a:rPr lang="en-US" altLang="ko-KR" sz="1000" dirty="0"/>
                         <a:t>2017-01-01</a:t>
                       </a:r>
                       <a:endParaRPr lang="ko-KR" altLang="en-US" sz="1000" dirty="0"/>
@@ -32816,7 +32558,7 @@
                     <a:p>
                       <a:pPr latinLnBrk="1"/>
                       <a:r>
-                        <a:rPr lang="en-US" altLang="ko-KR" sz="1000" dirty="0" smtClean="0"/>
+                        <a:rPr lang="en-US" altLang="ko-KR" sz="1000" dirty="0"/>
                         <a:t>122125</a:t>
                       </a:r>
                       <a:endParaRPr lang="ko-KR" altLang="en-US" sz="1000" dirty="0"/>
@@ -32831,7 +32573,7 @@
                     <a:p>
                       <a:pPr latinLnBrk="1"/>
                       <a:r>
-                        <a:rPr lang="ko-KR" altLang="en-US" sz="1000" dirty="0" err="1" smtClean="0"/>
+                        <a:rPr lang="ko-KR" altLang="en-US" sz="1000" dirty="0" err="1"/>
                         <a:t>배애애</a:t>
                       </a:r>
                       <a:endParaRPr lang="ko-KR" altLang="en-US" sz="1000" dirty="0"/>
@@ -32846,7 +32588,7 @@
                     <a:p>
                       <a:pPr latinLnBrk="1"/>
                       <a:r>
-                        <a:rPr lang="en-US" altLang="ko-KR" sz="1000" dirty="0" smtClean="0"/>
+                        <a:rPr lang="en-US" altLang="ko-KR" sz="1000" dirty="0"/>
                         <a:t>14</a:t>
                       </a:r>
                       <a:endParaRPr lang="ko-KR" altLang="en-US" sz="1000" dirty="0"/>
@@ -32861,7 +32603,7 @@
                     <a:p>
                       <a:pPr latinLnBrk="1"/>
                       <a:r>
-                        <a:rPr lang="en-US" altLang="ko-KR" sz="1000" dirty="0" smtClean="0"/>
+                        <a:rPr lang="en-US" altLang="ko-KR" sz="1000" dirty="0"/>
                         <a:t>2017-06-10</a:t>
                       </a:r>
                       <a:endParaRPr lang="ko-KR" altLang="en-US" sz="1000" dirty="0"/>
@@ -32876,7 +32618,7 @@
                     <a:p>
                       <a:pPr latinLnBrk="1"/>
                       <a:r>
-                        <a:rPr lang="en-US" altLang="ko-KR" sz="1000" dirty="0" smtClean="0"/>
+                        <a:rPr lang="en-US" altLang="ko-KR" sz="1000" dirty="0"/>
                         <a:t>2017-01-01</a:t>
                       </a:r>
                       <a:endParaRPr lang="ko-KR" altLang="en-US" sz="1000" dirty="0"/>
@@ -32898,7 +32640,7 @@
                     <a:p>
                       <a:pPr latinLnBrk="1"/>
                       <a:r>
-                        <a:rPr lang="en-US" altLang="ko-KR" sz="1000" dirty="0" smtClean="0"/>
+                        <a:rPr lang="en-US" altLang="ko-KR" sz="1000" dirty="0"/>
                         <a:t>122125</a:t>
                       </a:r>
                       <a:endParaRPr lang="ko-KR" altLang="en-US" sz="1000" dirty="0"/>
@@ -32913,7 +32655,7 @@
                     <a:p>
                       <a:pPr latinLnBrk="1"/>
                       <a:r>
-                        <a:rPr lang="ko-KR" altLang="en-US" sz="1000" dirty="0" err="1" smtClean="0"/>
+                        <a:rPr lang="ko-KR" altLang="en-US" sz="1000" dirty="0" err="1"/>
                         <a:t>참외애</a:t>
                       </a:r>
                       <a:endParaRPr lang="ko-KR" altLang="en-US" sz="1000" dirty="0"/>
@@ -32928,7 +32670,7 @@
                     <a:p>
                       <a:pPr latinLnBrk="1"/>
                       <a:r>
-                        <a:rPr lang="en-US" altLang="ko-KR" sz="1000" dirty="0" smtClean="0"/>
+                        <a:rPr lang="en-US" altLang="ko-KR" sz="1000" dirty="0"/>
                         <a:t>15</a:t>
                       </a:r>
                       <a:endParaRPr lang="ko-KR" altLang="en-US" sz="1000" dirty="0"/>
@@ -32943,7 +32685,7 @@
                     <a:p>
                       <a:pPr latinLnBrk="1"/>
                       <a:r>
-                        <a:rPr lang="en-US" altLang="ko-KR" sz="1000" dirty="0" smtClean="0"/>
+                        <a:rPr lang="en-US" altLang="ko-KR" sz="1000" dirty="0"/>
                         <a:t>2017-06-10</a:t>
                       </a:r>
                       <a:endParaRPr lang="ko-KR" altLang="en-US" sz="1000" dirty="0"/>
@@ -32958,7 +32700,7 @@
                     <a:p>
                       <a:pPr latinLnBrk="1"/>
                       <a:r>
-                        <a:rPr lang="en-US" altLang="ko-KR" sz="1000" dirty="0" smtClean="0"/>
+                        <a:rPr lang="en-US" altLang="ko-KR" sz="1000" dirty="0"/>
                         <a:t>2017-01-01</a:t>
                       </a:r>
                       <a:endParaRPr lang="ko-KR" altLang="en-US" sz="1000" dirty="0"/>
@@ -33138,15 +32880,15 @@
           </a:lstStyle>
           <a:p>
             <a:r>
-              <a:rPr lang="en-US" altLang="ko-KR" dirty="0" smtClean="0"/>
+              <a:rPr lang="en-US" altLang="ko-KR" dirty="0"/>
               <a:t>&lt;&lt; 1 2 3 4 5 </a:t>
             </a:r>
             <a:r>
-              <a:rPr lang="en-US" altLang="ko-KR" u="sng" dirty="0" smtClean="0"/>
+              <a:rPr lang="en-US" altLang="ko-KR" u="sng" dirty="0"/>
               <a:t>6</a:t>
             </a:r>
             <a:r>
-              <a:rPr lang="en-US" altLang="ko-KR" dirty="0" smtClean="0"/>
+              <a:rPr lang="en-US" altLang="ko-KR" dirty="0"/>
               <a:t> 7 8 9 10 &gt;&gt;</a:t>
             </a:r>
             <a:endParaRPr lang="ko-KR" altLang="en-US" dirty="0"/>
@@ -33176,49 +32918,48 @@
           <a:lstStyle/>
           <a:p>
             <a:r>
-              <a:rPr lang="en-US" altLang="ko-KR" dirty="0" smtClean="0"/>
+              <a:rPr lang="en-US" altLang="ko-KR" dirty="0"/>
               <a:t>* </a:t>
             </a:r>
             <a:r>
-              <a:rPr lang="ko-KR" altLang="en-US" dirty="0" smtClean="0"/>
+              <a:rPr lang="ko-KR" altLang="en-US" dirty="0"/>
               <a:t>재고현황은 한 페이지에 </a:t>
             </a:r>
             <a:r>
-              <a:rPr lang="en-US" altLang="ko-KR" dirty="0" smtClean="0"/>
+              <a:rPr lang="en-US" altLang="ko-KR" dirty="0"/>
               <a:t>20</a:t>
             </a:r>
             <a:r>
-              <a:rPr lang="ko-KR" altLang="en-US" dirty="0" smtClean="0"/>
+              <a:rPr lang="ko-KR" altLang="en-US" dirty="0"/>
               <a:t>개씩 출력</a:t>
             </a:r>
-            <a:endParaRPr lang="en-US" altLang="ko-KR" dirty="0" smtClean="0"/>
-          </a:p>
-          <a:p>
-            <a:r>
-              <a:rPr lang="en-US" altLang="ko-KR" dirty="0" smtClean="0"/>
+            <a:endParaRPr lang="en-US" altLang="ko-KR" dirty="0"/>
+          </a:p>
+          <a:p>
+            <a:r>
+              <a:rPr lang="en-US" altLang="ko-KR" dirty="0"/>
               <a:t>* </a:t>
             </a:r>
             <a:r>
-              <a:rPr lang="ko-KR" altLang="en-US" dirty="0" smtClean="0"/>
+              <a:rPr lang="ko-KR" altLang="en-US" dirty="0"/>
               <a:t>상품번호</a:t>
             </a:r>
             <a:r>
-              <a:rPr lang="en-US" altLang="ko-KR" dirty="0" smtClean="0"/>
+              <a:rPr lang="en-US" altLang="ko-KR" dirty="0"/>
               <a:t>.</a:t>
             </a:r>
             <a:r>
-              <a:rPr lang="ko-KR" altLang="en-US" dirty="0" smtClean="0"/>
+              <a:rPr lang="ko-KR" altLang="en-US" dirty="0"/>
               <a:t>상품명 </a:t>
             </a:r>
             <a:r>
-              <a:rPr lang="ko-KR" altLang="en-US" dirty="0" err="1" smtClean="0"/>
+              <a:rPr lang="ko-KR" altLang="en-US" dirty="0" err="1"/>
               <a:t>클릭시</a:t>
             </a:r>
             <a:r>
-              <a:rPr lang="ko-KR" altLang="en-US" dirty="0" smtClean="0"/>
+              <a:rPr lang="ko-KR" altLang="en-US" dirty="0"/>
               <a:t> 한 품목 상세화면으로</a:t>
             </a:r>
-            <a:endParaRPr lang="ko-KR" altLang="en-US" dirty="0"/>
           </a:p>
         </p:txBody>
       </p:sp>
@@ -33245,18 +32986,13 @@
           <a:lstStyle/>
           <a:p>
             <a:r>
-              <a:rPr lang="ko-KR" altLang="en-US" dirty="0" smtClean="0">
+              <a:rPr lang="ko-KR" altLang="en-US" dirty="0">
                 <a:solidFill>
                   <a:srgbClr val="FF0000"/>
                 </a:solidFill>
               </a:rPr>
               <a:t>계속</a:t>
             </a:r>
-            <a:endParaRPr lang="ko-KR" altLang="en-US" dirty="0">
-              <a:solidFill>
-                <a:srgbClr val="FF0000"/>
-              </a:solidFill>
-            </a:endParaRPr>
           </a:p>
         </p:txBody>
       </p:sp>
@@ -33323,7 +33059,7 @@
               <a:tabLst/>
             </a:pPr>
             <a:r>
-              <a:rPr kumimoji="0" lang="ko-KR" altLang="en-US" sz="1000" i="0" u="none" strike="noStrike" cap="none" normalizeH="0" baseline="0" dirty="0" smtClean="0">
+              <a:rPr kumimoji="0" lang="ko-KR" altLang="en-US" sz="1000" i="0" u="none" strike="noStrike" cap="none" normalizeH="0" baseline="0" dirty="0">
                 <a:ln>
                   <a:noFill/>
                 </a:ln>
@@ -33355,13 +33091,6 @@
   <p:clrMapOvr>
     <a:masterClrMapping/>
   </p:clrMapOvr>
-  <p:timing>
-    <p:tnLst>
-      <p:par>
-        <p:cTn id="1" dur="indefinite" restart="never" nodeType="tmRoot"/>
-      </p:par>
-    </p:tnLst>
-  </p:timing>
 </p:sld>
 </file>
 
@@ -33537,22 +33266,22 @@
               <a:buChar char="ü"/>
             </a:pPr>
             <a:r>
-              <a:rPr lang="en-US" altLang="ko-KR" sz="1600" dirty="0" smtClean="0"/>
+              <a:rPr lang="en-US" altLang="ko-KR" sz="1600" dirty="0"/>
               <a:t>(</a:t>
             </a:r>
             <a:r>
-              <a:rPr lang="ko-KR" altLang="en-US" sz="1600" dirty="0" smtClean="0"/>
+              <a:rPr lang="ko-KR" altLang="en-US" sz="1600" dirty="0"/>
               <a:t>유통판매</a:t>
             </a:r>
             <a:r>
-              <a:rPr lang="en-US" altLang="ko-KR" sz="1600" dirty="0" smtClean="0"/>
+              <a:rPr lang="en-US" altLang="ko-KR" sz="1600" dirty="0"/>
               <a:t>)</a:t>
             </a:r>
             <a:r>
-              <a:rPr lang="ko-KR" altLang="en-US" sz="1600" dirty="0" smtClean="0"/>
+              <a:rPr lang="ko-KR" altLang="en-US" sz="1600" dirty="0"/>
               <a:t>재고현황구현</a:t>
             </a:r>
-            <a:endParaRPr lang="en-US" altLang="ko-KR" sz="1600" dirty="0" smtClean="0"/>
+            <a:endParaRPr lang="en-US" altLang="ko-KR" sz="1600" dirty="0"/>
           </a:p>
           <a:p>
             <a:pPr marL="285750" indent="-285750">
@@ -33573,11 +33302,11 @@
               <a:buChar char="§"/>
             </a:pPr>
             <a:r>
-              <a:rPr lang="ko-KR" altLang="en-US" sz="1050" dirty="0" smtClean="0"/>
+              <a:rPr lang="ko-KR" altLang="en-US" sz="1050" dirty="0"/>
               <a:t>재고현황시스템구현</a:t>
             </a:r>
             <a:r>
-              <a:rPr lang="en-US" altLang="ko-KR" sz="1050" dirty="0" smtClean="0"/>
+              <a:rPr lang="en-US" altLang="ko-KR" sz="1050" dirty="0"/>
               <a:t>(</a:t>
             </a:r>
             <a:r>
@@ -33585,7 +33314,7 @@
               <a:t>★ ★ </a:t>
             </a:r>
             <a:r>
-              <a:rPr lang="en-US" altLang="ko-KR" sz="1050" dirty="0" smtClean="0"/>
+              <a:rPr lang="en-US" altLang="ko-KR" sz="1050" dirty="0"/>
               <a:t>)</a:t>
             </a:r>
           </a:p>
@@ -33608,10 +33337,10 @@
               <a:buChar char="§"/>
             </a:pPr>
             <a:r>
-              <a:rPr lang="ko-KR" altLang="en-US" sz="1050" dirty="0" smtClean="0"/>
+              <a:rPr lang="ko-KR" altLang="en-US" sz="1050" dirty="0"/>
               <a:t>재고현황총괄</a:t>
             </a:r>
-            <a:endParaRPr lang="en-US" altLang="ko-KR" sz="1050" dirty="0" smtClean="0"/>
+            <a:endParaRPr lang="en-US" altLang="ko-KR" sz="1050" dirty="0"/>
           </a:p>
           <a:p>
             <a:pPr marL="171450" indent="-171450">
@@ -33622,10 +33351,10 @@
               <a:buChar char="§"/>
             </a:pPr>
             <a:r>
-              <a:rPr lang="ko-KR" altLang="en-US" sz="1050" dirty="0" smtClean="0"/>
+              <a:rPr lang="ko-KR" altLang="en-US" sz="1050" dirty="0"/>
               <a:t>신규상품등록</a:t>
             </a:r>
-            <a:endParaRPr lang="en-US" altLang="ko-KR" sz="1050" dirty="0" smtClean="0"/>
+            <a:endParaRPr lang="en-US" altLang="ko-KR" sz="1050" dirty="0"/>
           </a:p>
           <a:p>
             <a:pPr marL="171450" indent="-171450">
@@ -33636,10 +33365,10 @@
               <a:buChar char="§"/>
             </a:pPr>
             <a:r>
-              <a:rPr lang="ko-KR" altLang="en-US" sz="1050" dirty="0" smtClean="0"/>
+              <a:rPr lang="ko-KR" altLang="en-US" sz="1050" dirty="0"/>
               <a:t>상품삭제</a:t>
             </a:r>
-            <a:endParaRPr lang="en-US" altLang="ko-KR" sz="1050" dirty="0" smtClean="0"/>
+            <a:endParaRPr lang="en-US" altLang="ko-KR" sz="1050" dirty="0"/>
           </a:p>
           <a:p>
             <a:pPr marL="171450" indent="-171450">
@@ -33650,7 +33379,7 @@
               <a:buChar char="§"/>
             </a:pPr>
             <a:r>
-              <a:rPr lang="ko-KR" altLang="en-US" sz="1050" dirty="0" smtClean="0"/>
+              <a:rPr lang="ko-KR" altLang="en-US" sz="1050" dirty="0"/>
               <a:t>재고파악수정</a:t>
             </a:r>
             <a:endParaRPr lang="en-US" altLang="ko-KR" sz="1050" dirty="0"/>
@@ -33691,19 +33420,19 @@
               </a:spcBef>
             </a:pPr>
             <a:r>
-              <a:rPr lang="en-US" altLang="ko-KR" sz="1800" dirty="0" smtClean="0"/>
+              <a:rPr lang="en-US" altLang="ko-KR" sz="1800" dirty="0"/>
               <a:t>3.</a:t>
             </a:r>
             <a:r>
-              <a:rPr lang="ko-KR" altLang="en-US" sz="1800" dirty="0" smtClean="0"/>
+              <a:rPr lang="ko-KR" altLang="en-US" sz="1800" dirty="0"/>
               <a:t>이해하기 </a:t>
             </a:r>
             <a:r>
-              <a:rPr lang="en-US" altLang="ko-KR" sz="1800" dirty="0" smtClean="0"/>
+              <a:rPr lang="en-US" altLang="ko-KR" sz="1800" dirty="0"/>
               <a:t>/ 4. </a:t>
             </a:r>
             <a:r>
-              <a:rPr lang="ko-KR" altLang="en-US" sz="1800" dirty="0" smtClean="0"/>
+              <a:rPr lang="ko-KR" altLang="en-US" sz="1800" dirty="0"/>
               <a:t>실습하기 </a:t>
             </a:r>
             <a:endParaRPr lang="en-US" altLang="ko-KR" dirty="0"/>
@@ -33800,24 +33529,24 @@
           <a:lstStyle/>
           <a:p>
             <a:r>
-              <a:rPr lang="ko-KR" altLang="en-US" dirty="0" smtClean="0"/>
+              <a:rPr lang="ko-KR" altLang="en-US" dirty="0"/>
               <a:t>품목상세화면은 다음과 같은 항목출력</a:t>
             </a:r>
-            <a:endParaRPr lang="en-US" altLang="ko-KR" dirty="0" smtClean="0"/>
-          </a:p>
-          <a:p>
-            <a:r>
-              <a:rPr lang="ko-KR" altLang="en-US" dirty="0" smtClean="0"/>
+            <a:endParaRPr lang="en-US" altLang="ko-KR" dirty="0"/>
+          </a:p>
+          <a:p>
+            <a:r>
+              <a:rPr lang="ko-KR" altLang="en-US" dirty="0"/>
               <a:t>해당상품을 삭제할 수 있는 버튼 </a:t>
             </a:r>
-            <a:endParaRPr lang="en-US" altLang="ko-KR" dirty="0" smtClean="0"/>
-          </a:p>
-          <a:p>
-            <a:r>
-              <a:rPr lang="ko-KR" altLang="en-US" dirty="0" smtClean="0"/>
+            <a:endParaRPr lang="en-US" altLang="ko-KR" dirty="0"/>
+          </a:p>
+          <a:p>
+            <a:r>
+              <a:rPr lang="ko-KR" altLang="en-US" dirty="0"/>
               <a:t>해당상품을 수정은 불가</a:t>
             </a:r>
-            <a:endParaRPr lang="en-US" altLang="ko-KR" dirty="0" smtClean="0"/>
+            <a:endParaRPr lang="en-US" altLang="ko-KR" dirty="0"/>
           </a:p>
         </p:txBody>
       </p:sp>
@@ -33844,18 +33573,13 @@
           <a:lstStyle/>
           <a:p>
             <a:r>
-              <a:rPr lang="ko-KR" altLang="en-US" dirty="0" smtClean="0">
+              <a:rPr lang="ko-KR" altLang="en-US" dirty="0">
                 <a:solidFill>
                   <a:srgbClr val="FF0000"/>
                 </a:solidFill>
               </a:rPr>
               <a:t>계속</a:t>
             </a:r>
-            <a:endParaRPr lang="ko-KR" altLang="en-US" dirty="0">
-              <a:solidFill>
-                <a:srgbClr val="FF0000"/>
-              </a:solidFill>
-            </a:endParaRPr>
           </a:p>
         </p:txBody>
       </p:sp>
@@ -33907,11 +33631,11 @@
                     <a:p>
                       <a:pPr latinLnBrk="1"/>
                       <a:r>
-                        <a:rPr lang="ko-KR" altLang="en-US" sz="1000" dirty="0" smtClean="0"/>
+                        <a:rPr lang="ko-KR" altLang="en-US" sz="1000" dirty="0"/>
                         <a:t>상품</a:t>
                       </a:r>
                       <a:r>
-                        <a:rPr lang="ko-KR" altLang="en-US" sz="1000" baseline="0" dirty="0" smtClean="0"/>
+                        <a:rPr lang="ko-KR" altLang="en-US" sz="1000" baseline="0" dirty="0"/>
                         <a:t> 번호</a:t>
                       </a:r>
                       <a:endParaRPr lang="ko-KR" altLang="en-US" sz="1000" dirty="0"/>
@@ -33926,7 +33650,7 @@
                     <a:p>
                       <a:pPr latinLnBrk="1"/>
                       <a:r>
-                        <a:rPr lang="en-US" altLang="ko-KR" sz="1000" dirty="0" smtClean="0"/>
+                        <a:rPr lang="en-US" altLang="ko-KR" sz="1000" dirty="0"/>
                         <a:t>122122</a:t>
                       </a:r>
                       <a:endParaRPr lang="ko-KR" altLang="en-US" sz="1000" dirty="0"/>
@@ -33948,10 +33672,9 @@
                     <a:p>
                       <a:pPr latinLnBrk="1"/>
                       <a:r>
-                        <a:rPr lang="ko-KR" altLang="en-US" sz="1000" dirty="0" smtClean="0"/>
+                        <a:rPr lang="ko-KR" altLang="en-US" sz="1000" dirty="0"/>
                         <a:t>상품명</a:t>
                       </a:r>
-                      <a:endParaRPr lang="ko-KR" altLang="en-US" sz="1000" dirty="0"/>
                     </a:p>
                   </a:txBody>
                   <a:tcPr/>
@@ -33963,10 +33686,9 @@
                     <a:p>
                       <a:pPr latinLnBrk="1"/>
                       <a:r>
-                        <a:rPr lang="ko-KR" altLang="en-US" sz="1000" dirty="0" smtClean="0"/>
+                        <a:rPr lang="ko-KR" altLang="en-US" sz="1000" dirty="0"/>
                         <a:t>바나나</a:t>
                       </a:r>
-                      <a:endParaRPr lang="ko-KR" altLang="en-US" sz="1000" dirty="0"/>
                     </a:p>
                   </a:txBody>
                   <a:tcPr/>
@@ -33985,10 +33707,9 @@
                     <a:p>
                       <a:pPr latinLnBrk="1"/>
                       <a:r>
-                        <a:rPr lang="ko-KR" altLang="en-US" sz="1000" dirty="0" smtClean="0"/>
+                        <a:rPr lang="ko-KR" altLang="en-US" sz="1000" dirty="0"/>
                         <a:t>재고 현황</a:t>
                       </a:r>
-                      <a:endParaRPr lang="ko-KR" altLang="en-US" sz="1000" dirty="0"/>
                     </a:p>
                   </a:txBody>
                   <a:tcPr/>
@@ -34000,7 +33721,7 @@
                     <a:p>
                       <a:pPr latinLnBrk="1"/>
                       <a:r>
-                        <a:rPr lang="en-US" altLang="ko-KR" sz="1000" dirty="0" smtClean="0"/>
+                        <a:rPr lang="en-US" altLang="ko-KR" sz="1000" dirty="0"/>
                         <a:t>10</a:t>
                       </a:r>
                       <a:endParaRPr lang="ko-KR" altLang="en-US" sz="1000" dirty="0"/>
@@ -34022,10 +33743,9 @@
                     <a:p>
                       <a:pPr latinLnBrk="1"/>
                       <a:r>
-                        <a:rPr lang="ko-KR" altLang="en-US" sz="1000" dirty="0" smtClean="0"/>
+                        <a:rPr lang="ko-KR" altLang="en-US" sz="1000" dirty="0"/>
                         <a:t>상품등록일</a:t>
                       </a:r>
-                      <a:endParaRPr lang="ko-KR" altLang="en-US" sz="1000" dirty="0"/>
                     </a:p>
                   </a:txBody>
                   <a:tcPr/>
@@ -34037,7 +33757,7 @@
                     <a:p>
                       <a:pPr latinLnBrk="1"/>
                       <a:r>
-                        <a:rPr lang="en-US" altLang="ko-KR" sz="1000" dirty="0" smtClean="0"/>
+                        <a:rPr lang="en-US" altLang="ko-KR" sz="1000" dirty="0"/>
                         <a:t>2017-06-10</a:t>
                       </a:r>
                       <a:endParaRPr lang="ko-KR" altLang="en-US" sz="1000" dirty="0"/>
@@ -34059,10 +33779,9 @@
                     <a:p>
                       <a:pPr latinLnBrk="1"/>
                       <a:r>
-                        <a:rPr lang="ko-KR" altLang="en-US" sz="1000" dirty="0" smtClean="0"/>
+                        <a:rPr lang="ko-KR" altLang="en-US" sz="1000" dirty="0"/>
                         <a:t>재고등록일</a:t>
                       </a:r>
-                      <a:endParaRPr lang="ko-KR" altLang="en-US" sz="1000" dirty="0"/>
                     </a:p>
                   </a:txBody>
                   <a:tcPr/>
@@ -34074,7 +33793,7 @@
                     <a:p>
                       <a:pPr latinLnBrk="1"/>
                       <a:r>
-                        <a:rPr lang="en-US" altLang="ko-KR" sz="1000" dirty="0" smtClean="0"/>
+                        <a:rPr lang="en-US" altLang="ko-KR" sz="1000" dirty="0"/>
                         <a:t>2017-06-10</a:t>
                       </a:r>
                       <a:endParaRPr lang="ko-KR" altLang="en-US" sz="1000" dirty="0"/>
@@ -34096,10 +33815,9 @@
                     <a:p>
                       <a:pPr latinLnBrk="1"/>
                       <a:r>
-                        <a:rPr lang="ko-KR" altLang="en-US" sz="1000" dirty="0" smtClean="0"/>
+                        <a:rPr lang="ko-KR" altLang="en-US" sz="1000" dirty="0"/>
                         <a:t>상품설명</a:t>
                       </a:r>
-                      <a:endParaRPr lang="ko-KR" altLang="en-US" sz="1000" dirty="0"/>
                     </a:p>
                   </a:txBody>
                   <a:tcPr/>
@@ -34111,22 +33829,21 @@
                     <a:p>
                       <a:pPr latinLnBrk="1"/>
                       <a:r>
-                        <a:rPr lang="ko-KR" altLang="en-US" sz="1000" dirty="0" err="1" smtClean="0"/>
+                        <a:rPr lang="ko-KR" altLang="en-US" sz="1000" dirty="0" err="1"/>
                         <a:t>알래스카산</a:t>
                       </a:r>
                       <a:r>
-                        <a:rPr lang="ko-KR" altLang="en-US" sz="1000" dirty="0" smtClean="0"/>
+                        <a:rPr lang="ko-KR" altLang="en-US" sz="1000" dirty="0"/>
                         <a:t> 바나나로 </a:t>
                       </a:r>
                       <a:r>
-                        <a:rPr lang="ko-KR" altLang="en-US" sz="1000" dirty="0" err="1" smtClean="0"/>
+                        <a:rPr lang="ko-KR" altLang="en-US" sz="1000" dirty="0" err="1"/>
                         <a:t>맘모스의</a:t>
                       </a:r>
                       <a:r>
-                        <a:rPr lang="ko-KR" altLang="en-US" sz="1000" dirty="0" smtClean="0"/>
+                        <a:rPr lang="ko-KR" altLang="en-US" sz="1000" dirty="0"/>
                         <a:t> 아침식사</a:t>
                       </a:r>
-                      <a:endParaRPr lang="ko-KR" altLang="en-US" sz="1000" dirty="0"/>
                     </a:p>
                   </a:txBody>
                   <a:tcPr/>
@@ -34145,10 +33862,9 @@
                     <a:p>
                       <a:pPr latinLnBrk="1"/>
                       <a:r>
-                        <a:rPr lang="ko-KR" altLang="en-US" sz="1000" dirty="0" smtClean="0"/>
+                        <a:rPr lang="ko-KR" altLang="en-US" sz="1000" dirty="0"/>
                         <a:t>상품사진</a:t>
                       </a:r>
-                      <a:endParaRPr lang="ko-KR" altLang="en-US" sz="1000" dirty="0"/>
                     </a:p>
                   </a:txBody>
                   <a:tcPr/>
@@ -34159,39 +33875,39 @@
                     <a:lstStyle/>
                     <a:p>
                       <a:pPr latinLnBrk="1"/>
-                      <a:endParaRPr lang="en-US" altLang="ko-KR" sz="1000" dirty="0" smtClean="0"/>
+                      <a:endParaRPr lang="en-US" altLang="ko-KR" sz="1000" dirty="0"/>
                     </a:p>
                     <a:p>
                       <a:pPr latinLnBrk="1"/>
-                      <a:endParaRPr lang="en-US" altLang="ko-KR" sz="1000" dirty="0" smtClean="0"/>
+                      <a:endParaRPr lang="en-US" altLang="ko-KR" sz="1000" dirty="0"/>
                     </a:p>
                     <a:p>
                       <a:pPr latinLnBrk="1"/>
-                      <a:endParaRPr lang="en-US" altLang="ko-KR" sz="1000" dirty="0" smtClean="0"/>
+                      <a:endParaRPr lang="en-US" altLang="ko-KR" sz="1000" dirty="0"/>
                     </a:p>
                     <a:p>
                       <a:pPr latinLnBrk="1"/>
-                      <a:endParaRPr lang="en-US" altLang="ko-KR" sz="1000" dirty="0" smtClean="0"/>
+                      <a:endParaRPr lang="en-US" altLang="ko-KR" sz="1000" dirty="0"/>
                     </a:p>
                     <a:p>
                       <a:pPr latinLnBrk="1"/>
-                      <a:endParaRPr lang="en-US" altLang="ko-KR" sz="1000" dirty="0" smtClean="0"/>
+                      <a:endParaRPr lang="en-US" altLang="ko-KR" sz="1000" dirty="0"/>
                     </a:p>
                     <a:p>
                       <a:pPr latinLnBrk="1"/>
-                      <a:endParaRPr lang="en-US" altLang="ko-KR" sz="1000" dirty="0" smtClean="0"/>
+                      <a:endParaRPr lang="en-US" altLang="ko-KR" sz="1000" dirty="0"/>
                     </a:p>
                     <a:p>
                       <a:pPr latinLnBrk="1"/>
-                      <a:endParaRPr lang="en-US" altLang="ko-KR" sz="1000" dirty="0" smtClean="0"/>
+                      <a:endParaRPr lang="en-US" altLang="ko-KR" sz="1000" dirty="0"/>
                     </a:p>
                     <a:p>
                       <a:pPr latinLnBrk="1"/>
-                      <a:endParaRPr lang="en-US" altLang="ko-KR" sz="1000" dirty="0" smtClean="0"/>
+                      <a:endParaRPr lang="en-US" altLang="ko-KR" sz="1000" dirty="0"/>
                     </a:p>
                     <a:p>
                       <a:pPr latinLnBrk="1"/>
-                      <a:endParaRPr lang="en-US" altLang="ko-KR" sz="1000" dirty="0" smtClean="0"/>
+                      <a:endParaRPr lang="en-US" altLang="ko-KR" sz="1000" dirty="0"/>
                     </a:p>
                     <a:p>
                       <a:pPr latinLnBrk="1"/>
@@ -34297,7 +34013,7 @@
               <a:tabLst/>
             </a:pPr>
             <a:r>
-              <a:rPr kumimoji="0" lang="ko-KR" altLang="en-US" sz="1000" i="0" u="none" strike="noStrike" cap="none" normalizeH="0" baseline="0" dirty="0" smtClean="0">
+              <a:rPr kumimoji="0" lang="ko-KR" altLang="en-US" sz="1000" i="0" u="none" strike="noStrike" cap="none" normalizeH="0" baseline="0" dirty="0">
                 <a:ln>
                   <a:noFill/>
                 </a:ln>
@@ -34382,7 +34098,7 @@
               <a:tabLst/>
             </a:pPr>
             <a:r>
-              <a:rPr kumimoji="0" lang="ko-KR" altLang="en-US" sz="1000" i="0" u="none" strike="noStrike" cap="none" normalizeH="0" baseline="0" dirty="0" smtClean="0">
+              <a:rPr kumimoji="0" lang="ko-KR" altLang="en-US" sz="1000" i="0" u="none" strike="noStrike" cap="none" normalizeH="0" baseline="0" dirty="0">
                 <a:ln>
                   <a:noFill/>
                 </a:ln>
@@ -34440,22 +34156,14 @@
             </a:r>
             <a:r>
               <a:rPr lang="ko-KR" altLang="en-US" dirty="0"/>
-              <a:t> 재고 </a:t>
-            </a:r>
-            <a:r>
-              <a:rPr lang="ko-KR" altLang="en-US" dirty="0" smtClean="0"/>
-              <a:t>현황</a:t>
+              <a:t> 재고 현황</a:t>
             </a:r>
             <a:r>
               <a:rPr lang="en-US" altLang="ko-KR" dirty="0"/>
-              <a:t> </a:t>
-            </a:r>
-            <a:r>
-              <a:rPr lang="en-US" altLang="ko-KR" dirty="0" smtClean="0"/>
-              <a:t>-</a:t>
-            </a:r>
-            <a:r>
-              <a:rPr lang="ko-KR" altLang="en-US" dirty="0" smtClean="0"/>
+              <a:t> -</a:t>
+            </a:r>
+            <a:r>
+              <a:rPr lang="ko-KR" altLang="en-US" dirty="0"/>
               <a:t>상품상세</a:t>
             </a:r>
             <a:endParaRPr lang="en-US" altLang="ko-KR" dirty="0"/>
@@ -34472,13 +34180,6 @@
   <p:clrMapOvr>
     <a:masterClrMapping/>
   </p:clrMapOvr>
-  <p:timing>
-    <p:tnLst>
-      <p:par>
-        <p:cTn id="1" dur="indefinite" restart="never" nodeType="tmRoot"/>
-      </p:par>
-    </p:tnLst>
-  </p:timing>
 </p:sld>
 </file>
 
@@ -34654,7 +34355,7 @@
               <a:buChar char="ü"/>
             </a:pPr>
             <a:r>
-              <a:rPr lang="en-US" altLang="ko-KR" sz="1600" dirty="0" smtClean="0"/>
+              <a:rPr lang="en-US" altLang="ko-KR" sz="1600" dirty="0"/>
               <a:t>(</a:t>
             </a:r>
             <a:r>
@@ -34662,14 +34363,14 @@
               <a:t>유통판매</a:t>
             </a:r>
             <a:r>
-              <a:rPr lang="en-US" altLang="ko-KR" sz="1600" dirty="0" smtClean="0"/>
+              <a:rPr lang="en-US" altLang="ko-KR" sz="1600" dirty="0"/>
               <a:t>)</a:t>
             </a:r>
             <a:r>
-              <a:rPr lang="ko-KR" altLang="en-US" sz="1600" dirty="0" smtClean="0"/>
+              <a:rPr lang="ko-KR" altLang="en-US" sz="1600" dirty="0"/>
               <a:t>재고현황구현</a:t>
             </a:r>
-            <a:endParaRPr lang="en-US" altLang="ko-KR" sz="1600" dirty="0" smtClean="0"/>
+            <a:endParaRPr lang="en-US" altLang="ko-KR" sz="1600" dirty="0"/>
           </a:p>
           <a:p>
             <a:pPr marL="285750" indent="-285750">
@@ -34690,11 +34391,11 @@
               <a:buChar char="§"/>
             </a:pPr>
             <a:r>
-              <a:rPr lang="ko-KR" altLang="en-US" sz="1050" dirty="0" smtClean="0"/>
+              <a:rPr lang="ko-KR" altLang="en-US" sz="1050" dirty="0"/>
               <a:t>재고현황시스템구현</a:t>
             </a:r>
             <a:r>
-              <a:rPr lang="en-US" altLang="ko-KR" sz="1050" dirty="0" smtClean="0"/>
+              <a:rPr lang="en-US" altLang="ko-KR" sz="1050" dirty="0"/>
               <a:t>(</a:t>
             </a:r>
             <a:r>
@@ -34702,7 +34403,7 @@
               <a:t>★ ★ </a:t>
             </a:r>
             <a:r>
-              <a:rPr lang="en-US" altLang="ko-KR" sz="1050" dirty="0" smtClean="0"/>
+              <a:rPr lang="en-US" altLang="ko-KR" sz="1050" dirty="0"/>
               <a:t>)</a:t>
             </a:r>
           </a:p>
@@ -34725,10 +34426,10 @@
               <a:buChar char="§"/>
             </a:pPr>
             <a:r>
-              <a:rPr lang="ko-KR" altLang="en-US" sz="1050" dirty="0" smtClean="0"/>
+              <a:rPr lang="ko-KR" altLang="en-US" sz="1050" dirty="0"/>
               <a:t>재고현황총괄</a:t>
             </a:r>
-            <a:endParaRPr lang="en-US" altLang="ko-KR" sz="1050" dirty="0" smtClean="0"/>
+            <a:endParaRPr lang="en-US" altLang="ko-KR" sz="1050" dirty="0"/>
           </a:p>
           <a:p>
             <a:pPr marL="171450" indent="-171450">
@@ -34739,10 +34440,10 @@
               <a:buChar char="§"/>
             </a:pPr>
             <a:r>
-              <a:rPr lang="ko-KR" altLang="en-US" sz="1050" dirty="0" smtClean="0"/>
+              <a:rPr lang="ko-KR" altLang="en-US" sz="1050" dirty="0"/>
               <a:t>신규상품등록</a:t>
             </a:r>
-            <a:endParaRPr lang="en-US" altLang="ko-KR" sz="1050" dirty="0" smtClean="0"/>
+            <a:endParaRPr lang="en-US" altLang="ko-KR" sz="1050" dirty="0"/>
           </a:p>
           <a:p>
             <a:pPr marL="171450" indent="-171450">
@@ -34753,10 +34454,10 @@
               <a:buChar char="§"/>
             </a:pPr>
             <a:r>
-              <a:rPr lang="ko-KR" altLang="en-US" sz="1050" dirty="0" smtClean="0"/>
+              <a:rPr lang="ko-KR" altLang="en-US" sz="1050" dirty="0"/>
               <a:t>상품삭제</a:t>
             </a:r>
-            <a:endParaRPr lang="en-US" altLang="ko-KR" sz="1050" dirty="0" smtClean="0"/>
+            <a:endParaRPr lang="en-US" altLang="ko-KR" sz="1050" dirty="0"/>
           </a:p>
           <a:p>
             <a:pPr marL="171450" indent="-171450">
@@ -34767,7 +34468,7 @@
               <a:buChar char="§"/>
             </a:pPr>
             <a:r>
-              <a:rPr lang="ko-KR" altLang="en-US" sz="1050" dirty="0" smtClean="0"/>
+              <a:rPr lang="ko-KR" altLang="en-US" sz="1050" dirty="0"/>
               <a:t>재고파악수정</a:t>
             </a:r>
             <a:endParaRPr lang="en-US" altLang="ko-KR" sz="1050" dirty="0"/>
@@ -34808,19 +34509,19 @@
               </a:spcBef>
             </a:pPr>
             <a:r>
-              <a:rPr lang="en-US" altLang="ko-KR" sz="1800" dirty="0" smtClean="0"/>
+              <a:rPr lang="en-US" altLang="ko-KR" sz="1800" dirty="0"/>
               <a:t>3.</a:t>
             </a:r>
             <a:r>
-              <a:rPr lang="ko-KR" altLang="en-US" sz="1800" dirty="0" smtClean="0"/>
+              <a:rPr lang="ko-KR" altLang="en-US" sz="1800" dirty="0"/>
               <a:t>이해하기 </a:t>
             </a:r>
             <a:r>
-              <a:rPr lang="en-US" altLang="ko-KR" sz="1800" dirty="0" smtClean="0"/>
+              <a:rPr lang="en-US" altLang="ko-KR" sz="1800" dirty="0"/>
               <a:t>/ 4. </a:t>
             </a:r>
             <a:r>
-              <a:rPr lang="ko-KR" altLang="en-US" sz="1800" dirty="0" smtClean="0"/>
+              <a:rPr lang="ko-KR" altLang="en-US" sz="1800" dirty="0"/>
               <a:t>실습하기 </a:t>
             </a:r>
             <a:endParaRPr lang="en-US" altLang="ko-KR" dirty="0"/>
@@ -34917,107 +34618,107 @@
           <a:lstStyle/>
           <a:p>
             <a:r>
-              <a:rPr lang="ko-KR" altLang="en-US" sz="1100" dirty="0" smtClean="0"/>
+              <a:rPr lang="ko-KR" altLang="en-US" sz="1100" dirty="0"/>
               <a:t>상품번호</a:t>
             </a:r>
             <a:r>
-              <a:rPr lang="en-US" altLang="ko-KR" sz="1100" dirty="0" smtClean="0"/>
+              <a:rPr lang="en-US" altLang="ko-KR" sz="1100" dirty="0"/>
               <a:t>,</a:t>
             </a:r>
             <a:r>
-              <a:rPr lang="ko-KR" altLang="en-US" sz="1100" dirty="0" smtClean="0"/>
+              <a:rPr lang="ko-KR" altLang="en-US" sz="1100" dirty="0"/>
               <a:t>상품명</a:t>
             </a:r>
             <a:r>
-              <a:rPr lang="en-US" altLang="ko-KR" sz="1100" dirty="0" smtClean="0"/>
+              <a:rPr lang="en-US" altLang="ko-KR" sz="1100" dirty="0"/>
               <a:t>,</a:t>
             </a:r>
             <a:r>
-              <a:rPr lang="ko-KR" altLang="en-US" sz="1100" dirty="0" smtClean="0"/>
+              <a:rPr lang="ko-KR" altLang="en-US" sz="1100" dirty="0"/>
               <a:t>재고현황</a:t>
             </a:r>
             <a:r>
-              <a:rPr lang="en-US" altLang="ko-KR" sz="1100" dirty="0" smtClean="0"/>
+              <a:rPr lang="en-US" altLang="ko-KR" sz="1100" dirty="0"/>
               <a:t>,</a:t>
             </a:r>
             <a:r>
-              <a:rPr lang="ko-KR" altLang="en-US" sz="1100" dirty="0" smtClean="0"/>
+              <a:rPr lang="ko-KR" altLang="en-US" sz="1100" dirty="0"/>
               <a:t>상품설명은 입력가능 하게 함</a:t>
             </a:r>
             <a:r>
-              <a:rPr lang="en-US" altLang="ko-KR" sz="1100" dirty="0" smtClean="0"/>
+              <a:rPr lang="en-US" altLang="ko-KR" sz="1100" dirty="0"/>
               <a:t> </a:t>
             </a:r>
           </a:p>
           <a:p>
             <a:r>
-              <a:rPr lang="ko-KR" altLang="en-US" sz="1100" dirty="0" smtClean="0"/>
+              <a:rPr lang="ko-KR" altLang="en-US" sz="1100" dirty="0"/>
               <a:t>상품등록일</a:t>
             </a:r>
             <a:r>
-              <a:rPr lang="en-US" altLang="ko-KR" sz="1100" dirty="0" smtClean="0"/>
+              <a:rPr lang="en-US" altLang="ko-KR" sz="1100" dirty="0"/>
               <a:t>, </a:t>
             </a:r>
             <a:r>
-              <a:rPr lang="ko-KR" altLang="en-US" sz="1100" dirty="0" err="1" smtClean="0"/>
+              <a:rPr lang="ko-KR" altLang="en-US" sz="1100" dirty="0" err="1"/>
               <a:t>재고등록일은</a:t>
             </a:r>
             <a:r>
-              <a:rPr lang="ko-KR" altLang="en-US" sz="1100" dirty="0" smtClean="0"/>
+              <a:rPr lang="ko-KR" altLang="en-US" sz="1100" dirty="0"/>
               <a:t> 자동으로 당일 </a:t>
             </a:r>
             <a:r>
-              <a:rPr lang="ko-KR" altLang="en-US" sz="1100" dirty="0" err="1" smtClean="0"/>
+              <a:rPr lang="ko-KR" altLang="en-US" sz="1100" dirty="0" err="1"/>
               <a:t>날자가</a:t>
             </a:r>
             <a:r>
-              <a:rPr lang="ko-KR" altLang="en-US" sz="1100" dirty="0" smtClean="0"/>
+              <a:rPr lang="ko-KR" altLang="en-US" sz="1100" dirty="0"/>
               <a:t> 입력됨</a:t>
             </a:r>
-            <a:endParaRPr lang="en-US" altLang="ko-KR" sz="1100" dirty="0" smtClean="0"/>
-          </a:p>
-          <a:p>
-            <a:r>
-              <a:rPr lang="ko-KR" altLang="en-US" sz="1100" dirty="0" smtClean="0"/>
+            <a:endParaRPr lang="en-US" altLang="ko-KR" sz="1100" dirty="0"/>
+          </a:p>
+          <a:p>
+            <a:r>
+              <a:rPr lang="ko-KR" altLang="en-US" sz="1100" dirty="0"/>
               <a:t>상품사진은 </a:t>
             </a:r>
             <a:r>
-              <a:rPr lang="en-US" altLang="ko-KR" sz="1100" dirty="0" smtClean="0"/>
+              <a:rPr lang="en-US" altLang="ko-KR" sz="1100" dirty="0"/>
               <a:t>1)</a:t>
             </a:r>
             <a:r>
-              <a:rPr lang="ko-KR" altLang="en-US" sz="1100" dirty="0" smtClean="0"/>
+              <a:rPr lang="ko-KR" altLang="en-US" sz="1100" dirty="0"/>
               <a:t>실력자는 파일 업로드 </a:t>
             </a:r>
             <a:r>
-              <a:rPr lang="en-US" altLang="ko-KR" sz="1100" dirty="0" smtClean="0"/>
+              <a:rPr lang="en-US" altLang="ko-KR" sz="1100" dirty="0"/>
               <a:t>2) </a:t>
             </a:r>
             <a:r>
-              <a:rPr lang="ko-KR" altLang="en-US" sz="1100" dirty="0" smtClean="0"/>
+              <a:rPr lang="ko-KR" altLang="en-US" sz="1100" dirty="0"/>
               <a:t>일반은 </a:t>
             </a:r>
             <a:r>
-              <a:rPr lang="en-US" altLang="ko-KR" sz="1100" dirty="0" err="1" smtClean="0"/>
+              <a:rPr lang="en-US" altLang="ko-KR" sz="1100" dirty="0" err="1"/>
               <a:t>npp</a:t>
             </a:r>
             <a:r>
-              <a:rPr lang="en-US" altLang="ko-KR" sz="1100" dirty="0" smtClean="0"/>
+              <a:rPr lang="en-US" altLang="ko-KR" sz="1100" dirty="0"/>
               <a:t>(</a:t>
             </a:r>
             <a:r>
-              <a:rPr lang="en-US" altLang="ko-KR" sz="1100" dirty="0" err="1" smtClean="0"/>
+              <a:rPr lang="en-US" altLang="ko-KR" sz="1100" dirty="0" err="1"/>
               <a:t>fileziller</a:t>
             </a:r>
             <a:r>
-              <a:rPr lang="en-US" altLang="ko-KR" sz="1100" dirty="0" smtClean="0"/>
+              <a:rPr lang="en-US" altLang="ko-KR" sz="1100" dirty="0"/>
               <a:t>)</a:t>
             </a:r>
             <a:r>
-              <a:rPr lang="ko-KR" altLang="en-US" sz="1100" dirty="0" smtClean="0"/>
+              <a:rPr lang="ko-KR" altLang="en-US" sz="1100" dirty="0"/>
               <a:t>로 몇 개의 그림파일을 업로드하고 해당 파일패스를 입력</a:t>
             </a:r>
-            <a:endParaRPr lang="en-US" altLang="ko-KR" sz="1100" dirty="0" smtClean="0"/>
+            <a:endParaRPr lang="en-US" altLang="ko-KR" sz="1100" dirty="0"/>
           </a:p>
         </p:txBody>
       </p:sp>
@@ -35044,18 +34745,13 @@
           <a:lstStyle/>
           <a:p>
             <a:r>
-              <a:rPr lang="ko-KR" altLang="en-US" dirty="0" smtClean="0">
+              <a:rPr lang="ko-KR" altLang="en-US" dirty="0">
                 <a:solidFill>
                   <a:srgbClr val="FF0000"/>
                 </a:solidFill>
               </a:rPr>
               <a:t>계속</a:t>
             </a:r>
-            <a:endParaRPr lang="ko-KR" altLang="en-US" dirty="0">
-              <a:solidFill>
-                <a:srgbClr val="FF0000"/>
-              </a:solidFill>
-            </a:endParaRPr>
           </a:p>
         </p:txBody>
       </p:sp>
@@ -35107,11 +34803,11 @@
                     <a:p>
                       <a:pPr latinLnBrk="1"/>
                       <a:r>
-                        <a:rPr lang="ko-KR" altLang="en-US" sz="1000" dirty="0" smtClean="0"/>
+                        <a:rPr lang="ko-KR" altLang="en-US" sz="1000" dirty="0"/>
                         <a:t>상품</a:t>
                       </a:r>
                       <a:r>
-                        <a:rPr lang="ko-KR" altLang="en-US" sz="1000" baseline="0" dirty="0" smtClean="0"/>
+                        <a:rPr lang="ko-KR" altLang="en-US" sz="1000" baseline="0" dirty="0"/>
                         <a:t> 번호</a:t>
                       </a:r>
                       <a:endParaRPr lang="ko-KR" altLang="en-US" sz="1000" dirty="0"/>
@@ -35126,7 +34822,7 @@
                     <a:p>
                       <a:pPr latinLnBrk="1"/>
                       <a:r>
-                        <a:rPr lang="en-US" altLang="ko-KR" sz="1000" dirty="0" smtClean="0"/>
+                        <a:rPr lang="en-US" altLang="ko-KR" sz="1000" dirty="0"/>
                         <a:t>122122</a:t>
                       </a:r>
                       <a:endParaRPr lang="ko-KR" altLang="en-US" sz="1000" dirty="0"/>
@@ -35148,10 +34844,9 @@
                     <a:p>
                       <a:pPr latinLnBrk="1"/>
                       <a:r>
-                        <a:rPr lang="ko-KR" altLang="en-US" sz="1000" dirty="0" smtClean="0"/>
+                        <a:rPr lang="ko-KR" altLang="en-US" sz="1000" dirty="0"/>
                         <a:t>상품명</a:t>
                       </a:r>
-                      <a:endParaRPr lang="ko-KR" altLang="en-US" sz="1000" dirty="0"/>
                     </a:p>
                   </a:txBody>
                   <a:tcPr/>
@@ -35163,10 +34858,9 @@
                     <a:p>
                       <a:pPr latinLnBrk="1"/>
                       <a:r>
-                        <a:rPr lang="ko-KR" altLang="en-US" sz="1000" dirty="0" smtClean="0"/>
+                        <a:rPr lang="ko-KR" altLang="en-US" sz="1000" dirty="0"/>
                         <a:t>바나나</a:t>
                       </a:r>
-                      <a:endParaRPr lang="ko-KR" altLang="en-US" sz="1000" dirty="0"/>
                     </a:p>
                   </a:txBody>
                   <a:tcPr/>
@@ -35185,10 +34879,9 @@
                     <a:p>
                       <a:pPr latinLnBrk="1"/>
                       <a:r>
-                        <a:rPr lang="ko-KR" altLang="en-US" sz="1000" dirty="0" smtClean="0"/>
+                        <a:rPr lang="ko-KR" altLang="en-US" sz="1000" dirty="0"/>
                         <a:t>재고 현황</a:t>
                       </a:r>
-                      <a:endParaRPr lang="ko-KR" altLang="en-US" sz="1000" dirty="0"/>
                     </a:p>
                   </a:txBody>
                   <a:tcPr/>
@@ -35200,7 +34893,7 @@
                     <a:p>
                       <a:pPr latinLnBrk="1"/>
                       <a:r>
-                        <a:rPr lang="en-US" altLang="ko-KR" sz="1000" dirty="0" smtClean="0"/>
+                        <a:rPr lang="en-US" altLang="ko-KR" sz="1000" dirty="0"/>
                         <a:t>10</a:t>
                       </a:r>
                       <a:endParaRPr lang="ko-KR" altLang="en-US" sz="1000" dirty="0"/>
@@ -35222,10 +34915,9 @@
                     <a:p>
                       <a:pPr latinLnBrk="1"/>
                       <a:r>
-                        <a:rPr lang="ko-KR" altLang="en-US" sz="1000" dirty="0" smtClean="0"/>
+                        <a:rPr lang="ko-KR" altLang="en-US" sz="1000" dirty="0"/>
                         <a:t>상품등록일</a:t>
                       </a:r>
-                      <a:endParaRPr lang="ko-KR" altLang="en-US" sz="1000" dirty="0"/>
                     </a:p>
                   </a:txBody>
                   <a:tcPr/>
@@ -35237,7 +34929,7 @@
                     <a:p>
                       <a:pPr latinLnBrk="1"/>
                       <a:r>
-                        <a:rPr lang="en-US" altLang="ko-KR" sz="1000" dirty="0" smtClean="0"/>
+                        <a:rPr lang="en-US" altLang="ko-KR" sz="1000" dirty="0"/>
                         <a:t>2017-06-10</a:t>
                       </a:r>
                       <a:endParaRPr lang="ko-KR" altLang="en-US" sz="1000" dirty="0"/>
@@ -35259,10 +34951,9 @@
                     <a:p>
                       <a:pPr latinLnBrk="1"/>
                       <a:r>
-                        <a:rPr lang="ko-KR" altLang="en-US" sz="1000" dirty="0" smtClean="0"/>
+                        <a:rPr lang="ko-KR" altLang="en-US" sz="1000" dirty="0"/>
                         <a:t>재고등록일</a:t>
                       </a:r>
-                      <a:endParaRPr lang="ko-KR" altLang="en-US" sz="1000" dirty="0"/>
                     </a:p>
                   </a:txBody>
                   <a:tcPr/>
@@ -35274,7 +34965,7 @@
                     <a:p>
                       <a:pPr latinLnBrk="1"/>
                       <a:r>
-                        <a:rPr lang="en-US" altLang="ko-KR" sz="1000" dirty="0" smtClean="0"/>
+                        <a:rPr lang="en-US" altLang="ko-KR" sz="1000" dirty="0"/>
                         <a:t>2017-06-10</a:t>
                       </a:r>
                       <a:endParaRPr lang="ko-KR" altLang="en-US" sz="1000" dirty="0"/>
@@ -35296,10 +34987,9 @@
                     <a:p>
                       <a:pPr latinLnBrk="1"/>
                       <a:r>
-                        <a:rPr lang="ko-KR" altLang="en-US" sz="1000" dirty="0" smtClean="0"/>
+                        <a:rPr lang="ko-KR" altLang="en-US" sz="1000" dirty="0"/>
                         <a:t>상품설명</a:t>
                       </a:r>
-                      <a:endParaRPr lang="ko-KR" altLang="en-US" sz="1000" dirty="0"/>
                     </a:p>
                   </a:txBody>
                   <a:tcPr/>
@@ -35311,22 +35001,21 @@
                     <a:p>
                       <a:pPr latinLnBrk="1"/>
                       <a:r>
-                        <a:rPr lang="ko-KR" altLang="en-US" sz="1000" dirty="0" err="1" smtClean="0"/>
+                        <a:rPr lang="ko-KR" altLang="en-US" sz="1000" dirty="0" err="1"/>
                         <a:t>알래스카산</a:t>
                       </a:r>
                       <a:r>
-                        <a:rPr lang="ko-KR" altLang="en-US" sz="1000" dirty="0" smtClean="0"/>
+                        <a:rPr lang="ko-KR" altLang="en-US" sz="1000" dirty="0"/>
                         <a:t> 바나나로 </a:t>
                       </a:r>
                       <a:r>
-                        <a:rPr lang="ko-KR" altLang="en-US" sz="1000" dirty="0" err="1" smtClean="0"/>
+                        <a:rPr lang="ko-KR" altLang="en-US" sz="1000" dirty="0" err="1"/>
                         <a:t>맘모스의</a:t>
                       </a:r>
                       <a:r>
-                        <a:rPr lang="ko-KR" altLang="en-US" sz="1000" dirty="0" smtClean="0"/>
+                        <a:rPr lang="ko-KR" altLang="en-US" sz="1000" dirty="0"/>
                         <a:t> 아침식사</a:t>
                       </a:r>
-                      <a:endParaRPr lang="ko-KR" altLang="en-US" sz="1000" dirty="0"/>
                     </a:p>
                   </a:txBody>
                   <a:tcPr/>
@@ -35345,10 +35034,9 @@
                     <a:p>
                       <a:pPr latinLnBrk="1"/>
                       <a:r>
-                        <a:rPr lang="ko-KR" altLang="en-US" sz="1000" dirty="0" smtClean="0"/>
+                        <a:rPr lang="ko-KR" altLang="en-US" sz="1000" dirty="0"/>
                         <a:t>상품사진</a:t>
                       </a:r>
-                      <a:endParaRPr lang="ko-KR" altLang="en-US" sz="1000" dirty="0"/>
                     </a:p>
                   </a:txBody>
                   <a:tcPr/>
@@ -35359,67 +35047,67 @@
                     <a:lstStyle/>
                     <a:p>
                       <a:pPr latinLnBrk="1"/>
-                      <a:endParaRPr lang="en-US" altLang="ko-KR" sz="1000" dirty="0" smtClean="0"/>
+                      <a:endParaRPr lang="en-US" altLang="ko-KR" sz="1000" dirty="0"/>
                     </a:p>
                     <a:p>
                       <a:pPr latinLnBrk="1"/>
-                      <a:endParaRPr lang="en-US" altLang="ko-KR" sz="1000" dirty="0" smtClean="0"/>
+                      <a:endParaRPr lang="en-US" altLang="ko-KR" sz="1000" dirty="0"/>
                     </a:p>
                     <a:p>
                       <a:pPr latinLnBrk="1"/>
-                      <a:endParaRPr lang="en-US" altLang="ko-KR" sz="1000" dirty="0" smtClean="0"/>
+                      <a:endParaRPr lang="en-US" altLang="ko-KR" sz="1000" dirty="0"/>
                     </a:p>
                     <a:p>
                       <a:pPr latinLnBrk="1"/>
-                      <a:endParaRPr lang="en-US" altLang="ko-KR" sz="1000" dirty="0" smtClean="0"/>
+                      <a:endParaRPr lang="en-US" altLang="ko-KR" sz="1000" dirty="0"/>
                     </a:p>
                     <a:p>
                       <a:pPr latinLnBrk="1"/>
-                      <a:endParaRPr lang="en-US" altLang="ko-KR" sz="1000" dirty="0" smtClean="0"/>
+                      <a:endParaRPr lang="en-US" altLang="ko-KR" sz="1000" dirty="0"/>
                     </a:p>
                     <a:p>
                       <a:pPr latinLnBrk="1"/>
-                      <a:endParaRPr lang="en-US" altLang="ko-KR" sz="1000" dirty="0" smtClean="0"/>
+                      <a:endParaRPr lang="en-US" altLang="ko-KR" sz="1000" dirty="0"/>
                     </a:p>
                     <a:p>
                       <a:pPr latinLnBrk="1"/>
-                      <a:endParaRPr lang="en-US" altLang="ko-KR" sz="1000" dirty="0" smtClean="0"/>
+                      <a:endParaRPr lang="en-US" altLang="ko-KR" sz="1000" dirty="0"/>
                     </a:p>
                     <a:p>
                       <a:pPr latinLnBrk="1"/>
                       <a:r>
-                        <a:rPr lang="en-US" altLang="ko-KR" sz="1000" dirty="0" smtClean="0"/>
+                        <a:rPr lang="en-US" altLang="ko-KR" sz="1000" dirty="0"/>
                         <a:t>/</a:t>
                       </a:r>
                       <a:r>
-                        <a:rPr lang="en-US" altLang="ko-KR" sz="1000" dirty="0" err="1" smtClean="0"/>
+                        <a:rPr lang="en-US" altLang="ko-KR" sz="1000" dirty="0" err="1"/>
                         <a:t>usr</a:t>
                       </a:r>
                       <a:r>
-                        <a:rPr lang="en-US" altLang="ko-KR" sz="1000" dirty="0" smtClean="0"/>
+                        <a:rPr lang="en-US" altLang="ko-KR" sz="1000" dirty="0"/>
                         <a:t>/lib/tomcat7/</a:t>
                       </a:r>
                       <a:r>
-                        <a:rPr lang="en-US" altLang="ko-KR" sz="1000" dirty="0" err="1" smtClean="0"/>
+                        <a:rPr lang="en-US" altLang="ko-KR" sz="1000" dirty="0" err="1"/>
                         <a:t>webapps</a:t>
                       </a:r>
                       <a:r>
-                        <a:rPr lang="en-US" altLang="ko-KR" sz="1000" dirty="0" smtClean="0"/>
+                        <a:rPr lang="en-US" altLang="ko-KR" sz="1000" dirty="0"/>
                         <a:t>/</a:t>
                       </a:r>
                       <a:r>
-                        <a:rPr lang="en-US" altLang="ko-KR" sz="1000" dirty="0" err="1" smtClean="0"/>
+                        <a:rPr lang="en-US" altLang="ko-KR" sz="1000" dirty="0" err="1"/>
                         <a:t>abc</a:t>
                       </a:r>
                       <a:r>
-                        <a:rPr lang="en-US" altLang="ko-KR" sz="1000" dirty="0" smtClean="0"/>
+                        <a:rPr lang="en-US" altLang="ko-KR" sz="1000" dirty="0"/>
                         <a:t>/</a:t>
                       </a:r>
                       <a:r>
-                        <a:rPr lang="en-US" altLang="ko-KR" sz="1000" dirty="0" err="1" smtClean="0"/>
+                        <a:rPr lang="en-US" altLang="ko-KR" sz="1000" dirty="0" err="1"/>
                         <a:t>aaa,jpg</a:t>
                       </a:r>
-                      <a:endParaRPr lang="en-US" altLang="ko-KR" sz="1000" dirty="0" smtClean="0"/>
+                      <a:endParaRPr lang="en-US" altLang="ko-KR" sz="1000" dirty="0"/>
                     </a:p>
                     <a:p>
                       <a:pPr latinLnBrk="1"/>
@@ -35522,7 +35210,7 @@
               <a:buChar char="•"/>
               <a:tabLst/>
             </a:pPr>
-            <a:endParaRPr kumimoji="0" lang="ko-KR" altLang="en-US" sz="1000" b="0" i="0" u="none" strike="noStrike" cap="none" normalizeH="0" baseline="0" smtClean="0">
+            <a:endParaRPr kumimoji="0" lang="ko-KR" altLang="en-US" sz="1000" b="0" i="0" u="none" strike="noStrike" cap="none" normalizeH="0" baseline="0">
               <a:ln>
                 <a:noFill/>
               </a:ln>
@@ -35596,7 +35284,7 @@
               <a:buChar char="•"/>
               <a:tabLst/>
             </a:pPr>
-            <a:endParaRPr kumimoji="0" lang="ko-KR" altLang="en-US" sz="1000" b="0" i="0" u="none" strike="noStrike" cap="none" normalizeH="0" baseline="0" smtClean="0">
+            <a:endParaRPr kumimoji="0" lang="ko-KR" altLang="en-US" sz="1000" b="0" i="0" u="none" strike="noStrike" cap="none" normalizeH="0" baseline="0">
               <a:ln>
                 <a:noFill/>
               </a:ln>
@@ -35670,7 +35358,7 @@
               <a:buChar char="•"/>
               <a:tabLst/>
             </a:pPr>
-            <a:endParaRPr kumimoji="0" lang="ko-KR" altLang="en-US" sz="1000" b="0" i="0" u="none" strike="noStrike" cap="none" normalizeH="0" baseline="0" smtClean="0">
+            <a:endParaRPr kumimoji="0" lang="ko-KR" altLang="en-US" sz="1000" b="0" i="0" u="none" strike="noStrike" cap="none" normalizeH="0" baseline="0">
               <a:ln>
                 <a:noFill/>
               </a:ln>
@@ -35744,7 +35432,7 @@
               <a:buChar char="•"/>
               <a:tabLst/>
             </a:pPr>
-            <a:endParaRPr kumimoji="0" lang="ko-KR" altLang="en-US" sz="1000" b="0" i="0" u="none" strike="noStrike" cap="none" normalizeH="0" baseline="0" smtClean="0">
+            <a:endParaRPr kumimoji="0" lang="ko-KR" altLang="en-US" sz="1000" b="0" i="0" u="none" strike="noStrike" cap="none" normalizeH="0" baseline="0">
               <a:ln>
                 <a:noFill/>
               </a:ln>
@@ -35818,7 +35506,7 @@
               <a:buChar char="•"/>
               <a:tabLst/>
             </a:pPr>
-            <a:endParaRPr kumimoji="0" lang="ko-KR" altLang="en-US" sz="1000" b="0" i="0" u="none" strike="noStrike" cap="none" normalizeH="0" baseline="0" smtClean="0">
+            <a:endParaRPr kumimoji="0" lang="ko-KR" altLang="en-US" sz="1000" b="0" i="0" u="none" strike="noStrike" cap="none" normalizeH="0" baseline="0">
               <a:ln>
                 <a:noFill/>
               </a:ln>
@@ -35895,7 +35583,7 @@
               <a:tabLst/>
             </a:pPr>
             <a:r>
-              <a:rPr lang="en-US" altLang="ko-KR" sz="1000" b="0" dirty="0" smtClean="0">
+              <a:rPr lang="en-US" altLang="ko-KR" sz="1000" b="0" dirty="0">
                 <a:solidFill>
                   <a:schemeClr val="tx1"/>
                 </a:solidFill>
@@ -35904,7 +35592,7 @@
               </a:rPr>
               <a:t>Upload</a:t>
             </a:r>
-            <a:endParaRPr kumimoji="0" lang="ko-KR" altLang="en-US" sz="1000" b="0" i="0" u="none" strike="noStrike" cap="none" normalizeH="0" baseline="0" dirty="0" smtClean="0">
+            <a:endParaRPr kumimoji="0" lang="ko-KR" altLang="en-US" sz="1000" b="0" i="0" u="none" strike="noStrike" cap="none" normalizeH="0" baseline="0" dirty="0">
               <a:ln>
                 <a:noFill/>
               </a:ln>
@@ -35981,7 +35669,7 @@
               <a:tabLst/>
             </a:pPr>
             <a:r>
-              <a:rPr kumimoji="0" lang="ko-KR" altLang="en-US" sz="1000" i="0" u="none" strike="noStrike" cap="none" normalizeH="0" baseline="0" dirty="0" smtClean="0">
+              <a:rPr kumimoji="0" lang="ko-KR" altLang="en-US" sz="1000" i="0" u="none" strike="noStrike" cap="none" normalizeH="0" baseline="0" dirty="0">
                 <a:ln>
                   <a:noFill/>
                 </a:ln>
@@ -36039,22 +35727,14 @@
             </a:r>
             <a:r>
               <a:rPr lang="ko-KR" altLang="en-US" dirty="0"/>
-              <a:t> 재고 </a:t>
-            </a:r>
-            <a:r>
-              <a:rPr lang="ko-KR" altLang="en-US" dirty="0" smtClean="0"/>
-              <a:t>현황</a:t>
+              <a:t> 재고 현황</a:t>
             </a:r>
             <a:r>
               <a:rPr lang="en-US" altLang="ko-KR" dirty="0"/>
-              <a:t> </a:t>
-            </a:r>
-            <a:r>
-              <a:rPr lang="en-US" altLang="ko-KR" dirty="0" smtClean="0"/>
-              <a:t>–</a:t>
-            </a:r>
-            <a:r>
-              <a:rPr lang="ko-KR" altLang="en-US" dirty="0" smtClean="0"/>
+              <a:t> –</a:t>
+            </a:r>
+            <a:r>
+              <a:rPr lang="ko-KR" altLang="en-US" dirty="0"/>
               <a:t>상품등록</a:t>
             </a:r>
             <a:endParaRPr lang="en-US" altLang="ko-KR" dirty="0"/>
@@ -36071,13 +35751,6 @@
   <p:clrMapOvr>
     <a:masterClrMapping/>
   </p:clrMapOvr>
-  <p:timing>
-    <p:tnLst>
-      <p:par>
-        <p:cTn id="1" dur="indefinite" restart="never" nodeType="tmRoot"/>
-      </p:par>
-    </p:tnLst>
-  </p:timing>
 </p:sld>
 </file>
 
@@ -36253,7 +35926,7 @@
               <a:buChar char="ü"/>
             </a:pPr>
             <a:r>
-              <a:rPr lang="en-US" altLang="ko-KR" sz="1600" dirty="0" smtClean="0"/>
+              <a:rPr lang="en-US" altLang="ko-KR" sz="1600" dirty="0"/>
               <a:t>(</a:t>
             </a:r>
             <a:r>
@@ -36261,14 +35934,14 @@
               <a:t>유통판매</a:t>
             </a:r>
             <a:r>
-              <a:rPr lang="en-US" altLang="ko-KR" sz="1600" dirty="0" smtClean="0"/>
+              <a:rPr lang="en-US" altLang="ko-KR" sz="1600" dirty="0"/>
               <a:t>)</a:t>
             </a:r>
             <a:r>
-              <a:rPr lang="ko-KR" altLang="en-US" sz="1600" dirty="0" smtClean="0"/>
+              <a:rPr lang="ko-KR" altLang="en-US" sz="1600" dirty="0"/>
               <a:t>재고현황구현</a:t>
             </a:r>
-            <a:endParaRPr lang="en-US" altLang="ko-KR" sz="1600" dirty="0" smtClean="0"/>
+            <a:endParaRPr lang="en-US" altLang="ko-KR" sz="1600" dirty="0"/>
           </a:p>
           <a:p>
             <a:pPr marL="285750" indent="-285750">
@@ -36289,11 +35962,11 @@
               <a:buChar char="§"/>
             </a:pPr>
             <a:r>
-              <a:rPr lang="ko-KR" altLang="en-US" sz="1050" dirty="0" smtClean="0"/>
+              <a:rPr lang="ko-KR" altLang="en-US" sz="1050" dirty="0"/>
               <a:t>재고현황시스템구현</a:t>
             </a:r>
             <a:r>
-              <a:rPr lang="en-US" altLang="ko-KR" sz="1050" dirty="0" smtClean="0"/>
+              <a:rPr lang="en-US" altLang="ko-KR" sz="1050" dirty="0"/>
               <a:t>(</a:t>
             </a:r>
             <a:r>
@@ -36301,7 +35974,7 @@
               <a:t>★ ★ </a:t>
             </a:r>
             <a:r>
-              <a:rPr lang="en-US" altLang="ko-KR" sz="1050" dirty="0" smtClean="0"/>
+              <a:rPr lang="en-US" altLang="ko-KR" sz="1050" dirty="0"/>
               <a:t>)</a:t>
             </a:r>
           </a:p>
@@ -36324,10 +35997,10 @@
               <a:buChar char="§"/>
             </a:pPr>
             <a:r>
-              <a:rPr lang="ko-KR" altLang="en-US" sz="1050" dirty="0" smtClean="0"/>
+              <a:rPr lang="ko-KR" altLang="en-US" sz="1050" dirty="0"/>
               <a:t>재고현황총괄</a:t>
             </a:r>
-            <a:endParaRPr lang="en-US" altLang="ko-KR" sz="1050" dirty="0" smtClean="0"/>
+            <a:endParaRPr lang="en-US" altLang="ko-KR" sz="1050" dirty="0"/>
           </a:p>
           <a:p>
             <a:pPr marL="171450" indent="-171450">
@@ -36338,10 +36011,10 @@
               <a:buChar char="§"/>
             </a:pPr>
             <a:r>
-              <a:rPr lang="ko-KR" altLang="en-US" sz="1050" dirty="0" smtClean="0"/>
+              <a:rPr lang="ko-KR" altLang="en-US" sz="1050" dirty="0"/>
               <a:t>신규상품등록</a:t>
             </a:r>
-            <a:endParaRPr lang="en-US" altLang="ko-KR" sz="1050" dirty="0" smtClean="0"/>
+            <a:endParaRPr lang="en-US" altLang="ko-KR" sz="1050" dirty="0"/>
           </a:p>
           <a:p>
             <a:pPr marL="171450" indent="-171450">
@@ -36352,10 +36025,10 @@
               <a:buChar char="§"/>
             </a:pPr>
             <a:r>
-              <a:rPr lang="ko-KR" altLang="en-US" sz="1050" dirty="0" smtClean="0"/>
+              <a:rPr lang="ko-KR" altLang="en-US" sz="1050" dirty="0"/>
               <a:t>상품삭제</a:t>
             </a:r>
-            <a:endParaRPr lang="en-US" altLang="ko-KR" sz="1050" dirty="0" smtClean="0"/>
+            <a:endParaRPr lang="en-US" altLang="ko-KR" sz="1050" dirty="0"/>
           </a:p>
           <a:p>
             <a:pPr marL="171450" indent="-171450">
@@ -36366,7 +36039,7 @@
               <a:buChar char="§"/>
             </a:pPr>
             <a:r>
-              <a:rPr lang="ko-KR" altLang="en-US" sz="1050" dirty="0" smtClean="0"/>
+              <a:rPr lang="ko-KR" altLang="en-US" sz="1050" dirty="0"/>
               <a:t>재고파악수정</a:t>
             </a:r>
             <a:endParaRPr lang="en-US" altLang="ko-KR" sz="1050" dirty="0"/>
@@ -36407,19 +36080,19 @@
               </a:spcBef>
             </a:pPr>
             <a:r>
-              <a:rPr lang="en-US" altLang="ko-KR" sz="1800" dirty="0" smtClean="0"/>
+              <a:rPr lang="en-US" altLang="ko-KR" sz="1800" dirty="0"/>
               <a:t>3.</a:t>
             </a:r>
             <a:r>
-              <a:rPr lang="ko-KR" altLang="en-US" sz="1800" dirty="0" smtClean="0"/>
+              <a:rPr lang="ko-KR" altLang="en-US" sz="1800" dirty="0"/>
               <a:t>이해하기 </a:t>
             </a:r>
             <a:r>
-              <a:rPr lang="en-US" altLang="ko-KR" sz="1800" dirty="0" smtClean="0"/>
+              <a:rPr lang="en-US" altLang="ko-KR" sz="1800" dirty="0"/>
               <a:t>/ 4. </a:t>
             </a:r>
             <a:r>
-              <a:rPr lang="ko-KR" altLang="en-US" sz="1800" dirty="0" smtClean="0"/>
+              <a:rPr lang="ko-KR" altLang="en-US" sz="1800" dirty="0"/>
               <a:t>실습하기 </a:t>
             </a:r>
             <a:endParaRPr lang="en-US" altLang="ko-KR" dirty="0"/>
@@ -36516,18 +36189,13 @@
           <a:lstStyle/>
           <a:p>
             <a:r>
-              <a:rPr lang="ko-KR" altLang="en-US" dirty="0" smtClean="0">
+              <a:rPr lang="ko-KR" altLang="en-US" dirty="0">
                 <a:solidFill>
                   <a:srgbClr val="FF0000"/>
                 </a:solidFill>
               </a:rPr>
               <a:t>계속</a:t>
             </a:r>
-            <a:endParaRPr lang="ko-KR" altLang="en-US" dirty="0">
-              <a:solidFill>
-                <a:srgbClr val="FF0000"/>
-              </a:solidFill>
-            </a:endParaRPr>
           </a:p>
         </p:txBody>
       </p:sp>
@@ -36554,23 +36222,23 @@
           <a:lstStyle/>
           <a:p>
             <a:r>
-              <a:rPr lang="en-US" altLang="ko-KR" dirty="0" smtClean="0"/>
+              <a:rPr lang="en-US" altLang="ko-KR" dirty="0"/>
               <a:t>[</a:t>
             </a:r>
             <a:r>
-              <a:rPr lang="ko-KR" altLang="en-US" dirty="0" smtClean="0"/>
+              <a:rPr lang="ko-KR" altLang="en-US" dirty="0"/>
               <a:t>바나나</a:t>
             </a:r>
             <a:r>
-              <a:rPr lang="en-US" altLang="ko-KR" dirty="0" smtClean="0"/>
+              <a:rPr lang="en-US" altLang="ko-KR" dirty="0"/>
               <a:t>] </a:t>
             </a:r>
             <a:r>
-              <a:rPr lang="ko-KR" altLang="en-US" dirty="0" smtClean="0"/>
+              <a:rPr lang="ko-KR" altLang="en-US" dirty="0"/>
               <a:t>상품이 삭제되었습니다</a:t>
             </a:r>
             <a:r>
-              <a:rPr lang="en-US" altLang="ko-KR" dirty="0" smtClean="0"/>
+              <a:rPr lang="en-US" altLang="ko-KR" dirty="0"/>
               <a:t>.</a:t>
             </a:r>
             <a:endParaRPr lang="ko-KR" altLang="en-US" dirty="0"/>
@@ -36613,18 +36281,14 @@
             </a:r>
             <a:r>
               <a:rPr lang="ko-KR" altLang="en-US" dirty="0"/>
-              <a:t> 재고 </a:t>
-            </a:r>
-            <a:r>
-              <a:rPr lang="ko-KR" altLang="en-US" dirty="0" smtClean="0"/>
-              <a:t>현황</a:t>
-            </a:r>
-            <a:r>
-              <a:rPr lang="en-US" altLang="ko-KR" dirty="0" smtClean="0"/>
+              <a:t> 재고 현황</a:t>
+            </a:r>
+            <a:r>
+              <a:rPr lang="en-US" altLang="ko-KR" dirty="0"/>
               <a:t>-</a:t>
             </a:r>
             <a:r>
-              <a:rPr lang="ko-KR" altLang="en-US" dirty="0" smtClean="0"/>
+              <a:rPr lang="ko-KR" altLang="en-US" dirty="0"/>
               <a:t>상품삭제</a:t>
             </a:r>
             <a:endParaRPr lang="en-US" altLang="ko-KR" dirty="0"/>
@@ -36694,7 +36358,7 @@
               <a:tabLst/>
             </a:pPr>
             <a:r>
-              <a:rPr kumimoji="0" lang="ko-KR" altLang="en-US" sz="1000" i="0" u="none" strike="noStrike" cap="none" normalizeH="0" baseline="0" dirty="0" smtClean="0">
+              <a:rPr kumimoji="0" lang="ko-KR" altLang="en-US" sz="1000" i="0" u="none" strike="noStrike" cap="none" normalizeH="0" baseline="0" dirty="0">
                 <a:ln>
                   <a:noFill/>
                 </a:ln>
@@ -36739,44 +36403,44 @@
           <a:lstStyle/>
           <a:p>
             <a:r>
-              <a:rPr lang="ko-KR" altLang="en-US" sz="1100" dirty="0" smtClean="0"/>
+              <a:rPr lang="ko-KR" altLang="en-US" sz="1100" dirty="0"/>
               <a:t>처리 상황을 출력 </a:t>
             </a:r>
             <a:r>
-              <a:rPr lang="en-US" altLang="ko-KR" sz="1100" dirty="0" smtClean="0"/>
+              <a:rPr lang="en-US" altLang="ko-KR" sz="1100" dirty="0"/>
               <a:t>(</a:t>
             </a:r>
             <a:r>
-              <a:rPr lang="ko-KR" altLang="en-US" sz="1100" dirty="0" smtClean="0"/>
+              <a:rPr lang="ko-KR" altLang="en-US" sz="1100" dirty="0"/>
               <a:t>삭제되었습니다</a:t>
             </a:r>
             <a:r>
-              <a:rPr lang="en-US" altLang="ko-KR" sz="1100" dirty="0" smtClean="0"/>
+              <a:rPr lang="en-US" altLang="ko-KR" sz="1100" dirty="0"/>
               <a:t>/</a:t>
             </a:r>
             <a:r>
-              <a:rPr lang="ko-KR" altLang="en-US" sz="1100" dirty="0" smtClean="0"/>
+              <a:rPr lang="ko-KR" altLang="en-US" sz="1100" dirty="0"/>
               <a:t>등록되었습니다</a:t>
             </a:r>
             <a:r>
-              <a:rPr lang="en-US" altLang="ko-KR" sz="1100" dirty="0" smtClean="0"/>
+              <a:rPr lang="en-US" altLang="ko-KR" sz="1100" dirty="0"/>
               <a:t>/ </a:t>
             </a:r>
             <a:r>
-              <a:rPr lang="ko-KR" altLang="en-US" sz="1100" dirty="0" err="1" smtClean="0"/>
+              <a:rPr lang="ko-KR" altLang="en-US" sz="1100" dirty="0" err="1"/>
               <a:t>에러등등</a:t>
             </a:r>
             <a:r>
-              <a:rPr lang="en-US" altLang="ko-KR" sz="1100" dirty="0" smtClean="0"/>
+              <a:rPr lang="en-US" altLang="ko-KR" sz="1100" dirty="0"/>
               <a:t>)</a:t>
             </a:r>
           </a:p>
           <a:p>
             <a:r>
-              <a:rPr lang="ko-KR" altLang="en-US" sz="1100" dirty="0" smtClean="0"/>
+              <a:rPr lang="ko-KR" altLang="en-US" sz="1100" dirty="0"/>
               <a:t>재고현황 버튼을 누르면 재고현황으로 간다네</a:t>
             </a:r>
-            <a:endParaRPr lang="en-US" altLang="ko-KR" sz="1100" dirty="0" smtClean="0"/>
+            <a:endParaRPr lang="en-US" altLang="ko-KR" sz="1100" dirty="0"/>
           </a:p>
         </p:txBody>
       </p:sp>
@@ -36790,13 +36454,6 @@
   <p:clrMapOvr>
     <a:masterClrMapping/>
   </p:clrMapOvr>
-  <p:timing>
-    <p:tnLst>
-      <p:par>
-        <p:cTn id="1" dur="indefinite" restart="never" nodeType="tmRoot"/>
-      </p:par>
-    </p:tnLst>
-  </p:timing>
 </p:sld>
 </file>
 
@@ -36972,7 +36629,7 @@
               <a:buChar char="ü"/>
             </a:pPr>
             <a:r>
-              <a:rPr lang="en-US" altLang="ko-KR" sz="1600" dirty="0" smtClean="0"/>
+              <a:rPr lang="en-US" altLang="ko-KR" sz="1600" dirty="0"/>
               <a:t>(</a:t>
             </a:r>
             <a:r>
@@ -36980,14 +36637,14 @@
               <a:t>유통판매</a:t>
             </a:r>
             <a:r>
-              <a:rPr lang="en-US" altLang="ko-KR" sz="1600" dirty="0" smtClean="0"/>
+              <a:rPr lang="en-US" altLang="ko-KR" sz="1600" dirty="0"/>
               <a:t>)</a:t>
             </a:r>
             <a:r>
-              <a:rPr lang="ko-KR" altLang="en-US" sz="1600" dirty="0" smtClean="0"/>
+              <a:rPr lang="ko-KR" altLang="en-US" sz="1600" dirty="0"/>
               <a:t>재고현황구현</a:t>
             </a:r>
-            <a:endParaRPr lang="en-US" altLang="ko-KR" sz="1600" dirty="0" smtClean="0"/>
+            <a:endParaRPr lang="en-US" altLang="ko-KR" sz="1600" dirty="0"/>
           </a:p>
           <a:p>
             <a:pPr marL="285750" indent="-285750">
@@ -37008,11 +36665,11 @@
               <a:buChar char="§"/>
             </a:pPr>
             <a:r>
-              <a:rPr lang="ko-KR" altLang="en-US" sz="1050" dirty="0" smtClean="0"/>
+              <a:rPr lang="ko-KR" altLang="en-US" sz="1050" dirty="0"/>
               <a:t>재고현황시스템구현</a:t>
             </a:r>
             <a:r>
-              <a:rPr lang="en-US" altLang="ko-KR" sz="1050" dirty="0" smtClean="0"/>
+              <a:rPr lang="en-US" altLang="ko-KR" sz="1050" dirty="0"/>
               <a:t>(</a:t>
             </a:r>
             <a:r>
@@ -37020,7 +36677,7 @@
               <a:t>★ ★ </a:t>
             </a:r>
             <a:r>
-              <a:rPr lang="en-US" altLang="ko-KR" sz="1050" dirty="0" smtClean="0"/>
+              <a:rPr lang="en-US" altLang="ko-KR" sz="1050" dirty="0"/>
               <a:t>)</a:t>
             </a:r>
           </a:p>
@@ -37043,10 +36700,10 @@
               <a:buChar char="§"/>
             </a:pPr>
             <a:r>
-              <a:rPr lang="ko-KR" altLang="en-US" sz="1050" dirty="0" smtClean="0"/>
+              <a:rPr lang="ko-KR" altLang="en-US" sz="1050" dirty="0"/>
               <a:t>재고현황총괄</a:t>
             </a:r>
-            <a:endParaRPr lang="en-US" altLang="ko-KR" sz="1050" dirty="0" smtClean="0"/>
+            <a:endParaRPr lang="en-US" altLang="ko-KR" sz="1050" dirty="0"/>
           </a:p>
           <a:p>
             <a:pPr marL="171450" indent="-171450">
@@ -37057,10 +36714,10 @@
               <a:buChar char="§"/>
             </a:pPr>
             <a:r>
-              <a:rPr lang="ko-KR" altLang="en-US" sz="1050" dirty="0" smtClean="0"/>
+              <a:rPr lang="ko-KR" altLang="en-US" sz="1050" dirty="0"/>
               <a:t>신규상품등록</a:t>
             </a:r>
-            <a:endParaRPr lang="en-US" altLang="ko-KR" sz="1050" dirty="0" smtClean="0"/>
+            <a:endParaRPr lang="en-US" altLang="ko-KR" sz="1050" dirty="0"/>
           </a:p>
           <a:p>
             <a:pPr marL="171450" indent="-171450">
@@ -37071,10 +36728,10 @@
               <a:buChar char="§"/>
             </a:pPr>
             <a:r>
-              <a:rPr lang="ko-KR" altLang="en-US" sz="1050" dirty="0" smtClean="0"/>
+              <a:rPr lang="ko-KR" altLang="en-US" sz="1050" dirty="0"/>
               <a:t>상품삭제</a:t>
             </a:r>
-            <a:endParaRPr lang="en-US" altLang="ko-KR" sz="1050" dirty="0" smtClean="0"/>
+            <a:endParaRPr lang="en-US" altLang="ko-KR" sz="1050" dirty="0"/>
           </a:p>
           <a:p>
             <a:pPr marL="171450" indent="-171450">
@@ -37085,7 +36742,7 @@
               <a:buChar char="§"/>
             </a:pPr>
             <a:r>
-              <a:rPr lang="ko-KR" altLang="en-US" sz="1050" dirty="0" smtClean="0"/>
+              <a:rPr lang="ko-KR" altLang="en-US" sz="1050" dirty="0"/>
               <a:t>재고파악수정</a:t>
             </a:r>
             <a:endParaRPr lang="en-US" altLang="ko-KR" sz="1050" dirty="0"/>
@@ -37126,19 +36783,19 @@
               </a:spcBef>
             </a:pPr>
             <a:r>
-              <a:rPr lang="en-US" altLang="ko-KR" sz="1800" dirty="0" smtClean="0"/>
+              <a:rPr lang="en-US" altLang="ko-KR" sz="1800" dirty="0"/>
               <a:t>3.</a:t>
             </a:r>
             <a:r>
-              <a:rPr lang="ko-KR" altLang="en-US" sz="1800" dirty="0" smtClean="0"/>
+              <a:rPr lang="ko-KR" altLang="en-US" sz="1800" dirty="0"/>
               <a:t>이해하기 </a:t>
             </a:r>
             <a:r>
-              <a:rPr lang="en-US" altLang="ko-KR" sz="1800" dirty="0" smtClean="0"/>
+              <a:rPr lang="en-US" altLang="ko-KR" sz="1800" dirty="0"/>
               <a:t>/ 4. </a:t>
             </a:r>
             <a:r>
-              <a:rPr lang="ko-KR" altLang="en-US" sz="1800" dirty="0" smtClean="0"/>
+              <a:rPr lang="ko-KR" altLang="en-US" sz="1800" dirty="0"/>
               <a:t>실습하기 </a:t>
             </a:r>
             <a:endParaRPr lang="en-US" altLang="ko-KR" dirty="0"/>
@@ -37235,14 +36892,14 @@
           <a:lstStyle/>
           <a:p>
             <a:r>
-              <a:rPr lang="ko-KR" altLang="en-US" dirty="0" smtClean="0">
+              <a:rPr lang="ko-KR" altLang="en-US" dirty="0">
                 <a:solidFill>
                   <a:srgbClr val="FF0000"/>
                 </a:solidFill>
               </a:rPr>
               <a:t>게시판은 결국 </a:t>
             </a:r>
-            <a:endParaRPr lang="en-US" altLang="ko-KR" dirty="0" smtClean="0">
+            <a:endParaRPr lang="en-US" altLang="ko-KR" dirty="0">
               <a:solidFill>
                 <a:srgbClr val="FF0000"/>
               </a:solidFill>
@@ -37250,14 +36907,14 @@
           </a:p>
           <a:p>
             <a:r>
-              <a:rPr lang="ko-KR" altLang="en-US" dirty="0" smtClean="0">
+              <a:rPr lang="ko-KR" altLang="en-US" dirty="0">
                 <a:solidFill>
                   <a:srgbClr val="FF0000"/>
                 </a:solidFill>
               </a:rPr>
               <a:t>일반적 업무처리</a:t>
             </a:r>
-            <a:endParaRPr lang="en-US" altLang="ko-KR" dirty="0" smtClean="0">
+            <a:endParaRPr lang="en-US" altLang="ko-KR" dirty="0">
               <a:solidFill>
                 <a:srgbClr val="FF0000"/>
               </a:solidFill>
@@ -37265,7 +36922,7 @@
           </a:p>
           <a:p>
             <a:r>
-              <a:rPr lang="ko-KR" altLang="en-US" dirty="0" smtClean="0">
+              <a:rPr lang="ko-KR" altLang="en-US" dirty="0">
                 <a:solidFill>
                   <a:srgbClr val="FF0000"/>
                 </a:solidFill>
@@ -37273,7 +36930,7 @@
               <a:t>시스템의 기본이다</a:t>
             </a:r>
             <a:r>
-              <a:rPr lang="en-US" altLang="ko-KR" dirty="0" smtClean="0">
+              <a:rPr lang="en-US" altLang="ko-KR" dirty="0">
                 <a:solidFill>
                   <a:srgbClr val="FF0000"/>
                 </a:solidFill>
@@ -37336,11 +36993,11 @@
                     <a:p>
                       <a:pPr latinLnBrk="1"/>
                       <a:r>
-                        <a:rPr lang="ko-KR" altLang="en-US" sz="1000" dirty="0" smtClean="0"/>
+                        <a:rPr lang="ko-KR" altLang="en-US" sz="1000" dirty="0"/>
                         <a:t>상품</a:t>
                       </a:r>
                       <a:r>
-                        <a:rPr lang="ko-KR" altLang="en-US" sz="1000" baseline="0" dirty="0" smtClean="0"/>
+                        <a:rPr lang="ko-KR" altLang="en-US" sz="1000" baseline="0" dirty="0"/>
                         <a:t> 번호</a:t>
                       </a:r>
                       <a:endParaRPr lang="ko-KR" altLang="en-US" sz="1000" dirty="0"/>
@@ -37355,7 +37012,7 @@
                     <a:p>
                       <a:pPr latinLnBrk="1"/>
                       <a:r>
-                        <a:rPr lang="en-US" altLang="ko-KR" sz="1000" dirty="0" smtClean="0"/>
+                        <a:rPr lang="en-US" altLang="ko-KR" sz="1000" dirty="0"/>
                         <a:t>122122</a:t>
                       </a:r>
                       <a:endParaRPr lang="ko-KR" altLang="en-US" sz="1000" dirty="0"/>
@@ -37377,10 +37034,9 @@
                     <a:p>
                       <a:pPr latinLnBrk="1"/>
                       <a:r>
-                        <a:rPr lang="ko-KR" altLang="en-US" sz="1000" dirty="0" smtClean="0"/>
+                        <a:rPr lang="ko-KR" altLang="en-US" sz="1000" dirty="0"/>
                         <a:t>상품명</a:t>
                       </a:r>
-                      <a:endParaRPr lang="ko-KR" altLang="en-US" sz="1000" dirty="0"/>
                     </a:p>
                   </a:txBody>
                   <a:tcPr/>
@@ -37392,10 +37048,9 @@
                     <a:p>
                       <a:pPr latinLnBrk="1"/>
                       <a:r>
-                        <a:rPr lang="ko-KR" altLang="en-US" sz="1000" dirty="0" smtClean="0"/>
+                        <a:rPr lang="ko-KR" altLang="en-US" sz="1000" dirty="0"/>
                         <a:t>바나나</a:t>
                       </a:r>
-                      <a:endParaRPr lang="ko-KR" altLang="en-US" sz="1000" dirty="0"/>
                     </a:p>
                   </a:txBody>
                   <a:tcPr/>
@@ -37414,10 +37069,9 @@
                     <a:p>
                       <a:pPr latinLnBrk="1"/>
                       <a:r>
-                        <a:rPr lang="ko-KR" altLang="en-US" sz="1000" dirty="0" smtClean="0"/>
+                        <a:rPr lang="ko-KR" altLang="en-US" sz="1000" dirty="0"/>
                         <a:t>재고 현황</a:t>
                       </a:r>
-                      <a:endParaRPr lang="ko-KR" altLang="en-US" sz="1000" dirty="0"/>
                     </a:p>
                   </a:txBody>
                   <a:tcPr/>
@@ -37429,7 +37083,7 @@
                     <a:p>
                       <a:pPr latinLnBrk="1"/>
                       <a:r>
-                        <a:rPr lang="en-US" altLang="ko-KR" sz="1000" dirty="0" smtClean="0"/>
+                        <a:rPr lang="en-US" altLang="ko-KR" sz="1000" dirty="0"/>
                         <a:t>10</a:t>
                       </a:r>
                       <a:endParaRPr lang="ko-KR" altLang="en-US" sz="1000" dirty="0"/>
@@ -37451,10 +37105,9 @@
                     <a:p>
                       <a:pPr latinLnBrk="1"/>
                       <a:r>
-                        <a:rPr lang="ko-KR" altLang="en-US" sz="1000" dirty="0" smtClean="0"/>
+                        <a:rPr lang="ko-KR" altLang="en-US" sz="1000" dirty="0"/>
                         <a:t>상품등록일</a:t>
                       </a:r>
-                      <a:endParaRPr lang="ko-KR" altLang="en-US" sz="1000" dirty="0"/>
                     </a:p>
                   </a:txBody>
                   <a:tcPr/>
@@ -37466,7 +37119,7 @@
                     <a:p>
                       <a:pPr latinLnBrk="1"/>
                       <a:r>
-                        <a:rPr lang="en-US" altLang="ko-KR" sz="1000" dirty="0" smtClean="0"/>
+                        <a:rPr lang="en-US" altLang="ko-KR" sz="1000" dirty="0"/>
                         <a:t>2017-06-10</a:t>
                       </a:r>
                       <a:endParaRPr lang="ko-KR" altLang="en-US" sz="1000" dirty="0"/>
@@ -37488,10 +37141,9 @@
                     <a:p>
                       <a:pPr latinLnBrk="1"/>
                       <a:r>
-                        <a:rPr lang="ko-KR" altLang="en-US" sz="1000" dirty="0" smtClean="0"/>
+                        <a:rPr lang="ko-KR" altLang="en-US" sz="1000" dirty="0"/>
                         <a:t>재고등록일</a:t>
                       </a:r>
-                      <a:endParaRPr lang="ko-KR" altLang="en-US" sz="1000" dirty="0"/>
                     </a:p>
                   </a:txBody>
                   <a:tcPr/>
@@ -37503,7 +37155,7 @@
                     <a:p>
                       <a:pPr latinLnBrk="1"/>
                       <a:r>
-                        <a:rPr lang="en-US" altLang="ko-KR" sz="1000" dirty="0" smtClean="0"/>
+                        <a:rPr lang="en-US" altLang="ko-KR" sz="1000" dirty="0"/>
                         <a:t>2017-06-10</a:t>
                       </a:r>
                       <a:endParaRPr lang="ko-KR" altLang="en-US" sz="1000" dirty="0"/>
@@ -37525,10 +37177,9 @@
                     <a:p>
                       <a:pPr latinLnBrk="1"/>
                       <a:r>
-                        <a:rPr lang="ko-KR" altLang="en-US" sz="1000" dirty="0" smtClean="0"/>
+                        <a:rPr lang="ko-KR" altLang="en-US" sz="1000" dirty="0"/>
                         <a:t>상품설명</a:t>
                       </a:r>
-                      <a:endParaRPr lang="ko-KR" altLang="en-US" sz="1000" dirty="0"/>
                     </a:p>
                   </a:txBody>
                   <a:tcPr/>
@@ -37540,22 +37191,21 @@
                     <a:p>
                       <a:pPr latinLnBrk="1"/>
                       <a:r>
-                        <a:rPr lang="ko-KR" altLang="en-US" sz="1000" dirty="0" err="1" smtClean="0"/>
+                        <a:rPr lang="ko-KR" altLang="en-US" sz="1000" dirty="0" err="1"/>
                         <a:t>알래스카산</a:t>
                       </a:r>
                       <a:r>
-                        <a:rPr lang="ko-KR" altLang="en-US" sz="1000" dirty="0" smtClean="0"/>
+                        <a:rPr lang="ko-KR" altLang="en-US" sz="1000" dirty="0"/>
                         <a:t> 바나나로 </a:t>
                       </a:r>
                       <a:r>
-                        <a:rPr lang="ko-KR" altLang="en-US" sz="1000" dirty="0" err="1" smtClean="0"/>
+                        <a:rPr lang="ko-KR" altLang="en-US" sz="1000" dirty="0" err="1"/>
                         <a:t>맘모스의</a:t>
                       </a:r>
                       <a:r>
-                        <a:rPr lang="ko-KR" altLang="en-US" sz="1000" dirty="0" smtClean="0"/>
+                        <a:rPr lang="ko-KR" altLang="en-US" sz="1000" dirty="0"/>
                         <a:t> 아침식사</a:t>
                       </a:r>
-                      <a:endParaRPr lang="ko-KR" altLang="en-US" sz="1000" dirty="0"/>
                     </a:p>
                   </a:txBody>
                   <a:tcPr/>
@@ -37574,10 +37224,9 @@
                     <a:p>
                       <a:pPr latinLnBrk="1"/>
                       <a:r>
-                        <a:rPr lang="ko-KR" altLang="en-US" sz="1000" dirty="0" smtClean="0"/>
+                        <a:rPr lang="ko-KR" altLang="en-US" sz="1000" dirty="0"/>
                         <a:t>상품사진</a:t>
                       </a:r>
-                      <a:endParaRPr lang="ko-KR" altLang="en-US" sz="1000" dirty="0"/>
                     </a:p>
                   </a:txBody>
                   <a:tcPr/>
@@ -37588,31 +37237,31 @@
                     <a:lstStyle/>
                     <a:p>
                       <a:pPr latinLnBrk="1"/>
-                      <a:endParaRPr lang="en-US" altLang="ko-KR" sz="1000" dirty="0" smtClean="0"/>
+                      <a:endParaRPr lang="en-US" altLang="ko-KR" sz="1000" dirty="0"/>
                     </a:p>
                     <a:p>
                       <a:pPr latinLnBrk="1"/>
-                      <a:endParaRPr lang="en-US" altLang="ko-KR" sz="1000" dirty="0" smtClean="0"/>
+                      <a:endParaRPr lang="en-US" altLang="ko-KR" sz="1000" dirty="0"/>
                     </a:p>
                     <a:p>
                       <a:pPr latinLnBrk="1"/>
-                      <a:endParaRPr lang="en-US" altLang="ko-KR" sz="1000" dirty="0" smtClean="0"/>
+                      <a:endParaRPr lang="en-US" altLang="ko-KR" sz="1000" dirty="0"/>
                     </a:p>
                     <a:p>
                       <a:pPr latinLnBrk="1"/>
-                      <a:endParaRPr lang="en-US" altLang="ko-KR" sz="1000" dirty="0" smtClean="0"/>
+                      <a:endParaRPr lang="en-US" altLang="ko-KR" sz="1000" dirty="0"/>
                     </a:p>
                     <a:p>
                       <a:pPr latinLnBrk="1"/>
-                      <a:endParaRPr lang="en-US" altLang="ko-KR" sz="1000" dirty="0" smtClean="0"/>
+                      <a:endParaRPr lang="en-US" altLang="ko-KR" sz="1000" dirty="0"/>
                     </a:p>
                     <a:p>
                       <a:pPr latinLnBrk="1"/>
-                      <a:endParaRPr lang="en-US" altLang="ko-KR" sz="1000" dirty="0" smtClean="0"/>
+                      <a:endParaRPr lang="en-US" altLang="ko-KR" sz="1000" dirty="0"/>
                     </a:p>
                     <a:p>
                       <a:pPr latinLnBrk="1"/>
-                      <a:endParaRPr lang="en-US" altLang="ko-KR" sz="1000" dirty="0" smtClean="0"/>
+                      <a:endParaRPr lang="en-US" altLang="ko-KR" sz="1000" dirty="0"/>
                     </a:p>
                     <a:p>
                       <a:pPr latinLnBrk="1"/>
@@ -37715,7 +37364,7 @@
               <a:buChar char="•"/>
               <a:tabLst/>
             </a:pPr>
-            <a:endParaRPr kumimoji="0" lang="ko-KR" altLang="en-US" sz="1000" b="0" i="0" u="none" strike="noStrike" cap="none" normalizeH="0" baseline="0" smtClean="0">
+            <a:endParaRPr kumimoji="0" lang="ko-KR" altLang="en-US" sz="1000" b="0" i="0" u="none" strike="noStrike" cap="none" normalizeH="0" baseline="0">
               <a:ln>
                 <a:noFill/>
               </a:ln>
@@ -37792,7 +37441,7 @@
               <a:tabLst/>
             </a:pPr>
             <a:r>
-              <a:rPr kumimoji="0" lang="ko-KR" altLang="en-US" sz="1000" i="0" u="none" strike="noStrike" cap="none" normalizeH="0" baseline="0" dirty="0" smtClean="0">
+              <a:rPr kumimoji="0" lang="ko-KR" altLang="en-US" sz="1000" i="0" u="none" strike="noStrike" cap="none" normalizeH="0" baseline="0" dirty="0">
                 <a:ln>
                   <a:noFill/>
                 </a:ln>
@@ -37837,29 +37486,29 @@
           <a:lstStyle/>
           <a:p>
             <a:r>
-              <a:rPr lang="ko-KR" altLang="en-US" sz="1100" dirty="0" smtClean="0"/>
+              <a:rPr lang="ko-KR" altLang="en-US" sz="1100" dirty="0"/>
               <a:t>재고 수정화면은 재고수만 수정가능</a:t>
             </a:r>
-            <a:endParaRPr lang="en-US" altLang="ko-KR" sz="1100" dirty="0" smtClean="0"/>
-          </a:p>
-          <a:p>
-            <a:r>
-              <a:rPr lang="ko-KR" altLang="en-US" sz="1100" dirty="0" err="1" smtClean="0"/>
+            <a:endParaRPr lang="en-US" altLang="ko-KR" sz="1100" dirty="0"/>
+          </a:p>
+          <a:p>
+            <a:r>
+              <a:rPr lang="ko-KR" altLang="en-US" sz="1100" dirty="0" err="1"/>
               <a:t>재고등록일은</a:t>
             </a:r>
             <a:r>
-              <a:rPr lang="ko-KR" altLang="en-US" sz="1100" dirty="0" smtClean="0"/>
+              <a:rPr lang="ko-KR" altLang="en-US" sz="1100" dirty="0"/>
               <a:t> </a:t>
             </a:r>
             <a:r>
-              <a:rPr lang="ko-KR" altLang="en-US" sz="1100" dirty="0" err="1" smtClean="0"/>
+              <a:rPr lang="ko-KR" altLang="en-US" sz="1100" dirty="0" err="1"/>
               <a:t>수정시</a:t>
             </a:r>
             <a:r>
-              <a:rPr lang="ko-KR" altLang="en-US" sz="1100" dirty="0" smtClean="0"/>
+              <a:rPr lang="ko-KR" altLang="en-US" sz="1100" dirty="0"/>
               <a:t> 날짜로 매번 수정</a:t>
             </a:r>
-            <a:endParaRPr lang="en-US" altLang="ko-KR" sz="1100" dirty="0" smtClean="0"/>
+            <a:endParaRPr lang="en-US" altLang="ko-KR" sz="1100" dirty="0"/>
           </a:p>
         </p:txBody>
       </p:sp>
@@ -37899,18 +37548,14 @@
             </a:r>
             <a:r>
               <a:rPr lang="ko-KR" altLang="en-US" dirty="0"/>
-              <a:t> 재고 </a:t>
-            </a:r>
-            <a:r>
-              <a:rPr lang="ko-KR" altLang="en-US" dirty="0" smtClean="0"/>
-              <a:t>현황</a:t>
-            </a:r>
-            <a:r>
-              <a:rPr lang="en-US" altLang="ko-KR" dirty="0" smtClean="0"/>
+              <a:t> 재고 현황</a:t>
+            </a:r>
+            <a:r>
+              <a:rPr lang="en-US" altLang="ko-KR" dirty="0"/>
               <a:t>-</a:t>
             </a:r>
             <a:r>
-              <a:rPr lang="ko-KR" altLang="en-US" dirty="0" smtClean="0"/>
+              <a:rPr lang="ko-KR" altLang="en-US" dirty="0"/>
               <a:t>재고수정</a:t>
             </a:r>
             <a:endParaRPr lang="en-US" altLang="ko-KR" dirty="0"/>
@@ -37927,13 +37572,6 @@
   <p:clrMapOvr>
     <a:masterClrMapping/>
   </p:clrMapOvr>
-  <p:timing>
-    <p:tnLst>
-      <p:par>
-        <p:cTn id="1" dur="indefinite" restart="never" nodeType="tmRoot"/>
-      </p:par>
-    </p:tnLst>
-  </p:timing>
 </p:sld>
 </file>
 
@@ -38079,16 +37717,12 @@
               </a:spcBef>
             </a:pPr>
             <a:r>
-              <a:rPr lang="en-US" altLang="ko-KR" sz="1800" dirty="0" smtClean="0"/>
+              <a:rPr lang="en-US" altLang="ko-KR" sz="1800" dirty="0"/>
               <a:t>1. </a:t>
             </a:r>
             <a:r>
               <a:rPr lang="ko-KR" altLang="en-US" sz="1800" dirty="0"/>
-              <a:t>강의 </a:t>
-            </a:r>
-            <a:r>
-              <a:rPr lang="ko-KR" altLang="en-US" sz="1800" dirty="0" smtClean="0"/>
-              <a:t>들어가기</a:t>
+              <a:t>강의 들어가기</a:t>
             </a:r>
             <a:endParaRPr lang="en-US" altLang="ko-KR" sz="1800" dirty="0"/>
           </a:p>
@@ -38255,10 +37889,10 @@
               <a:buChar char="ü"/>
             </a:pPr>
             <a:r>
-              <a:rPr lang="ko-KR" altLang="en-US" sz="1600" dirty="0" smtClean="0"/>
+              <a:rPr lang="ko-KR" altLang="en-US" sz="1600" dirty="0"/>
               <a:t>학습목표 제시</a:t>
             </a:r>
-            <a:endParaRPr lang="en-US" altLang="ko-KR" sz="1600" dirty="0" smtClean="0"/>
+            <a:endParaRPr lang="en-US" altLang="ko-KR" sz="1600" dirty="0"/>
           </a:p>
           <a:p>
             <a:pPr marL="0" indent="0">
@@ -38319,13 +37953,6 @@
   <p:clrMapOvr>
     <a:masterClrMapping/>
   </p:clrMapOvr>
-  <p:timing>
-    <p:tnLst>
-      <p:par>
-        <p:cTn id="1" dur="indefinite" restart="never" nodeType="tmRoot"/>
-      </p:par>
-    </p:tnLst>
-  </p:timing>
 </p:sld>
 </file>
 
@@ -38407,7 +38034,7 @@
               <a:buChar char="•"/>
               <a:tabLst/>
             </a:pPr>
-            <a:endParaRPr kumimoji="0" lang="ko-KR" altLang="en-US" sz="1000" b="0" i="0" u="none" strike="noStrike" cap="none" normalizeH="0" baseline="0" dirty="0" smtClean="0">
+            <a:endParaRPr kumimoji="0" lang="ko-KR" altLang="en-US" sz="1000" b="0" i="0" u="none" strike="noStrike" cap="none" normalizeH="0" baseline="0" dirty="0">
               <a:ln>
                 <a:noFill/>
               </a:ln>
@@ -38499,30 +38126,29 @@
               <a:buChar char="ü"/>
             </a:pPr>
             <a:r>
-              <a:rPr lang="ko-KR" altLang="en-US" dirty="0" smtClean="0"/>
+              <a:rPr lang="ko-KR" altLang="en-US" dirty="0"/>
               <a:t>다음 제시된 내용을 자필로 작성하여 제출 하시오 </a:t>
             </a:r>
             <a:r>
-              <a:rPr lang="en-US" altLang="ko-KR" dirty="0" smtClean="0"/>
+              <a:rPr lang="en-US" altLang="ko-KR" dirty="0"/>
               <a:t>(</a:t>
             </a:r>
             <a:r>
-              <a:rPr lang="ko-KR" altLang="en-US" dirty="0" smtClean="0"/>
+              <a:rPr lang="ko-KR" altLang="en-US" dirty="0"/>
               <a:t>상단 학번</a:t>
             </a:r>
             <a:r>
-              <a:rPr lang="en-US" altLang="ko-KR" dirty="0" smtClean="0"/>
+              <a:rPr lang="en-US" altLang="ko-KR" dirty="0"/>
               <a:t>, </a:t>
             </a:r>
             <a:r>
-              <a:rPr lang="ko-KR" altLang="en-US" dirty="0" smtClean="0"/>
+              <a:rPr lang="ko-KR" altLang="en-US" dirty="0"/>
               <a:t>이름 기입</a:t>
             </a:r>
             <a:r>
-              <a:rPr lang="en-US" altLang="ko-KR" dirty="0" smtClean="0"/>
+              <a:rPr lang="en-US" altLang="ko-KR" dirty="0"/>
               <a:t>)</a:t>
             </a:r>
-            <a:endParaRPr lang="en-US" altLang="ko-KR" dirty="0"/>
           </a:p>
         </p:txBody>
       </p:sp>
@@ -38610,14 +38236,10 @@
             </a:pPr>
             <a:r>
               <a:rPr lang="en-US" altLang="ko-KR" sz="1800" dirty="0"/>
-              <a:t>6</a:t>
-            </a:r>
-            <a:r>
-              <a:rPr lang="en-US" altLang="ko-KR" sz="1800" dirty="0" smtClean="0"/>
-              <a:t>. </a:t>
-            </a:r>
-            <a:r>
-              <a:rPr lang="ko-KR" altLang="en-US" sz="1800" dirty="0" smtClean="0"/>
+              <a:t>6. </a:t>
+            </a:r>
+            <a:r>
+              <a:rPr lang="ko-KR" altLang="en-US" sz="1800" dirty="0"/>
               <a:t>정리하기</a:t>
             </a:r>
             <a:endParaRPr lang="en-US" altLang="ko-KR" dirty="0"/>
@@ -38652,15 +38274,15 @@
               <a:buAutoNum type="arabicPeriod"/>
             </a:pPr>
             <a:r>
-              <a:rPr lang="ko-KR" altLang="en-US" sz="1800" dirty="0" err="1" smtClean="0"/>
+              <a:rPr lang="ko-KR" altLang="en-US" sz="1800" dirty="0" err="1"/>
               <a:t>필기없음</a:t>
             </a:r>
             <a:r>
-              <a:rPr lang="en-US" altLang="ko-KR" sz="1800" dirty="0" smtClean="0"/>
+              <a:rPr lang="en-US" altLang="ko-KR" sz="1800" dirty="0"/>
               <a:t> </a:t>
             </a:r>
             <a:r>
-              <a:rPr lang="ko-KR" altLang="en-US" sz="1800" dirty="0" smtClean="0"/>
+              <a:rPr lang="ko-KR" altLang="en-US" sz="1800" dirty="0"/>
               <a:t>단 코멘트를 잘 달았는지 검토하셔요</a:t>
             </a:r>
             <a:endParaRPr lang="en-US" altLang="ko-KR" sz="1400" dirty="0"/>
@@ -38677,13 +38299,6 @@
   <p:clrMapOvr>
     <a:masterClrMapping/>
   </p:clrMapOvr>
-  <p:timing>
-    <p:tnLst>
-      <p:par>
-        <p:cTn id="1" dur="indefinite" restart="never" nodeType="tmRoot"/>
-      </p:par>
-    </p:tnLst>
-  </p:timing>
 </p:sld>
 </file>
 
@@ -38830,18 +38445,14 @@
             </a:pPr>
             <a:r>
               <a:rPr lang="en-US" altLang="ko-KR" sz="1800" dirty="0"/>
-              <a:t>7</a:t>
-            </a:r>
-            <a:r>
-              <a:rPr lang="en-US" altLang="ko-KR" sz="1800" dirty="0" smtClean="0"/>
-              <a:t>. </a:t>
-            </a:r>
-            <a:r>
-              <a:rPr lang="ko-KR" altLang="en-US" sz="1800" dirty="0" err="1" smtClean="0"/>
+              <a:t>7. </a:t>
+            </a:r>
+            <a:r>
+              <a:rPr lang="ko-KR" altLang="en-US" sz="1800" dirty="0" err="1"/>
               <a:t>차시</a:t>
             </a:r>
             <a:r>
-              <a:rPr lang="ko-KR" altLang="en-US" sz="1800" dirty="0" smtClean="0"/>
+              <a:rPr lang="ko-KR" altLang="en-US" sz="1800" dirty="0"/>
               <a:t> 예고</a:t>
             </a:r>
             <a:endParaRPr lang="en-US" altLang="ko-KR" dirty="0"/>
@@ -39009,14 +38620,14 @@
               <a:buChar char="ü"/>
             </a:pPr>
             <a:r>
-              <a:rPr lang="ko-KR" altLang="en-US" sz="1600" dirty="0" err="1" smtClean="0"/>
+              <a:rPr lang="ko-KR" altLang="en-US" sz="1600" dirty="0" err="1"/>
               <a:t>차시</a:t>
             </a:r>
             <a:r>
-              <a:rPr lang="ko-KR" altLang="en-US" sz="1600" dirty="0" smtClean="0"/>
+              <a:rPr lang="ko-KR" altLang="en-US" sz="1600" dirty="0"/>
               <a:t> 준비</a:t>
             </a:r>
-            <a:endParaRPr lang="en-US" altLang="ko-KR" sz="1600" dirty="0" smtClean="0"/>
+            <a:endParaRPr lang="en-US" altLang="ko-KR" sz="1600" dirty="0"/>
           </a:p>
           <a:p>
             <a:pPr eaLnBrk="1" latinLnBrk="0" hangingPunct="1">
@@ -39034,14 +38645,10 @@
             </a:pPr>
             <a:r>
               <a:rPr lang="en-US" altLang="ko-KR" sz="1200" dirty="0"/>
-              <a:t>8</a:t>
-            </a:r>
-            <a:r>
-              <a:rPr lang="en-US" altLang="ko-KR" sz="1200" dirty="0" smtClean="0"/>
-              <a:t>. </a:t>
-            </a:r>
-            <a:r>
-              <a:rPr lang="ko-KR" altLang="en-US" sz="1200" dirty="0" err="1" smtClean="0"/>
+              <a:t>8. </a:t>
+            </a:r>
+            <a:r>
+              <a:rPr lang="ko-KR" altLang="en-US" sz="1200" dirty="0" err="1"/>
               <a:t>댓글달기기능</a:t>
             </a:r>
             <a:endParaRPr lang="en-US" altLang="ko-KR" sz="1200" dirty="0"/>
@@ -39058,13 +38665,6 @@
   <p:clrMapOvr>
     <a:masterClrMapping/>
   </p:clrMapOvr>
-  <p:timing>
-    <p:tnLst>
-      <p:par>
-        <p:cTn id="1" dur="indefinite" restart="never" nodeType="tmRoot"/>
-      </p:par>
-    </p:tnLst>
-  </p:timing>
 </p:sld>
 </file>
 
@@ -39211,14 +38811,10 @@
             </a:pPr>
             <a:r>
               <a:rPr lang="en-US" altLang="ko-KR" sz="1800" dirty="0"/>
-              <a:t>2</a:t>
-            </a:r>
-            <a:r>
-              <a:rPr lang="en-US" altLang="ko-KR" sz="1800" dirty="0" smtClean="0"/>
-              <a:t>. </a:t>
-            </a:r>
-            <a:r>
-              <a:rPr lang="ko-KR" altLang="en-US" sz="1800" dirty="0" smtClean="0"/>
+              <a:t>2. </a:t>
+            </a:r>
+            <a:r>
+              <a:rPr lang="ko-KR" altLang="en-US" sz="1800" dirty="0"/>
               <a:t>생각해볼 문제 및 용어</a:t>
             </a:r>
             <a:endParaRPr lang="en-US" altLang="ko-KR" dirty="0"/>
@@ -39386,10 +38982,10 @@
               <a:buChar char="ü"/>
             </a:pPr>
             <a:r>
-              <a:rPr lang="ko-KR" altLang="en-US" sz="1600" dirty="0" smtClean="0"/>
+              <a:rPr lang="ko-KR" altLang="en-US" sz="1600" dirty="0"/>
               <a:t>학습 전 생각해볼 문제</a:t>
             </a:r>
-            <a:endParaRPr lang="en-US" altLang="ko-KR" sz="1600" dirty="0" smtClean="0"/>
+            <a:endParaRPr lang="en-US" altLang="ko-KR" sz="1600" dirty="0"/>
           </a:p>
           <a:p>
             <a:pPr eaLnBrk="1" hangingPunct="1">
@@ -39412,12 +39008,8 @@
               <a:buAutoNum type="arabicParenR"/>
             </a:pPr>
             <a:r>
-              <a:rPr lang="ko-KR" altLang="en-US" sz="1200" dirty="0" smtClean="0"/>
-              <a:t>일반 </a:t>
-            </a:r>
-            <a:r>
               <a:rPr lang="ko-KR" altLang="en-US" sz="1200" dirty="0"/>
-              <a:t>홈페이지에서 자유게시판을 이루는 화면을 조사해 봅시다</a:t>
+              <a:t>일반 홈페이지에서 자유게시판을 이루는 화면을 조사해 봅시다</a:t>
             </a:r>
             <a:endParaRPr lang="en-US" altLang="ko-KR" sz="1200" dirty="0"/>
           </a:p>
@@ -39444,13 +39036,6 @@
   <p:clrMapOvr>
     <a:masterClrMapping/>
   </p:clrMapOvr>
-  <p:timing>
-    <p:tnLst>
-      <p:par>
-        <p:cTn id="1" dur="indefinite" restart="never" nodeType="tmRoot"/>
-      </p:par>
-    </p:tnLst>
-  </p:timing>
 </p:sld>
 </file>
 
@@ -39597,14 +39182,10 @@
             </a:pPr>
             <a:r>
               <a:rPr lang="en-US" altLang="ko-KR" sz="1800" dirty="0"/>
-              <a:t>3</a:t>
-            </a:r>
-            <a:r>
-              <a:rPr lang="en-US" altLang="ko-KR" sz="1800" dirty="0" smtClean="0"/>
-              <a:t>. </a:t>
-            </a:r>
-            <a:r>
-              <a:rPr lang="ko-KR" altLang="en-US" sz="1800" dirty="0" smtClean="0"/>
+              <a:t>3. </a:t>
+            </a:r>
+            <a:r>
+              <a:rPr lang="ko-KR" altLang="en-US" sz="1800" dirty="0"/>
               <a:t>이해하기</a:t>
             </a:r>
             <a:endParaRPr lang="en-US" altLang="ko-KR" dirty="0"/>
@@ -40082,19 +39663,7 @@
                 <a:rPr lang="ko-KR" altLang="en-US" sz="1000" dirty="0">
                   <a:latin typeface="+mn-ea"/>
                 </a:rPr>
-                <a:t>목록 보기에서는 새 글을 등록하거나 조회 글 하나를 보는 </a:t>
-              </a:r>
-              <a:r>
-                <a:rPr lang="ko-KR" altLang="en-US" sz="1000" dirty="0" smtClean="0">
-                  <a:latin typeface="+mn-ea"/>
-                </a:rPr>
-                <a:t>것이 가장 </a:t>
-              </a:r>
-              <a:r>
-                <a:rPr lang="ko-KR" altLang="en-US" sz="1000" dirty="0">
-                  <a:latin typeface="+mn-ea"/>
-                </a:rPr>
-                <a:t>큰 기능임</a:t>
+                <a:t>목록 보기에서는 새 글을 등록하거나 조회 글 하나를 보는 것이 가장 큰 기능임</a:t>
               </a:r>
               <a:endParaRPr lang="en-US" altLang="ko-KR" sz="1000" dirty="0">
                 <a:latin typeface="+mn-ea"/>
@@ -40273,13 +39842,6 @@
   <p:clrMapOvr>
     <a:masterClrMapping/>
   </p:clrMapOvr>
-  <p:timing>
-    <p:tnLst>
-      <p:par>
-        <p:cTn id="1" dur="indefinite" restart="never" nodeType="tmRoot"/>
-      </p:par>
-    </p:tnLst>
-  </p:timing>
 </p:sld>
 </file>
 
@@ -40426,14 +39988,10 @@
             </a:pPr>
             <a:r>
               <a:rPr lang="en-US" altLang="ko-KR" sz="1800" dirty="0"/>
-              <a:t>3</a:t>
-            </a:r>
-            <a:r>
-              <a:rPr lang="en-US" altLang="ko-KR" sz="1800" dirty="0" smtClean="0"/>
-              <a:t>. </a:t>
-            </a:r>
-            <a:r>
-              <a:rPr lang="ko-KR" altLang="en-US" sz="1800" dirty="0" smtClean="0"/>
+              <a:t>3. </a:t>
+            </a:r>
+            <a:r>
+              <a:rPr lang="ko-KR" altLang="en-US" sz="1800" dirty="0"/>
               <a:t>이해하기</a:t>
             </a:r>
             <a:endParaRPr lang="en-US" altLang="ko-KR" dirty="0"/>
@@ -41547,13 +41105,6 @@
   <p:clrMapOvr>
     <a:masterClrMapping/>
   </p:clrMapOvr>
-  <p:timing>
-    <p:tnLst>
-      <p:par>
-        <p:cTn id="1" dur="indefinite" restart="never" nodeType="tmRoot"/>
-      </p:par>
-    </p:tnLst>
-  </p:timing>
 </p:sld>
 </file>
 
@@ -41700,14 +41251,10 @@
             </a:pPr>
             <a:r>
               <a:rPr lang="en-US" altLang="ko-KR" sz="1800" dirty="0"/>
-              <a:t>3</a:t>
-            </a:r>
-            <a:r>
-              <a:rPr lang="en-US" altLang="ko-KR" sz="1800" dirty="0" smtClean="0"/>
-              <a:t>. </a:t>
-            </a:r>
-            <a:r>
-              <a:rPr lang="ko-KR" altLang="en-US" sz="1800" dirty="0" smtClean="0"/>
+              <a:t>3. </a:t>
+            </a:r>
+            <a:r>
+              <a:rPr lang="ko-KR" altLang="en-US" sz="1800" dirty="0"/>
               <a:t>이해하기</a:t>
             </a:r>
             <a:endParaRPr lang="en-US" altLang="ko-KR" dirty="0"/>
@@ -42324,13 +41871,6 @@
   <p:clrMapOvr>
     <a:masterClrMapping/>
   </p:clrMapOvr>
-  <p:timing>
-    <p:tnLst>
-      <p:par>
-        <p:cTn id="1" dur="indefinite" restart="never" nodeType="tmRoot"/>
-      </p:par>
-    </p:tnLst>
-  </p:timing>
 </p:sld>
 </file>
 
@@ -42477,14 +42017,10 @@
             </a:pPr>
             <a:r>
               <a:rPr lang="en-US" altLang="ko-KR" sz="1800" dirty="0"/>
-              <a:t>3</a:t>
-            </a:r>
-            <a:r>
-              <a:rPr lang="en-US" altLang="ko-KR" sz="1800" dirty="0" smtClean="0"/>
-              <a:t>. </a:t>
-            </a:r>
-            <a:r>
-              <a:rPr lang="ko-KR" altLang="en-US" sz="1800" dirty="0" smtClean="0"/>
+              <a:t>3. </a:t>
+            </a:r>
+            <a:r>
+              <a:rPr lang="ko-KR" altLang="en-US" sz="1800" dirty="0"/>
               <a:t>이해하기</a:t>
             </a:r>
             <a:endParaRPr lang="en-US" altLang="ko-KR" dirty="0"/>
@@ -43165,13 +42701,6 @@
   <p:clrMapOvr>
     <a:masterClrMapping/>
   </p:clrMapOvr>
-  <p:timing>
-    <p:tnLst>
-      <p:par>
-        <p:cTn id="1" dur="indefinite" restart="never" nodeType="tmRoot"/>
-      </p:par>
-    </p:tnLst>
-  </p:timing>
 </p:sld>
 </file>
 
@@ -43318,14 +42847,10 @@
             </a:pPr>
             <a:r>
               <a:rPr lang="en-US" altLang="ko-KR" sz="1800" dirty="0"/>
-              <a:t>3</a:t>
-            </a:r>
-            <a:r>
-              <a:rPr lang="en-US" altLang="ko-KR" sz="1800" dirty="0" smtClean="0"/>
-              <a:t>. </a:t>
-            </a:r>
-            <a:r>
-              <a:rPr lang="ko-KR" altLang="en-US" sz="1800" dirty="0" smtClean="0"/>
+              <a:t>3. </a:t>
+            </a:r>
+            <a:r>
+              <a:rPr lang="ko-KR" altLang="en-US" sz="1800" dirty="0"/>
               <a:t>이해하기</a:t>
             </a:r>
             <a:endParaRPr lang="en-US" altLang="ko-KR" dirty="0"/>
@@ -44046,13 +43571,6 @@
   <p:clrMapOvr>
     <a:masterClrMapping/>
   </p:clrMapOvr>
-  <p:timing>
-    <p:tnLst>
-      <p:par>
-        <p:cTn id="1" dur="indefinite" restart="never" nodeType="tmRoot"/>
-      </p:par>
-    </p:tnLst>
-  </p:timing>
 </p:sld>
 </file>
 
